--- a/CapstoneP2/ReportOuts/ModelApproachSensorTimeSeriesData.pptx
+++ b/CapstoneP2/ReportOuts/ModelApproachSensorTimeSeriesData.pptx
@@ -17,7 +17,9 @@
     <p:sldId id="258" r:id="rId11"/>
     <p:sldId id="259" r:id="rId12"/>
     <p:sldId id="265" r:id="rId13"/>
-    <p:sldId id="266" r:id="rId14"/>
+    <p:sldId id="271" r:id="rId14"/>
+    <p:sldId id="270" r:id="rId15"/>
+    <p:sldId id="266" r:id="rId16"/>
   </p:sldIdLst>
   <p:sldSz cx="12192000" cy="6858000"/>
   <p:notesSz cx="6858000" cy="9144000"/>
@@ -271,7 +273,7 @@
           <a:p>
             <a:fld id="{41700D12-4FA1-4E13-9BF0-A2DB108FDA70}" type="datetimeFigureOut">
               <a:rPr lang="en-US" smtClean="0"/>
-              <a:t>2/6/2020</a:t>
+              <a:t>2/16/2020</a:t>
             </a:fld>
             <a:endParaRPr lang="en-US"/>
           </a:p>
@@ -469,7 +471,7 @@
           <a:p>
             <a:fld id="{41700D12-4FA1-4E13-9BF0-A2DB108FDA70}" type="datetimeFigureOut">
               <a:rPr lang="en-US" smtClean="0"/>
-              <a:t>2/6/2020</a:t>
+              <a:t>2/16/2020</a:t>
             </a:fld>
             <a:endParaRPr lang="en-US"/>
           </a:p>
@@ -677,7 +679,7 @@
           <a:p>
             <a:fld id="{41700D12-4FA1-4E13-9BF0-A2DB108FDA70}" type="datetimeFigureOut">
               <a:rPr lang="en-US" smtClean="0"/>
-              <a:t>2/6/2020</a:t>
+              <a:t>2/16/2020</a:t>
             </a:fld>
             <a:endParaRPr lang="en-US"/>
           </a:p>
@@ -875,7 +877,7 @@
           <a:p>
             <a:fld id="{41700D12-4FA1-4E13-9BF0-A2DB108FDA70}" type="datetimeFigureOut">
               <a:rPr lang="en-US" smtClean="0"/>
-              <a:t>2/6/2020</a:t>
+              <a:t>2/16/2020</a:t>
             </a:fld>
             <a:endParaRPr lang="en-US"/>
           </a:p>
@@ -1150,7 +1152,7 @@
           <a:p>
             <a:fld id="{41700D12-4FA1-4E13-9BF0-A2DB108FDA70}" type="datetimeFigureOut">
               <a:rPr lang="en-US" smtClean="0"/>
-              <a:t>2/6/2020</a:t>
+              <a:t>2/16/2020</a:t>
             </a:fld>
             <a:endParaRPr lang="en-US"/>
           </a:p>
@@ -1415,7 +1417,7 @@
           <a:p>
             <a:fld id="{41700D12-4FA1-4E13-9BF0-A2DB108FDA70}" type="datetimeFigureOut">
               <a:rPr lang="en-US" smtClean="0"/>
-              <a:t>2/6/2020</a:t>
+              <a:t>2/16/2020</a:t>
             </a:fld>
             <a:endParaRPr lang="en-US"/>
           </a:p>
@@ -1827,7 +1829,7 @@
           <a:p>
             <a:fld id="{41700D12-4FA1-4E13-9BF0-A2DB108FDA70}" type="datetimeFigureOut">
               <a:rPr lang="en-US" smtClean="0"/>
-              <a:t>2/6/2020</a:t>
+              <a:t>2/16/2020</a:t>
             </a:fld>
             <a:endParaRPr lang="en-US"/>
           </a:p>
@@ -1968,7 +1970,7 @@
           <a:p>
             <a:fld id="{41700D12-4FA1-4E13-9BF0-A2DB108FDA70}" type="datetimeFigureOut">
               <a:rPr lang="en-US" smtClean="0"/>
-              <a:t>2/6/2020</a:t>
+              <a:t>2/16/2020</a:t>
             </a:fld>
             <a:endParaRPr lang="en-US"/>
           </a:p>
@@ -2081,7 +2083,7 @@
           <a:p>
             <a:fld id="{41700D12-4FA1-4E13-9BF0-A2DB108FDA70}" type="datetimeFigureOut">
               <a:rPr lang="en-US" smtClean="0"/>
-              <a:t>2/6/2020</a:t>
+              <a:t>2/16/2020</a:t>
             </a:fld>
             <a:endParaRPr lang="en-US"/>
           </a:p>
@@ -2392,7 +2394,7 @@
           <a:p>
             <a:fld id="{41700D12-4FA1-4E13-9BF0-A2DB108FDA70}" type="datetimeFigureOut">
               <a:rPr lang="en-US" smtClean="0"/>
-              <a:t>2/6/2020</a:t>
+              <a:t>2/16/2020</a:t>
             </a:fld>
             <a:endParaRPr lang="en-US"/>
           </a:p>
@@ -2680,7 +2682,7 @@
           <a:p>
             <a:fld id="{41700D12-4FA1-4E13-9BF0-A2DB108FDA70}" type="datetimeFigureOut">
               <a:rPr lang="en-US" smtClean="0"/>
-              <a:t>2/6/2020</a:t>
+              <a:t>2/16/2020</a:t>
             </a:fld>
             <a:endParaRPr lang="en-US"/>
           </a:p>
@@ -2921,7 +2923,7 @@
           <a:p>
             <a:fld id="{41700D12-4FA1-4E13-9BF0-A2DB108FDA70}" type="datetimeFigureOut">
               <a:rPr lang="en-US" smtClean="0"/>
-              <a:t>2/6/2020</a:t>
+              <a:t>2/16/2020</a:t>
             </a:fld>
             <a:endParaRPr lang="en-US"/>
           </a:p>
@@ -9178,10 +9180,10 @@
       </p:grpSpPr>
       <p:sp>
         <p:nvSpPr>
-          <p:cNvPr id="60" name="TextBox 59">
-            <a:extLst>
-              <a:ext uri="{FF2B5EF4-FFF2-40B4-BE49-F238E27FC236}">
-                <a16:creationId xmlns:a16="http://schemas.microsoft.com/office/drawing/2014/main" id="{E8C8D2F9-2E1F-4330-B6B0-C3610AF0BFAB}"/>
+          <p:cNvPr id="27" name="TextBox 26">
+            <a:extLst>
+              <a:ext uri="{FF2B5EF4-FFF2-40B4-BE49-F238E27FC236}">
+                <a16:creationId xmlns:a16="http://schemas.microsoft.com/office/drawing/2014/main" id="{10A30540-2D30-496F-A453-6EA2149E6542}"/>
               </a:ext>
             </a:extLst>
           </p:cNvPr>
@@ -9190,8 +9192,8 @@
         </p:nvSpPr>
         <p:spPr>
           <a:xfrm>
-            <a:off x="211123" y="9650"/>
-            <a:ext cx="6134821" cy="523220"/>
+            <a:off x="0" y="-83264"/>
+            <a:ext cx="4076309" cy="523220"/>
           </a:xfrm>
           <a:prstGeom prst="rect">
             <a:avLst/>
@@ -9206,17 +9208,1369 @@
           <a:p>
             <a:r>
               <a:rPr lang="en-US" sz="2800" dirty="0"/>
-              <a:t>Prediction and Results using Testing Data</a:t>
-            </a:r>
-          </a:p>
-        </p:txBody>
-      </p:sp>
+              <a:t>CNN 1D Feature Extraction</a:t>
+            </a:r>
+          </a:p>
+        </p:txBody>
+      </p:sp>
+      <p:grpSp>
+        <p:nvGrpSpPr>
+          <p:cNvPr id="10" name="Group 9">
+            <a:extLst>
+              <a:ext uri="{FF2B5EF4-FFF2-40B4-BE49-F238E27FC236}">
+                <a16:creationId xmlns:a16="http://schemas.microsoft.com/office/drawing/2014/main" id="{0F671558-613D-42AC-BA41-EC0E648EB3EE}"/>
+              </a:ext>
+            </a:extLst>
+          </p:cNvPr>
+          <p:cNvGrpSpPr/>
+          <p:nvPr/>
+        </p:nvGrpSpPr>
+        <p:grpSpPr>
+          <a:xfrm>
+            <a:off x="2522370" y="1621749"/>
+            <a:ext cx="462786" cy="2873828"/>
+            <a:chOff x="3144670" y="1621749"/>
+            <a:chExt cx="462786" cy="2873828"/>
+          </a:xfrm>
+        </p:grpSpPr>
+        <p:sp>
+          <p:nvSpPr>
+            <p:cNvPr id="73" name="Rectangle 72">
+              <a:extLst>
+                <a:ext uri="{FF2B5EF4-FFF2-40B4-BE49-F238E27FC236}">
+                  <a16:creationId xmlns:a16="http://schemas.microsoft.com/office/drawing/2014/main" id="{5DBAE04E-DB76-4EA8-8512-5F36F0688FC9}"/>
+                </a:ext>
+              </a:extLst>
+            </p:cNvPr>
+            <p:cNvSpPr/>
+            <p:nvPr/>
+          </p:nvSpPr>
+          <p:spPr>
+            <a:xfrm>
+              <a:off x="3144670" y="1621749"/>
+              <a:ext cx="462786" cy="2873828"/>
+            </a:xfrm>
+            <a:prstGeom prst="rect">
+              <a:avLst/>
+            </a:prstGeom>
+            <a:solidFill>
+              <a:schemeClr val="bg1">
+                <a:lumMod val="75000"/>
+              </a:schemeClr>
+            </a:solidFill>
+          </p:spPr>
+          <p:style>
+            <a:lnRef idx="2">
+              <a:schemeClr val="accent1">
+                <a:shade val="50000"/>
+              </a:schemeClr>
+            </a:lnRef>
+            <a:fillRef idx="1">
+              <a:schemeClr val="accent1"/>
+            </a:fillRef>
+            <a:effectRef idx="0">
+              <a:schemeClr val="accent1"/>
+            </a:effectRef>
+            <a:fontRef idx="minor">
+              <a:schemeClr val="lt1"/>
+            </a:fontRef>
+          </p:style>
+          <p:txBody>
+            <a:bodyPr rtlCol="0" anchor="ctr"/>
+            <a:lstStyle/>
+            <a:p>
+              <a:pPr algn="ctr"/>
+              <a:endParaRPr lang="en-US"/>
+            </a:p>
+          </p:txBody>
+        </p:sp>
+        <p:sp>
+          <p:nvSpPr>
+            <p:cNvPr id="79" name="TextBox 78">
+              <a:extLst>
+                <a:ext uri="{FF2B5EF4-FFF2-40B4-BE49-F238E27FC236}">
+                  <a16:creationId xmlns:a16="http://schemas.microsoft.com/office/drawing/2014/main" id="{CE423058-7CE1-47DF-B0A3-9F467F4632B6}"/>
+                </a:ext>
+              </a:extLst>
+            </p:cNvPr>
+            <p:cNvSpPr txBox="1"/>
+            <p:nvPr/>
+          </p:nvSpPr>
+          <p:spPr>
+            <a:xfrm rot="16200000">
+              <a:off x="2701129" y="2861352"/>
+              <a:ext cx="1320041" cy="369332"/>
+            </a:xfrm>
+            <a:prstGeom prst="rect">
+              <a:avLst/>
+            </a:prstGeom>
+            <a:noFill/>
+          </p:spPr>
+          <p:txBody>
+            <a:bodyPr wrap="square" rtlCol="0">
+              <a:spAutoFit/>
+            </a:bodyPr>
+            <a:lstStyle/>
+            <a:p>
+              <a:r>
+                <a:rPr lang="en-US" dirty="0"/>
+                <a:t>Convolution</a:t>
+              </a:r>
+            </a:p>
+          </p:txBody>
+        </p:sp>
+      </p:grpSp>
+      <p:grpSp>
+        <p:nvGrpSpPr>
+          <p:cNvPr id="13" name="Group 12">
+            <a:extLst>
+              <a:ext uri="{FF2B5EF4-FFF2-40B4-BE49-F238E27FC236}">
+                <a16:creationId xmlns:a16="http://schemas.microsoft.com/office/drawing/2014/main" id="{D28AC7D6-D1D3-4A4E-99E7-BC3B5160F389}"/>
+              </a:ext>
+            </a:extLst>
+          </p:cNvPr>
+          <p:cNvGrpSpPr/>
+          <p:nvPr/>
+        </p:nvGrpSpPr>
+        <p:grpSpPr>
+          <a:xfrm>
+            <a:off x="4551809" y="1627768"/>
+            <a:ext cx="462786" cy="2873828"/>
+            <a:chOff x="5174109" y="1627768"/>
+            <a:chExt cx="462786" cy="2873828"/>
+          </a:xfrm>
+        </p:grpSpPr>
+        <p:sp>
+          <p:nvSpPr>
+            <p:cNvPr id="76" name="Rectangle 75">
+              <a:extLst>
+                <a:ext uri="{FF2B5EF4-FFF2-40B4-BE49-F238E27FC236}">
+                  <a16:creationId xmlns:a16="http://schemas.microsoft.com/office/drawing/2014/main" id="{B97AC0B2-4150-4BF5-9B19-0FE71C66C112}"/>
+                </a:ext>
+              </a:extLst>
+            </p:cNvPr>
+            <p:cNvSpPr/>
+            <p:nvPr/>
+          </p:nvSpPr>
+          <p:spPr>
+            <a:xfrm>
+              <a:off x="5174109" y="1627768"/>
+              <a:ext cx="462786" cy="2873828"/>
+            </a:xfrm>
+            <a:prstGeom prst="rect">
+              <a:avLst/>
+            </a:prstGeom>
+            <a:solidFill>
+              <a:schemeClr val="bg1">
+                <a:lumMod val="75000"/>
+              </a:schemeClr>
+            </a:solidFill>
+          </p:spPr>
+          <p:style>
+            <a:lnRef idx="2">
+              <a:schemeClr val="accent1">
+                <a:shade val="50000"/>
+              </a:schemeClr>
+            </a:lnRef>
+            <a:fillRef idx="1">
+              <a:schemeClr val="accent1"/>
+            </a:fillRef>
+            <a:effectRef idx="0">
+              <a:schemeClr val="accent1"/>
+            </a:effectRef>
+            <a:fontRef idx="minor">
+              <a:schemeClr val="lt1"/>
+            </a:fontRef>
+          </p:style>
+          <p:txBody>
+            <a:bodyPr rtlCol="0" anchor="ctr"/>
+            <a:lstStyle/>
+            <a:p>
+              <a:pPr algn="ctr"/>
+              <a:endParaRPr lang="en-US"/>
+            </a:p>
+          </p:txBody>
+        </p:sp>
+        <p:sp>
+          <p:nvSpPr>
+            <p:cNvPr id="80" name="TextBox 79">
+              <a:extLst>
+                <a:ext uri="{FF2B5EF4-FFF2-40B4-BE49-F238E27FC236}">
+                  <a16:creationId xmlns:a16="http://schemas.microsoft.com/office/drawing/2014/main" id="{EBD11E81-17F1-4367-B78A-D385BD4D66AC}"/>
+                </a:ext>
+              </a:extLst>
+            </p:cNvPr>
+            <p:cNvSpPr txBox="1"/>
+            <p:nvPr/>
+          </p:nvSpPr>
+          <p:spPr>
+            <a:xfrm rot="16200000">
+              <a:off x="4738160" y="2861351"/>
+              <a:ext cx="1320041" cy="369332"/>
+            </a:xfrm>
+            <a:prstGeom prst="rect">
+              <a:avLst/>
+            </a:prstGeom>
+            <a:noFill/>
+          </p:spPr>
+          <p:txBody>
+            <a:bodyPr wrap="square" rtlCol="0">
+              <a:spAutoFit/>
+            </a:bodyPr>
+            <a:lstStyle/>
+            <a:p>
+              <a:r>
+                <a:rPr lang="en-US" dirty="0"/>
+                <a:t>Convolution</a:t>
+              </a:r>
+            </a:p>
+          </p:txBody>
+        </p:sp>
+      </p:grpSp>
+      <p:grpSp>
+        <p:nvGrpSpPr>
+          <p:cNvPr id="11" name="Group 10">
+            <a:extLst>
+              <a:ext uri="{FF2B5EF4-FFF2-40B4-BE49-F238E27FC236}">
+                <a16:creationId xmlns:a16="http://schemas.microsoft.com/office/drawing/2014/main" id="{1A2C6BC2-84E9-419C-8241-8AC67B7414A0}"/>
+              </a:ext>
+            </a:extLst>
+          </p:cNvPr>
+          <p:cNvGrpSpPr/>
+          <p:nvPr/>
+        </p:nvGrpSpPr>
+        <p:grpSpPr>
+          <a:xfrm>
+            <a:off x="3174530" y="1627768"/>
+            <a:ext cx="462786" cy="2873828"/>
+            <a:chOff x="3796830" y="1627768"/>
+            <a:chExt cx="462786" cy="2873828"/>
+          </a:xfrm>
+        </p:grpSpPr>
+        <p:sp>
+          <p:nvSpPr>
+            <p:cNvPr id="74" name="Rectangle 73">
+              <a:extLst>
+                <a:ext uri="{FF2B5EF4-FFF2-40B4-BE49-F238E27FC236}">
+                  <a16:creationId xmlns:a16="http://schemas.microsoft.com/office/drawing/2014/main" id="{B5D337B8-0EDF-43A2-9D2F-BFAD7CA4246C}"/>
+                </a:ext>
+              </a:extLst>
+            </p:cNvPr>
+            <p:cNvSpPr/>
+            <p:nvPr/>
+          </p:nvSpPr>
+          <p:spPr>
+            <a:xfrm>
+              <a:off x="3796830" y="1627768"/>
+              <a:ext cx="462786" cy="2873828"/>
+            </a:xfrm>
+            <a:prstGeom prst="rect">
+              <a:avLst/>
+            </a:prstGeom>
+            <a:solidFill>
+              <a:schemeClr val="bg1">
+                <a:lumMod val="85000"/>
+              </a:schemeClr>
+            </a:solidFill>
+          </p:spPr>
+          <p:style>
+            <a:lnRef idx="2">
+              <a:schemeClr val="accent1">
+                <a:shade val="50000"/>
+              </a:schemeClr>
+            </a:lnRef>
+            <a:fillRef idx="1">
+              <a:schemeClr val="accent1"/>
+            </a:fillRef>
+            <a:effectRef idx="0">
+              <a:schemeClr val="accent1"/>
+            </a:effectRef>
+            <a:fontRef idx="minor">
+              <a:schemeClr val="lt1"/>
+            </a:fontRef>
+          </p:style>
+          <p:txBody>
+            <a:bodyPr rtlCol="0" anchor="ctr"/>
+            <a:lstStyle/>
+            <a:p>
+              <a:pPr algn="ctr"/>
+              <a:endParaRPr lang="en-US"/>
+            </a:p>
+          </p:txBody>
+        </p:sp>
+        <p:sp>
+          <p:nvSpPr>
+            <p:cNvPr id="81" name="TextBox 80">
+              <a:extLst>
+                <a:ext uri="{FF2B5EF4-FFF2-40B4-BE49-F238E27FC236}">
+                  <a16:creationId xmlns:a16="http://schemas.microsoft.com/office/drawing/2014/main" id="{B60C9DDD-1131-40C3-9839-AB0E9828250C}"/>
+                </a:ext>
+              </a:extLst>
+            </p:cNvPr>
+            <p:cNvSpPr txBox="1"/>
+            <p:nvPr/>
+          </p:nvSpPr>
+          <p:spPr>
+            <a:xfrm rot="16200000">
+              <a:off x="3696801" y="2861351"/>
+              <a:ext cx="640688" cy="369332"/>
+            </a:xfrm>
+            <a:prstGeom prst="rect">
+              <a:avLst/>
+            </a:prstGeom>
+            <a:noFill/>
+          </p:spPr>
+          <p:txBody>
+            <a:bodyPr wrap="square" rtlCol="0">
+              <a:spAutoFit/>
+            </a:bodyPr>
+            <a:lstStyle/>
+            <a:p>
+              <a:r>
+                <a:rPr lang="en-US" dirty="0"/>
+                <a:t>ReLu</a:t>
+              </a:r>
+            </a:p>
+          </p:txBody>
+        </p:sp>
+      </p:grpSp>
+      <p:grpSp>
+        <p:nvGrpSpPr>
+          <p:cNvPr id="14" name="Group 13">
+            <a:extLst>
+              <a:ext uri="{FF2B5EF4-FFF2-40B4-BE49-F238E27FC236}">
+                <a16:creationId xmlns:a16="http://schemas.microsoft.com/office/drawing/2014/main" id="{0104EB22-32CD-4BC5-A495-D770EB3EB3C7}"/>
+              </a:ext>
+            </a:extLst>
+          </p:cNvPr>
+          <p:cNvGrpSpPr/>
+          <p:nvPr/>
+        </p:nvGrpSpPr>
+        <p:grpSpPr>
+          <a:xfrm>
+            <a:off x="5208333" y="1627768"/>
+            <a:ext cx="462786" cy="2873828"/>
+            <a:chOff x="5830633" y="1627768"/>
+            <a:chExt cx="462786" cy="2873828"/>
+          </a:xfrm>
+        </p:grpSpPr>
+        <p:sp>
+          <p:nvSpPr>
+            <p:cNvPr id="77" name="Rectangle 76">
+              <a:extLst>
+                <a:ext uri="{FF2B5EF4-FFF2-40B4-BE49-F238E27FC236}">
+                  <a16:creationId xmlns:a16="http://schemas.microsoft.com/office/drawing/2014/main" id="{0098C314-7339-4976-B31E-9E2EB4EC8741}"/>
+                </a:ext>
+              </a:extLst>
+            </p:cNvPr>
+            <p:cNvSpPr/>
+            <p:nvPr/>
+          </p:nvSpPr>
+          <p:spPr>
+            <a:xfrm>
+              <a:off x="5830633" y="1627768"/>
+              <a:ext cx="462786" cy="2873828"/>
+            </a:xfrm>
+            <a:prstGeom prst="rect">
+              <a:avLst/>
+            </a:prstGeom>
+            <a:solidFill>
+              <a:schemeClr val="bg1">
+                <a:lumMod val="85000"/>
+              </a:schemeClr>
+            </a:solidFill>
+          </p:spPr>
+          <p:style>
+            <a:lnRef idx="2">
+              <a:schemeClr val="accent1">
+                <a:shade val="50000"/>
+              </a:schemeClr>
+            </a:lnRef>
+            <a:fillRef idx="1">
+              <a:schemeClr val="accent1"/>
+            </a:fillRef>
+            <a:effectRef idx="0">
+              <a:schemeClr val="accent1"/>
+            </a:effectRef>
+            <a:fontRef idx="minor">
+              <a:schemeClr val="lt1"/>
+            </a:fontRef>
+          </p:style>
+          <p:txBody>
+            <a:bodyPr rtlCol="0" anchor="ctr"/>
+            <a:lstStyle/>
+            <a:p>
+              <a:pPr algn="ctr"/>
+              <a:endParaRPr lang="en-US"/>
+            </a:p>
+          </p:txBody>
+        </p:sp>
+        <p:sp>
+          <p:nvSpPr>
+            <p:cNvPr id="82" name="TextBox 81">
+              <a:extLst>
+                <a:ext uri="{FF2B5EF4-FFF2-40B4-BE49-F238E27FC236}">
+                  <a16:creationId xmlns:a16="http://schemas.microsoft.com/office/drawing/2014/main" id="{B63179F7-BFC7-479B-BE90-38F79BEEE75B}"/>
+                </a:ext>
+              </a:extLst>
+            </p:cNvPr>
+            <p:cNvSpPr txBox="1"/>
+            <p:nvPr/>
+          </p:nvSpPr>
+          <p:spPr>
+            <a:xfrm rot="16200000">
+              <a:off x="5755994" y="2861351"/>
+              <a:ext cx="640688" cy="369332"/>
+            </a:xfrm>
+            <a:prstGeom prst="rect">
+              <a:avLst/>
+            </a:prstGeom>
+            <a:noFill/>
+          </p:spPr>
+          <p:txBody>
+            <a:bodyPr wrap="square" rtlCol="0">
+              <a:spAutoFit/>
+            </a:bodyPr>
+            <a:lstStyle/>
+            <a:p>
+              <a:r>
+                <a:rPr lang="en-US" dirty="0"/>
+                <a:t>ReLu</a:t>
+              </a:r>
+            </a:p>
+          </p:txBody>
+        </p:sp>
+      </p:grpSp>
+      <p:grpSp>
+        <p:nvGrpSpPr>
+          <p:cNvPr id="12" name="Group 11">
+            <a:extLst>
+              <a:ext uri="{FF2B5EF4-FFF2-40B4-BE49-F238E27FC236}">
+                <a16:creationId xmlns:a16="http://schemas.microsoft.com/office/drawing/2014/main" id="{51428E86-3A5E-43FA-B44C-C79A2A1B5162}"/>
+              </a:ext>
+            </a:extLst>
+          </p:cNvPr>
+          <p:cNvGrpSpPr/>
+          <p:nvPr/>
+        </p:nvGrpSpPr>
+        <p:grpSpPr>
+          <a:xfrm>
+            <a:off x="3872363" y="1627768"/>
+            <a:ext cx="462786" cy="2873828"/>
+            <a:chOff x="4494663" y="1627768"/>
+            <a:chExt cx="462786" cy="2873828"/>
+          </a:xfrm>
+        </p:grpSpPr>
+        <p:sp>
+          <p:nvSpPr>
+            <p:cNvPr id="75" name="Rectangle 74">
+              <a:extLst>
+                <a:ext uri="{FF2B5EF4-FFF2-40B4-BE49-F238E27FC236}">
+                  <a16:creationId xmlns:a16="http://schemas.microsoft.com/office/drawing/2014/main" id="{A938E175-4678-4034-A8C2-895C936FF706}"/>
+                </a:ext>
+              </a:extLst>
+            </p:cNvPr>
+            <p:cNvSpPr/>
+            <p:nvPr/>
+          </p:nvSpPr>
+          <p:spPr>
+            <a:xfrm>
+              <a:off x="4494663" y="1627768"/>
+              <a:ext cx="462786" cy="2873828"/>
+            </a:xfrm>
+            <a:prstGeom prst="rect">
+              <a:avLst/>
+            </a:prstGeom>
+            <a:solidFill>
+              <a:schemeClr val="bg1">
+                <a:lumMod val="95000"/>
+              </a:schemeClr>
+            </a:solidFill>
+          </p:spPr>
+          <p:style>
+            <a:lnRef idx="2">
+              <a:schemeClr val="accent1">
+                <a:shade val="50000"/>
+              </a:schemeClr>
+            </a:lnRef>
+            <a:fillRef idx="1">
+              <a:schemeClr val="accent1"/>
+            </a:fillRef>
+            <a:effectRef idx="0">
+              <a:schemeClr val="accent1"/>
+            </a:effectRef>
+            <a:fontRef idx="minor">
+              <a:schemeClr val="lt1"/>
+            </a:fontRef>
+          </p:style>
+          <p:txBody>
+            <a:bodyPr rtlCol="0" anchor="ctr"/>
+            <a:lstStyle/>
+            <a:p>
+              <a:pPr algn="ctr"/>
+              <a:endParaRPr lang="en-US"/>
+            </a:p>
+          </p:txBody>
+        </p:sp>
+        <p:sp>
+          <p:nvSpPr>
+            <p:cNvPr id="83" name="TextBox 82">
+              <a:extLst>
+                <a:ext uri="{FF2B5EF4-FFF2-40B4-BE49-F238E27FC236}">
+                  <a16:creationId xmlns:a16="http://schemas.microsoft.com/office/drawing/2014/main" id="{E48FFB2F-9E1C-4E72-978C-6A020B1961B9}"/>
+                </a:ext>
+              </a:extLst>
+            </p:cNvPr>
+            <p:cNvSpPr txBox="1"/>
+            <p:nvPr/>
+          </p:nvSpPr>
+          <p:spPr>
+            <a:xfrm rot="16200000">
+              <a:off x="4295633" y="2861349"/>
+              <a:ext cx="878959" cy="369332"/>
+            </a:xfrm>
+            <a:prstGeom prst="rect">
+              <a:avLst/>
+            </a:prstGeom>
+            <a:noFill/>
+          </p:spPr>
+          <p:txBody>
+            <a:bodyPr wrap="square" rtlCol="0">
+              <a:spAutoFit/>
+            </a:bodyPr>
+            <a:lstStyle/>
+            <a:p>
+              <a:r>
+                <a:rPr lang="en-US" dirty="0"/>
+                <a:t>Pooling</a:t>
+              </a:r>
+            </a:p>
+          </p:txBody>
+        </p:sp>
+      </p:grpSp>
+      <p:grpSp>
+        <p:nvGrpSpPr>
+          <p:cNvPr id="15" name="Group 14">
+            <a:extLst>
+              <a:ext uri="{FF2B5EF4-FFF2-40B4-BE49-F238E27FC236}">
+                <a16:creationId xmlns:a16="http://schemas.microsoft.com/office/drawing/2014/main" id="{CB511921-3554-4F1A-BE7F-8F2501E23DC0}"/>
+              </a:ext>
+            </a:extLst>
+          </p:cNvPr>
+          <p:cNvGrpSpPr/>
+          <p:nvPr/>
+        </p:nvGrpSpPr>
+        <p:grpSpPr>
+          <a:xfrm>
+            <a:off x="5906166" y="1627768"/>
+            <a:ext cx="462786" cy="2873828"/>
+            <a:chOff x="6528466" y="1627768"/>
+            <a:chExt cx="462786" cy="2873828"/>
+          </a:xfrm>
+        </p:grpSpPr>
+        <p:sp>
+          <p:nvSpPr>
+            <p:cNvPr id="78" name="Rectangle 77">
+              <a:extLst>
+                <a:ext uri="{FF2B5EF4-FFF2-40B4-BE49-F238E27FC236}">
+                  <a16:creationId xmlns:a16="http://schemas.microsoft.com/office/drawing/2014/main" id="{8E12E486-CC0F-4950-BA0A-15C4C7E59FA4}"/>
+                </a:ext>
+              </a:extLst>
+            </p:cNvPr>
+            <p:cNvSpPr/>
+            <p:nvPr/>
+          </p:nvSpPr>
+          <p:spPr>
+            <a:xfrm>
+              <a:off x="6528466" y="1627768"/>
+              <a:ext cx="462786" cy="2873828"/>
+            </a:xfrm>
+            <a:prstGeom prst="rect">
+              <a:avLst/>
+            </a:prstGeom>
+            <a:solidFill>
+              <a:schemeClr val="bg1">
+                <a:lumMod val="95000"/>
+              </a:schemeClr>
+            </a:solidFill>
+          </p:spPr>
+          <p:style>
+            <a:lnRef idx="2">
+              <a:schemeClr val="accent1">
+                <a:shade val="50000"/>
+              </a:schemeClr>
+            </a:lnRef>
+            <a:fillRef idx="1">
+              <a:schemeClr val="accent1"/>
+            </a:fillRef>
+            <a:effectRef idx="0">
+              <a:schemeClr val="accent1"/>
+            </a:effectRef>
+            <a:fontRef idx="minor">
+              <a:schemeClr val="lt1"/>
+            </a:fontRef>
+          </p:style>
+          <p:txBody>
+            <a:bodyPr rtlCol="0" anchor="ctr"/>
+            <a:lstStyle/>
+            <a:p>
+              <a:pPr algn="ctr"/>
+              <a:endParaRPr lang="en-US"/>
+            </a:p>
+          </p:txBody>
+        </p:sp>
+        <p:sp>
+          <p:nvSpPr>
+            <p:cNvPr id="84" name="TextBox 83">
+              <a:extLst>
+                <a:ext uri="{FF2B5EF4-FFF2-40B4-BE49-F238E27FC236}">
+                  <a16:creationId xmlns:a16="http://schemas.microsoft.com/office/drawing/2014/main" id="{C688D4EF-83E0-4E93-9965-F64BDBD7AD9E}"/>
+                </a:ext>
+              </a:extLst>
+            </p:cNvPr>
+            <p:cNvSpPr txBox="1"/>
+            <p:nvPr/>
+          </p:nvSpPr>
+          <p:spPr>
+            <a:xfrm rot="16200000">
+              <a:off x="6330244" y="2861350"/>
+              <a:ext cx="878959" cy="369332"/>
+            </a:xfrm>
+            <a:prstGeom prst="rect">
+              <a:avLst/>
+            </a:prstGeom>
+            <a:noFill/>
+          </p:spPr>
+          <p:txBody>
+            <a:bodyPr wrap="square" rtlCol="0">
+              <a:spAutoFit/>
+            </a:bodyPr>
+            <a:lstStyle/>
+            <a:p>
+              <a:r>
+                <a:rPr lang="en-US" dirty="0"/>
+                <a:t>Pooling</a:t>
+              </a:r>
+            </a:p>
+          </p:txBody>
+        </p:sp>
+      </p:grpSp>
+      <p:sp>
+        <p:nvSpPr>
+          <p:cNvPr id="2" name="Rectangle 1">
+            <a:extLst>
+              <a:ext uri="{FF2B5EF4-FFF2-40B4-BE49-F238E27FC236}">
+                <a16:creationId xmlns:a16="http://schemas.microsoft.com/office/drawing/2014/main" id="{449A38B9-3432-44CB-8BF0-E5582D66A10C}"/>
+              </a:ext>
+            </a:extLst>
+          </p:cNvPr>
+          <p:cNvSpPr/>
+          <p:nvPr/>
+        </p:nvSpPr>
+        <p:spPr>
+          <a:xfrm>
+            <a:off x="1894477" y="836023"/>
+            <a:ext cx="5179423" cy="4119154"/>
+          </a:xfrm>
+          <a:prstGeom prst="rect">
+            <a:avLst/>
+          </a:prstGeom>
+          <a:noFill/>
+          <a:ln w="38100"/>
+        </p:spPr>
+        <p:style>
+          <a:lnRef idx="2">
+            <a:schemeClr val="accent1">
+              <a:shade val="50000"/>
+            </a:schemeClr>
+          </a:lnRef>
+          <a:fillRef idx="1">
+            <a:schemeClr val="accent1"/>
+          </a:fillRef>
+          <a:effectRef idx="0">
+            <a:schemeClr val="accent1"/>
+          </a:effectRef>
+          <a:fontRef idx="minor">
+            <a:schemeClr val="lt1"/>
+          </a:fontRef>
+        </p:style>
+        <p:txBody>
+          <a:bodyPr rtlCol="0" anchor="ctr"/>
+          <a:lstStyle/>
+          <a:p>
+            <a:pPr algn="ctr"/>
+            <a:endParaRPr lang="en-US"/>
+          </a:p>
+        </p:txBody>
+      </p:sp>
+      <p:sp>
+        <p:nvSpPr>
+          <p:cNvPr id="95" name="TextBox 94">
+            <a:extLst>
+              <a:ext uri="{FF2B5EF4-FFF2-40B4-BE49-F238E27FC236}">
+                <a16:creationId xmlns:a16="http://schemas.microsoft.com/office/drawing/2014/main" id="{C2B0899C-8B96-4E20-9081-E0F51DAC7033}"/>
+              </a:ext>
+            </a:extLst>
+          </p:cNvPr>
+          <p:cNvSpPr txBox="1"/>
+          <p:nvPr/>
+        </p:nvSpPr>
+        <p:spPr>
+          <a:xfrm>
+            <a:off x="2485843" y="989521"/>
+            <a:ext cx="3977820" cy="369332"/>
+          </a:xfrm>
+          <a:prstGeom prst="rect">
+            <a:avLst/>
+          </a:prstGeom>
+          <a:noFill/>
+        </p:spPr>
+        <p:txBody>
+          <a:bodyPr wrap="none" rtlCol="0">
+            <a:spAutoFit/>
+          </a:bodyPr>
+          <a:lstStyle/>
+          <a:p>
+            <a:r>
+              <a:rPr lang="en-US" b="1" dirty="0"/>
+              <a:t>1-D Convolution Neural Network Model</a:t>
+            </a:r>
+          </a:p>
+        </p:txBody>
+      </p:sp>
+      <p:sp>
+        <p:nvSpPr>
+          <p:cNvPr id="96" name="Rectangle 95">
+            <a:extLst>
+              <a:ext uri="{FF2B5EF4-FFF2-40B4-BE49-F238E27FC236}">
+                <a16:creationId xmlns:a16="http://schemas.microsoft.com/office/drawing/2014/main" id="{3ECC25BB-5F05-4B54-96DB-3EA3A604B3FD}"/>
+              </a:ext>
+            </a:extLst>
+          </p:cNvPr>
+          <p:cNvSpPr/>
+          <p:nvPr/>
+        </p:nvSpPr>
+        <p:spPr>
+          <a:xfrm>
+            <a:off x="742711" y="1204123"/>
+            <a:ext cx="391886" cy="3483429"/>
+          </a:xfrm>
+          <a:prstGeom prst="rect">
+            <a:avLst/>
+          </a:prstGeom>
+          <a:solidFill>
+            <a:schemeClr val="accent1">
+              <a:lumMod val="40000"/>
+              <a:lumOff val="60000"/>
+            </a:schemeClr>
+          </a:solidFill>
+        </p:spPr>
+        <p:style>
+          <a:lnRef idx="2">
+            <a:schemeClr val="accent1">
+              <a:shade val="50000"/>
+            </a:schemeClr>
+          </a:lnRef>
+          <a:fillRef idx="1">
+            <a:schemeClr val="accent1"/>
+          </a:fillRef>
+          <a:effectRef idx="0">
+            <a:schemeClr val="accent1"/>
+          </a:effectRef>
+          <a:fontRef idx="minor">
+            <a:schemeClr val="lt1"/>
+          </a:fontRef>
+        </p:style>
+        <p:txBody>
+          <a:bodyPr rtlCol="0" anchor="ctr"/>
+          <a:lstStyle/>
+          <a:p>
+            <a:pPr algn="ctr"/>
+            <a:endParaRPr lang="en-US" dirty="0"/>
+          </a:p>
+        </p:txBody>
+      </p:sp>
+      <p:sp>
+        <p:nvSpPr>
+          <p:cNvPr id="3" name="Arrow: Right 2">
+            <a:extLst>
+              <a:ext uri="{FF2B5EF4-FFF2-40B4-BE49-F238E27FC236}">
+                <a16:creationId xmlns:a16="http://schemas.microsoft.com/office/drawing/2014/main" id="{817C2FF3-4288-4E3E-8AC3-DEFC267E536D}"/>
+              </a:ext>
+            </a:extLst>
+          </p:cNvPr>
+          <p:cNvSpPr/>
+          <p:nvPr/>
+        </p:nvSpPr>
+        <p:spPr>
+          <a:xfrm>
+            <a:off x="1185865" y="2686594"/>
+            <a:ext cx="650806" cy="418012"/>
+          </a:xfrm>
+          <a:prstGeom prst="rightArrow">
+            <a:avLst/>
+          </a:prstGeom>
+        </p:spPr>
+        <p:style>
+          <a:lnRef idx="2">
+            <a:schemeClr val="accent1">
+              <a:shade val="50000"/>
+            </a:schemeClr>
+          </a:lnRef>
+          <a:fillRef idx="1">
+            <a:schemeClr val="accent1"/>
+          </a:fillRef>
+          <a:effectRef idx="0">
+            <a:schemeClr val="accent1"/>
+          </a:effectRef>
+          <a:fontRef idx="minor">
+            <a:schemeClr val="lt1"/>
+          </a:fontRef>
+        </p:style>
+        <p:txBody>
+          <a:bodyPr rtlCol="0" anchor="ctr"/>
+          <a:lstStyle/>
+          <a:p>
+            <a:pPr algn="ctr"/>
+            <a:endParaRPr lang="en-US"/>
+          </a:p>
+        </p:txBody>
+      </p:sp>
+      <p:sp>
+        <p:nvSpPr>
+          <p:cNvPr id="4" name="TextBox 3">
+            <a:extLst>
+              <a:ext uri="{FF2B5EF4-FFF2-40B4-BE49-F238E27FC236}">
+                <a16:creationId xmlns:a16="http://schemas.microsoft.com/office/drawing/2014/main" id="{74C998CC-B5AE-4CD2-BFAB-656CF9C4AC67}"/>
+              </a:ext>
+            </a:extLst>
+          </p:cNvPr>
+          <p:cNvSpPr txBox="1"/>
+          <p:nvPr/>
+        </p:nvSpPr>
+        <p:spPr>
+          <a:xfrm rot="16200000">
+            <a:off x="547426" y="2674513"/>
+            <a:ext cx="684803" cy="369332"/>
+          </a:xfrm>
+          <a:prstGeom prst="rect">
+            <a:avLst/>
+          </a:prstGeom>
+          <a:noFill/>
+        </p:spPr>
+        <p:txBody>
+          <a:bodyPr wrap="none" rtlCol="0">
+            <a:spAutoFit/>
+          </a:bodyPr>
+          <a:lstStyle/>
+          <a:p>
+            <a:r>
+              <a:rPr lang="en-US" dirty="0"/>
+              <a:t>Input</a:t>
+            </a:r>
+          </a:p>
+        </p:txBody>
+      </p:sp>
+      <p:sp>
+        <p:nvSpPr>
+          <p:cNvPr id="97" name="Arrow: Right 96">
+            <a:extLst>
+              <a:ext uri="{FF2B5EF4-FFF2-40B4-BE49-F238E27FC236}">
+                <a16:creationId xmlns:a16="http://schemas.microsoft.com/office/drawing/2014/main" id="{D325D76D-010A-4FE4-BAA1-0D1116F5490E}"/>
+              </a:ext>
+            </a:extLst>
+          </p:cNvPr>
+          <p:cNvSpPr/>
+          <p:nvPr/>
+        </p:nvSpPr>
+        <p:spPr>
+          <a:xfrm>
+            <a:off x="9417533" y="2773070"/>
+            <a:ext cx="650806" cy="418012"/>
+          </a:xfrm>
+          <a:prstGeom prst="rightArrow">
+            <a:avLst/>
+          </a:prstGeom>
+        </p:spPr>
+        <p:style>
+          <a:lnRef idx="2">
+            <a:schemeClr val="accent1">
+              <a:shade val="50000"/>
+            </a:schemeClr>
+          </a:lnRef>
+          <a:fillRef idx="1">
+            <a:schemeClr val="accent1"/>
+          </a:fillRef>
+          <a:effectRef idx="0">
+            <a:schemeClr val="accent1"/>
+          </a:effectRef>
+          <a:fontRef idx="minor">
+            <a:schemeClr val="lt1"/>
+          </a:fontRef>
+        </p:style>
+        <p:txBody>
+          <a:bodyPr rtlCol="0" anchor="ctr"/>
+          <a:lstStyle/>
+          <a:p>
+            <a:pPr algn="ctr"/>
+            <a:endParaRPr lang="en-US"/>
+          </a:p>
+        </p:txBody>
+      </p:sp>
+      <p:sp>
+        <p:nvSpPr>
+          <p:cNvPr id="5" name="Rectangle 4">
+            <a:extLst>
+              <a:ext uri="{FF2B5EF4-FFF2-40B4-BE49-F238E27FC236}">
+                <a16:creationId xmlns:a16="http://schemas.microsoft.com/office/drawing/2014/main" id="{A20F2278-9506-4389-ABBA-0A5E97236E32}"/>
+              </a:ext>
+            </a:extLst>
+          </p:cNvPr>
+          <p:cNvSpPr/>
+          <p:nvPr/>
+        </p:nvSpPr>
+        <p:spPr>
+          <a:xfrm>
+            <a:off x="10178177" y="2572066"/>
+            <a:ext cx="1201783" cy="783772"/>
+          </a:xfrm>
+          <a:prstGeom prst="rect">
+            <a:avLst/>
+          </a:prstGeom>
+          <a:solidFill>
+            <a:schemeClr val="accent1">
+              <a:lumMod val="40000"/>
+              <a:lumOff val="60000"/>
+            </a:schemeClr>
+          </a:solidFill>
+        </p:spPr>
+        <p:style>
+          <a:lnRef idx="2">
+            <a:schemeClr val="accent1">
+              <a:shade val="50000"/>
+            </a:schemeClr>
+          </a:lnRef>
+          <a:fillRef idx="1">
+            <a:schemeClr val="accent1"/>
+          </a:fillRef>
+          <a:effectRef idx="0">
+            <a:schemeClr val="accent1"/>
+          </a:effectRef>
+          <a:fontRef idx="minor">
+            <a:schemeClr val="lt1"/>
+          </a:fontRef>
+        </p:style>
+        <p:txBody>
+          <a:bodyPr rtlCol="0" anchor="ctr"/>
+          <a:lstStyle/>
+          <a:p>
+            <a:pPr algn="ctr"/>
+            <a:r>
+              <a:rPr lang="en-US" dirty="0">
+                <a:solidFill>
+                  <a:schemeClr val="tx1"/>
+                </a:solidFill>
+              </a:rPr>
+              <a:t>Results</a:t>
+            </a:r>
+          </a:p>
+        </p:txBody>
+      </p:sp>
+      <p:sp>
+        <p:nvSpPr>
+          <p:cNvPr id="6" name="Left Brace 5">
+            <a:extLst>
+              <a:ext uri="{FF2B5EF4-FFF2-40B4-BE49-F238E27FC236}">
+                <a16:creationId xmlns:a16="http://schemas.microsoft.com/office/drawing/2014/main" id="{A54DA1D4-7E47-4C23-88BC-06989A11032F}"/>
+              </a:ext>
+            </a:extLst>
+          </p:cNvPr>
+          <p:cNvSpPr/>
+          <p:nvPr/>
+        </p:nvSpPr>
+        <p:spPr>
+          <a:xfrm rot="16200000">
+            <a:off x="3254150" y="4280733"/>
+            <a:ext cx="364585" cy="1797413"/>
+          </a:xfrm>
+          <a:prstGeom prst="leftBrace">
+            <a:avLst/>
+          </a:prstGeom>
+        </p:spPr>
+        <p:style>
+          <a:lnRef idx="1">
+            <a:schemeClr val="accent1"/>
+          </a:lnRef>
+          <a:fillRef idx="0">
+            <a:schemeClr val="accent1"/>
+          </a:fillRef>
+          <a:effectRef idx="0">
+            <a:schemeClr val="accent1"/>
+          </a:effectRef>
+          <a:fontRef idx="minor">
+            <a:schemeClr val="tx1"/>
+          </a:fontRef>
+        </p:style>
+        <p:txBody>
+          <a:bodyPr rtlCol="0" anchor="ctr"/>
+          <a:lstStyle/>
+          <a:p>
+            <a:pPr algn="ctr"/>
+            <a:endParaRPr lang="en-US"/>
+          </a:p>
+        </p:txBody>
+      </p:sp>
+      <p:sp>
+        <p:nvSpPr>
+          <p:cNvPr id="7" name="TextBox 6">
+            <a:extLst>
+              <a:ext uri="{FF2B5EF4-FFF2-40B4-BE49-F238E27FC236}">
+                <a16:creationId xmlns:a16="http://schemas.microsoft.com/office/drawing/2014/main" id="{224C28D2-01B9-4F05-8CD0-E21EBF1A720F}"/>
+              </a:ext>
+            </a:extLst>
+          </p:cNvPr>
+          <p:cNvSpPr txBox="1"/>
+          <p:nvPr/>
+        </p:nvSpPr>
+        <p:spPr>
+          <a:xfrm>
+            <a:off x="2865617" y="5372629"/>
+            <a:ext cx="1413144" cy="1169551"/>
+          </a:xfrm>
+          <a:prstGeom prst="rect">
+            <a:avLst/>
+          </a:prstGeom>
+          <a:noFill/>
+        </p:spPr>
+        <p:txBody>
+          <a:bodyPr wrap="none" rtlCol="0">
+            <a:spAutoFit/>
+          </a:bodyPr>
+          <a:lstStyle/>
+          <a:p>
+            <a:r>
+              <a:rPr lang="en-US" sz="1400" dirty="0"/>
+              <a:t>Filters = 64</a:t>
+            </a:r>
+          </a:p>
+          <a:p>
+            <a:r>
+              <a:rPr lang="en-US" sz="1400" dirty="0"/>
+              <a:t>Kernel Size = 16</a:t>
+            </a:r>
+          </a:p>
+          <a:p>
+            <a:r>
+              <a:rPr lang="en-US" sz="1400" dirty="0"/>
+              <a:t>Pool Size = 8</a:t>
+            </a:r>
+          </a:p>
+          <a:p>
+            <a:r>
+              <a:rPr lang="en-US" sz="1400" dirty="0"/>
+              <a:t>Batch Size = 16</a:t>
+            </a:r>
+          </a:p>
+          <a:p>
+            <a:r>
+              <a:rPr lang="en-US" sz="1400" dirty="0"/>
+              <a:t>Activation = Relu</a:t>
+            </a:r>
+          </a:p>
+        </p:txBody>
+      </p:sp>
+      <p:sp>
+        <p:nvSpPr>
+          <p:cNvPr id="98" name="Left Brace 97">
+            <a:extLst>
+              <a:ext uri="{FF2B5EF4-FFF2-40B4-BE49-F238E27FC236}">
+                <a16:creationId xmlns:a16="http://schemas.microsoft.com/office/drawing/2014/main" id="{A690861E-C139-4682-A667-7D7133587B8A}"/>
+              </a:ext>
+            </a:extLst>
+          </p:cNvPr>
+          <p:cNvSpPr/>
+          <p:nvPr/>
+        </p:nvSpPr>
+        <p:spPr>
+          <a:xfrm rot="16200000">
+            <a:off x="5301191" y="4279634"/>
+            <a:ext cx="364585" cy="1797413"/>
+          </a:xfrm>
+          <a:prstGeom prst="leftBrace">
+            <a:avLst/>
+          </a:prstGeom>
+        </p:spPr>
+        <p:style>
+          <a:lnRef idx="1">
+            <a:schemeClr val="accent1"/>
+          </a:lnRef>
+          <a:fillRef idx="0">
+            <a:schemeClr val="accent1"/>
+          </a:fillRef>
+          <a:effectRef idx="0">
+            <a:schemeClr val="accent1"/>
+          </a:effectRef>
+          <a:fontRef idx="minor">
+            <a:schemeClr val="tx1"/>
+          </a:fontRef>
+        </p:style>
+        <p:txBody>
+          <a:bodyPr rtlCol="0" anchor="ctr"/>
+          <a:lstStyle/>
+          <a:p>
+            <a:pPr algn="ctr"/>
+            <a:endParaRPr lang="en-US"/>
+          </a:p>
+        </p:txBody>
+      </p:sp>
+      <p:sp>
+        <p:nvSpPr>
+          <p:cNvPr id="99" name="TextBox 98">
+            <a:extLst>
+              <a:ext uri="{FF2B5EF4-FFF2-40B4-BE49-F238E27FC236}">
+                <a16:creationId xmlns:a16="http://schemas.microsoft.com/office/drawing/2014/main" id="{4F573D75-BDCC-4539-ABC6-D9343422C7C9}"/>
+              </a:ext>
+            </a:extLst>
+          </p:cNvPr>
+          <p:cNvSpPr txBox="1"/>
+          <p:nvPr/>
+        </p:nvSpPr>
+        <p:spPr>
+          <a:xfrm>
+            <a:off x="4932132" y="5372628"/>
+            <a:ext cx="1413144" cy="1169551"/>
+          </a:xfrm>
+          <a:prstGeom prst="rect">
+            <a:avLst/>
+          </a:prstGeom>
+          <a:noFill/>
+        </p:spPr>
+        <p:txBody>
+          <a:bodyPr wrap="none" rtlCol="0">
+            <a:spAutoFit/>
+          </a:bodyPr>
+          <a:lstStyle/>
+          <a:p>
+            <a:r>
+              <a:rPr lang="en-US" sz="1400" dirty="0"/>
+              <a:t>Filters = 256</a:t>
+            </a:r>
+          </a:p>
+          <a:p>
+            <a:r>
+              <a:rPr lang="en-US" sz="1400" dirty="0"/>
+              <a:t>Kernel Size = 16</a:t>
+            </a:r>
+          </a:p>
+          <a:p>
+            <a:r>
+              <a:rPr lang="en-US" sz="1400" dirty="0"/>
+              <a:t>Pool Size = 8</a:t>
+            </a:r>
+          </a:p>
+          <a:p>
+            <a:r>
+              <a:rPr lang="en-US" sz="1400" dirty="0"/>
+              <a:t>Batch Size = 16</a:t>
+            </a:r>
+          </a:p>
+          <a:p>
+            <a:r>
+              <a:rPr lang="en-US" sz="1400" dirty="0"/>
+              <a:t>Activation = Relu</a:t>
+            </a:r>
+          </a:p>
+        </p:txBody>
+      </p:sp>
+      <p:sp>
+        <p:nvSpPr>
+          <p:cNvPr id="8" name="Rectangle 7">
+            <a:extLst>
+              <a:ext uri="{FF2B5EF4-FFF2-40B4-BE49-F238E27FC236}">
+                <a16:creationId xmlns:a16="http://schemas.microsoft.com/office/drawing/2014/main" id="{DC1FADF5-B64D-40C2-9973-D4D3FE8B91EA}"/>
+              </a:ext>
+            </a:extLst>
+          </p:cNvPr>
+          <p:cNvSpPr/>
+          <p:nvPr/>
+        </p:nvSpPr>
+        <p:spPr>
+          <a:xfrm>
+            <a:off x="506704" y="681135"/>
+            <a:ext cx="11101096" cy="5861044"/>
+          </a:xfrm>
+          <a:prstGeom prst="rect">
+            <a:avLst/>
+          </a:prstGeom>
+          <a:noFill/>
+          <a:ln w="25400"/>
+        </p:spPr>
+        <p:style>
+          <a:lnRef idx="2">
+            <a:schemeClr val="accent1">
+              <a:shade val="50000"/>
+            </a:schemeClr>
+          </a:lnRef>
+          <a:fillRef idx="1">
+            <a:schemeClr val="accent1"/>
+          </a:fillRef>
+          <a:effectRef idx="0">
+            <a:schemeClr val="accent1"/>
+          </a:effectRef>
+          <a:fontRef idx="minor">
+            <a:schemeClr val="lt1"/>
+          </a:fontRef>
+        </p:style>
+        <p:txBody>
+          <a:bodyPr rtlCol="0" anchor="ctr"/>
+          <a:lstStyle/>
+          <a:p>
+            <a:pPr algn="ctr"/>
+            <a:endParaRPr lang="en-US"/>
+          </a:p>
+        </p:txBody>
+      </p:sp>
+      <p:sp>
+        <p:nvSpPr>
+          <p:cNvPr id="40" name="Rectangle 39">
+            <a:extLst>
+              <a:ext uri="{FF2B5EF4-FFF2-40B4-BE49-F238E27FC236}">
+                <a16:creationId xmlns:a16="http://schemas.microsoft.com/office/drawing/2014/main" id="{2FC176A6-6E20-402C-88E5-4875516ED2A9}"/>
+              </a:ext>
+            </a:extLst>
+          </p:cNvPr>
+          <p:cNvSpPr/>
+          <p:nvPr/>
+        </p:nvSpPr>
+        <p:spPr>
+          <a:xfrm>
+            <a:off x="8045345" y="2572066"/>
+            <a:ext cx="1201783" cy="783772"/>
+          </a:xfrm>
+          <a:prstGeom prst="rect">
+            <a:avLst/>
+          </a:prstGeom>
+          <a:solidFill>
+            <a:schemeClr val="accent1">
+              <a:lumMod val="40000"/>
+              <a:lumOff val="60000"/>
+            </a:schemeClr>
+          </a:solidFill>
+        </p:spPr>
+        <p:style>
+          <a:lnRef idx="2">
+            <a:schemeClr val="accent1">
+              <a:shade val="50000"/>
+            </a:schemeClr>
+          </a:lnRef>
+          <a:fillRef idx="1">
+            <a:schemeClr val="accent1"/>
+          </a:fillRef>
+          <a:effectRef idx="0">
+            <a:schemeClr val="accent1"/>
+          </a:effectRef>
+          <a:fontRef idx="minor">
+            <a:schemeClr val="lt1"/>
+          </a:fontRef>
+        </p:style>
+        <p:txBody>
+          <a:bodyPr rtlCol="0" anchor="ctr"/>
+          <a:lstStyle/>
+          <a:p>
+            <a:pPr algn="ctr"/>
+            <a:r>
+              <a:rPr lang="en-US" dirty="0">
+                <a:solidFill>
+                  <a:schemeClr val="tx1"/>
+                </a:solidFill>
+              </a:rPr>
+              <a:t>Feature Extraction</a:t>
+            </a:r>
+          </a:p>
+        </p:txBody>
+      </p:sp>
+      <p:sp>
+        <p:nvSpPr>
+          <p:cNvPr id="41" name="Arrow: Right 40">
+            <a:extLst>
+              <a:ext uri="{FF2B5EF4-FFF2-40B4-BE49-F238E27FC236}">
+                <a16:creationId xmlns:a16="http://schemas.microsoft.com/office/drawing/2014/main" id="{9333C148-F497-48E9-901E-BFB0CA9F0E3B}"/>
+              </a:ext>
+            </a:extLst>
+          </p:cNvPr>
+          <p:cNvSpPr/>
+          <p:nvPr/>
+        </p:nvSpPr>
+        <p:spPr>
+          <a:xfrm>
+            <a:off x="7243713" y="2754946"/>
+            <a:ext cx="650806" cy="418012"/>
+          </a:xfrm>
+          <a:prstGeom prst="rightArrow">
+            <a:avLst/>
+          </a:prstGeom>
+        </p:spPr>
+        <p:style>
+          <a:lnRef idx="2">
+            <a:schemeClr val="accent1">
+              <a:shade val="50000"/>
+            </a:schemeClr>
+          </a:lnRef>
+          <a:fillRef idx="1">
+            <a:schemeClr val="accent1"/>
+          </a:fillRef>
+          <a:effectRef idx="0">
+            <a:schemeClr val="accent1"/>
+          </a:effectRef>
+          <a:fontRef idx="minor">
+            <a:schemeClr val="lt1"/>
+          </a:fontRef>
+        </p:style>
+        <p:txBody>
+          <a:bodyPr rtlCol="0" anchor="ctr"/>
+          <a:lstStyle/>
+          <a:p>
+            <a:pPr algn="ctr"/>
+            <a:endParaRPr lang="en-US"/>
+          </a:p>
+        </p:txBody>
+      </p:sp>
+    </p:spTree>
+    <p:extLst>
+      <p:ext uri="{BB962C8B-B14F-4D97-AF65-F5344CB8AC3E}">
+        <p14:creationId xmlns:p14="http://schemas.microsoft.com/office/powerpoint/2010/main" val="199733628"/>
+      </p:ext>
+    </p:extLst>
+  </p:cSld>
+  <p:clrMapOvr>
+    <a:masterClrMapping/>
+  </p:clrMapOvr>
+</p:sld>
+</file>
+
+<file path=ppt/slides/slide14.xml><?xml version="1.0" encoding="utf-8"?>
+<p:sld xmlns:a="http://schemas.openxmlformats.org/drawingml/2006/main" xmlns:r="http://schemas.openxmlformats.org/officeDocument/2006/relationships" xmlns:p="http://schemas.openxmlformats.org/presentationml/2006/main">
+  <p:cSld>
+    <p:spTree>
+      <p:nvGrpSpPr>
+        <p:cNvPr id="1" name=""/>
+        <p:cNvGrpSpPr/>
+        <p:nvPr/>
+      </p:nvGrpSpPr>
+      <p:grpSpPr>
+        <a:xfrm>
+          <a:off x="0" y="0"/>
+          <a:ext cx="0" cy="0"/>
+          <a:chOff x="0" y="0"/>
+          <a:chExt cx="0" cy="0"/>
+        </a:xfrm>
+      </p:grpSpPr>
       <p:pic>
         <p:nvPicPr>
-          <p:cNvPr id="2" name="Picture 1">
-            <a:extLst>
-              <a:ext uri="{FF2B5EF4-FFF2-40B4-BE49-F238E27FC236}">
-                <a16:creationId xmlns:a16="http://schemas.microsoft.com/office/drawing/2014/main" id="{DC805994-9035-4B6D-8AC8-913B423ADFFF}"/>
+          <p:cNvPr id="4" name="Picture 3">
+            <a:extLst>
+              <a:ext uri="{FF2B5EF4-FFF2-40B4-BE49-F238E27FC236}">
+                <a16:creationId xmlns:a16="http://schemas.microsoft.com/office/drawing/2014/main" id="{4E4CCE09-06E3-473D-8EF7-271F18C31C7A}"/>
               </a:ext>
             </a:extLst>
           </p:cNvPr>
@@ -9233,8 +10587,1621 @@
         </p:blipFill>
         <p:spPr>
           <a:xfrm>
-            <a:off x="2900362" y="971550"/>
-            <a:ext cx="6391275" cy="4914900"/>
+            <a:off x="355334" y="588895"/>
+            <a:ext cx="11027189" cy="1902859"/>
+          </a:xfrm>
+          <a:prstGeom prst="rect">
+            <a:avLst/>
+          </a:prstGeom>
+        </p:spPr>
+      </p:pic>
+      <p:cxnSp>
+        <p:nvCxnSpPr>
+          <p:cNvPr id="6" name="Straight Connector 5">
+            <a:extLst>
+              <a:ext uri="{FF2B5EF4-FFF2-40B4-BE49-F238E27FC236}">
+                <a16:creationId xmlns:a16="http://schemas.microsoft.com/office/drawing/2014/main" id="{FCC2BDD1-73A0-4C6B-BFC5-705F22FF52D7}"/>
+              </a:ext>
+            </a:extLst>
+          </p:cNvPr>
+          <p:cNvCxnSpPr>
+            <a:cxnSpLocks/>
+          </p:cNvCxnSpPr>
+          <p:nvPr/>
+        </p:nvCxnSpPr>
+        <p:spPr>
+          <a:xfrm>
+            <a:off x="657025" y="2473092"/>
+            <a:ext cx="10544371" cy="18662"/>
+          </a:xfrm>
+          <a:prstGeom prst="line">
+            <a:avLst/>
+          </a:prstGeom>
+          <a:ln>
+            <a:solidFill>
+              <a:schemeClr val="tx1"/>
+            </a:solidFill>
+          </a:ln>
+        </p:spPr>
+        <p:style>
+          <a:lnRef idx="1">
+            <a:schemeClr val="accent1"/>
+          </a:lnRef>
+          <a:fillRef idx="0">
+            <a:schemeClr val="accent1"/>
+          </a:fillRef>
+          <a:effectRef idx="0">
+            <a:schemeClr val="accent1"/>
+          </a:effectRef>
+          <a:fontRef idx="minor">
+            <a:schemeClr val="tx1"/>
+          </a:fontRef>
+        </p:style>
+      </p:cxnSp>
+      <p:sp>
+        <p:nvSpPr>
+          <p:cNvPr id="8" name="Right Brace 7">
+            <a:extLst>
+              <a:ext uri="{FF2B5EF4-FFF2-40B4-BE49-F238E27FC236}">
+                <a16:creationId xmlns:a16="http://schemas.microsoft.com/office/drawing/2014/main" id="{2630FD6A-FB4E-4185-82D6-FF882FEED99D}"/>
+              </a:ext>
+            </a:extLst>
+          </p:cNvPr>
+          <p:cNvSpPr/>
+          <p:nvPr/>
+        </p:nvSpPr>
+        <p:spPr>
+          <a:xfrm rot="5400000">
+            <a:off x="1649186" y="2118229"/>
+            <a:ext cx="419878" cy="1264295"/>
+          </a:xfrm>
+          <a:prstGeom prst="rightBrace">
+            <a:avLst>
+              <a:gd name="adj1" fmla="val 55555"/>
+              <a:gd name="adj2" fmla="val 50000"/>
+            </a:avLst>
+          </a:prstGeom>
+        </p:spPr>
+        <p:style>
+          <a:lnRef idx="1">
+            <a:schemeClr val="accent1"/>
+          </a:lnRef>
+          <a:fillRef idx="0">
+            <a:schemeClr val="accent1"/>
+          </a:fillRef>
+          <a:effectRef idx="0">
+            <a:schemeClr val="accent1"/>
+          </a:effectRef>
+          <a:fontRef idx="minor">
+            <a:schemeClr val="tx1"/>
+          </a:fontRef>
+        </p:style>
+        <p:txBody>
+          <a:bodyPr rtlCol="0" anchor="ctr"/>
+          <a:lstStyle/>
+          <a:p>
+            <a:pPr algn="ctr"/>
+            <a:endParaRPr lang="en-US"/>
+          </a:p>
+        </p:txBody>
+      </p:sp>
+      <p:sp>
+        <p:nvSpPr>
+          <p:cNvPr id="9" name="Right Brace 8">
+            <a:extLst>
+              <a:ext uri="{FF2B5EF4-FFF2-40B4-BE49-F238E27FC236}">
+                <a16:creationId xmlns:a16="http://schemas.microsoft.com/office/drawing/2014/main" id="{DCEEBCF1-CFEB-4AF4-A839-9C2AD4C56DBD}"/>
+              </a:ext>
+            </a:extLst>
+          </p:cNvPr>
+          <p:cNvSpPr/>
+          <p:nvPr/>
+        </p:nvSpPr>
+        <p:spPr>
+          <a:xfrm rot="5400000">
+            <a:off x="2913481" y="2083434"/>
+            <a:ext cx="419878" cy="1264295"/>
+          </a:xfrm>
+          <a:prstGeom prst="rightBrace">
+            <a:avLst>
+              <a:gd name="adj1" fmla="val 55555"/>
+              <a:gd name="adj2" fmla="val 50000"/>
+            </a:avLst>
+          </a:prstGeom>
+        </p:spPr>
+        <p:style>
+          <a:lnRef idx="1">
+            <a:schemeClr val="accent1"/>
+          </a:lnRef>
+          <a:fillRef idx="0">
+            <a:schemeClr val="accent1"/>
+          </a:fillRef>
+          <a:effectRef idx="0">
+            <a:schemeClr val="accent1"/>
+          </a:effectRef>
+          <a:fontRef idx="minor">
+            <a:schemeClr val="tx1"/>
+          </a:fontRef>
+        </p:style>
+        <p:txBody>
+          <a:bodyPr rtlCol="0" anchor="ctr"/>
+          <a:lstStyle/>
+          <a:p>
+            <a:pPr algn="ctr"/>
+            <a:endParaRPr lang="en-US"/>
+          </a:p>
+        </p:txBody>
+      </p:sp>
+      <p:sp>
+        <p:nvSpPr>
+          <p:cNvPr id="10" name="Right Brace 9">
+            <a:extLst>
+              <a:ext uri="{FF2B5EF4-FFF2-40B4-BE49-F238E27FC236}">
+                <a16:creationId xmlns:a16="http://schemas.microsoft.com/office/drawing/2014/main" id="{80373E76-37C2-45E6-9323-AC953E90C6BD}"/>
+              </a:ext>
+            </a:extLst>
+          </p:cNvPr>
+          <p:cNvSpPr/>
+          <p:nvPr/>
+        </p:nvSpPr>
+        <p:spPr>
+          <a:xfrm rot="5400000">
+            <a:off x="4177778" y="2100833"/>
+            <a:ext cx="419878" cy="1264295"/>
+          </a:xfrm>
+          <a:prstGeom prst="rightBrace">
+            <a:avLst>
+              <a:gd name="adj1" fmla="val 55555"/>
+              <a:gd name="adj2" fmla="val 50000"/>
+            </a:avLst>
+          </a:prstGeom>
+        </p:spPr>
+        <p:style>
+          <a:lnRef idx="1">
+            <a:schemeClr val="accent1"/>
+          </a:lnRef>
+          <a:fillRef idx="0">
+            <a:schemeClr val="accent1"/>
+          </a:fillRef>
+          <a:effectRef idx="0">
+            <a:schemeClr val="accent1"/>
+          </a:effectRef>
+          <a:fontRef idx="minor">
+            <a:schemeClr val="tx1"/>
+          </a:fontRef>
+        </p:style>
+        <p:txBody>
+          <a:bodyPr rtlCol="0" anchor="ctr"/>
+          <a:lstStyle/>
+          <a:p>
+            <a:pPr algn="ctr"/>
+            <a:endParaRPr lang="en-US"/>
+          </a:p>
+        </p:txBody>
+      </p:sp>
+      <p:sp>
+        <p:nvSpPr>
+          <p:cNvPr id="11" name="Right Brace 10">
+            <a:extLst>
+              <a:ext uri="{FF2B5EF4-FFF2-40B4-BE49-F238E27FC236}">
+                <a16:creationId xmlns:a16="http://schemas.microsoft.com/office/drawing/2014/main" id="{D9F25E17-12A8-4EBF-A890-8D86ACF04E4B}"/>
+              </a:ext>
+            </a:extLst>
+          </p:cNvPr>
+          <p:cNvSpPr/>
+          <p:nvPr/>
+        </p:nvSpPr>
+        <p:spPr>
+          <a:xfrm rot="5400000">
+            <a:off x="5479396" y="2118230"/>
+            <a:ext cx="419878" cy="1264295"/>
+          </a:xfrm>
+          <a:prstGeom prst="rightBrace">
+            <a:avLst>
+              <a:gd name="adj1" fmla="val 55555"/>
+              <a:gd name="adj2" fmla="val 50000"/>
+            </a:avLst>
+          </a:prstGeom>
+        </p:spPr>
+        <p:style>
+          <a:lnRef idx="1">
+            <a:schemeClr val="accent1"/>
+          </a:lnRef>
+          <a:fillRef idx="0">
+            <a:schemeClr val="accent1"/>
+          </a:fillRef>
+          <a:effectRef idx="0">
+            <a:schemeClr val="accent1"/>
+          </a:effectRef>
+          <a:fontRef idx="minor">
+            <a:schemeClr val="tx1"/>
+          </a:fontRef>
+        </p:style>
+        <p:txBody>
+          <a:bodyPr rtlCol="0" anchor="ctr"/>
+          <a:lstStyle/>
+          <a:p>
+            <a:pPr algn="ctr"/>
+            <a:endParaRPr lang="en-US"/>
+          </a:p>
+        </p:txBody>
+      </p:sp>
+      <p:sp>
+        <p:nvSpPr>
+          <p:cNvPr id="12" name="TextBox 11">
+            <a:extLst>
+              <a:ext uri="{FF2B5EF4-FFF2-40B4-BE49-F238E27FC236}">
+                <a16:creationId xmlns:a16="http://schemas.microsoft.com/office/drawing/2014/main" id="{3F080710-1556-4571-BADA-20F864AD8658}"/>
+              </a:ext>
+            </a:extLst>
+          </p:cNvPr>
+          <p:cNvSpPr txBox="1"/>
+          <p:nvPr/>
+        </p:nvSpPr>
+        <p:spPr>
+          <a:xfrm>
+            <a:off x="6994564" y="2145355"/>
+            <a:ext cx="2297424" cy="923330"/>
+          </a:xfrm>
+          <a:prstGeom prst="rect">
+            <a:avLst/>
+          </a:prstGeom>
+          <a:noFill/>
+        </p:spPr>
+        <p:txBody>
+          <a:bodyPr wrap="none" rtlCol="0">
+            <a:spAutoFit/>
+          </a:bodyPr>
+          <a:lstStyle/>
+          <a:p>
+            <a:r>
+              <a:rPr lang="en-US" sz="5400" dirty="0"/>
+              <a:t>.   .   .   .</a:t>
+            </a:r>
+          </a:p>
+        </p:txBody>
+      </p:sp>
+      <p:sp>
+        <p:nvSpPr>
+          <p:cNvPr id="13" name="Right Brace 12">
+            <a:extLst>
+              <a:ext uri="{FF2B5EF4-FFF2-40B4-BE49-F238E27FC236}">
+                <a16:creationId xmlns:a16="http://schemas.microsoft.com/office/drawing/2014/main" id="{222AC35B-C6E1-4B39-8967-B7B00C43E698}"/>
+              </a:ext>
+            </a:extLst>
+          </p:cNvPr>
+          <p:cNvSpPr/>
+          <p:nvPr/>
+        </p:nvSpPr>
+        <p:spPr>
+          <a:xfrm rot="5400000">
+            <a:off x="10359309" y="2118229"/>
+            <a:ext cx="419878" cy="1264295"/>
+          </a:xfrm>
+          <a:prstGeom prst="rightBrace">
+            <a:avLst>
+              <a:gd name="adj1" fmla="val 55555"/>
+              <a:gd name="adj2" fmla="val 50000"/>
+            </a:avLst>
+          </a:prstGeom>
+        </p:spPr>
+        <p:style>
+          <a:lnRef idx="1">
+            <a:schemeClr val="accent1"/>
+          </a:lnRef>
+          <a:fillRef idx="0">
+            <a:schemeClr val="accent1"/>
+          </a:fillRef>
+          <a:effectRef idx="0">
+            <a:schemeClr val="accent1"/>
+          </a:effectRef>
+          <a:fontRef idx="minor">
+            <a:schemeClr val="tx1"/>
+          </a:fontRef>
+        </p:style>
+        <p:txBody>
+          <a:bodyPr rtlCol="0" anchor="ctr"/>
+          <a:lstStyle/>
+          <a:p>
+            <a:pPr algn="ctr"/>
+            <a:endParaRPr lang="en-US"/>
+          </a:p>
+        </p:txBody>
+      </p:sp>
+      <p:sp>
+        <p:nvSpPr>
+          <p:cNvPr id="14" name="TextBox 13">
+            <a:extLst>
+              <a:ext uri="{FF2B5EF4-FFF2-40B4-BE49-F238E27FC236}">
+                <a16:creationId xmlns:a16="http://schemas.microsoft.com/office/drawing/2014/main" id="{8568B0AA-788B-4F8D-B618-1F9F4FB9F403}"/>
+              </a:ext>
+            </a:extLst>
+          </p:cNvPr>
+          <p:cNvSpPr txBox="1"/>
+          <p:nvPr/>
+        </p:nvSpPr>
+        <p:spPr>
+          <a:xfrm>
+            <a:off x="1656185" y="2863093"/>
+            <a:ext cx="367408" cy="369332"/>
+          </a:xfrm>
+          <a:prstGeom prst="rect">
+            <a:avLst/>
+          </a:prstGeom>
+          <a:noFill/>
+        </p:spPr>
+        <p:txBody>
+          <a:bodyPr wrap="none" rtlCol="0">
+            <a:spAutoFit/>
+          </a:bodyPr>
+          <a:lstStyle/>
+          <a:p>
+            <a:r>
+              <a:rPr lang="en-US" dirty="0"/>
+              <a:t>v</a:t>
+            </a:r>
+            <a:r>
+              <a:rPr lang="en-US" baseline="-25000" dirty="0"/>
+              <a:t>1</a:t>
+            </a:r>
+          </a:p>
+        </p:txBody>
+      </p:sp>
+      <p:sp>
+        <p:nvSpPr>
+          <p:cNvPr id="15" name="TextBox 14">
+            <a:extLst>
+              <a:ext uri="{FF2B5EF4-FFF2-40B4-BE49-F238E27FC236}">
+                <a16:creationId xmlns:a16="http://schemas.microsoft.com/office/drawing/2014/main" id="{F438F386-2818-4946-B28B-88687C72051F}"/>
+              </a:ext>
+            </a:extLst>
+          </p:cNvPr>
+          <p:cNvSpPr txBox="1"/>
+          <p:nvPr/>
+        </p:nvSpPr>
+        <p:spPr>
+          <a:xfrm>
+            <a:off x="2920480" y="2848239"/>
+            <a:ext cx="367408" cy="369332"/>
+          </a:xfrm>
+          <a:prstGeom prst="rect">
+            <a:avLst/>
+          </a:prstGeom>
+          <a:noFill/>
+        </p:spPr>
+        <p:txBody>
+          <a:bodyPr wrap="none" rtlCol="0">
+            <a:spAutoFit/>
+          </a:bodyPr>
+          <a:lstStyle/>
+          <a:p>
+            <a:r>
+              <a:rPr lang="en-US" dirty="0"/>
+              <a:t>v</a:t>
+            </a:r>
+            <a:r>
+              <a:rPr lang="en-US" baseline="-25000" dirty="0"/>
+              <a:t>2</a:t>
+            </a:r>
+          </a:p>
+        </p:txBody>
+      </p:sp>
+      <p:sp>
+        <p:nvSpPr>
+          <p:cNvPr id="16" name="TextBox 15">
+            <a:extLst>
+              <a:ext uri="{FF2B5EF4-FFF2-40B4-BE49-F238E27FC236}">
+                <a16:creationId xmlns:a16="http://schemas.microsoft.com/office/drawing/2014/main" id="{EA28F0AA-A6CB-4055-BEF7-C053F6EF67EB}"/>
+              </a:ext>
+            </a:extLst>
+          </p:cNvPr>
+          <p:cNvSpPr txBox="1"/>
+          <p:nvPr/>
+        </p:nvSpPr>
+        <p:spPr>
+          <a:xfrm>
+            <a:off x="4177001" y="2879871"/>
+            <a:ext cx="421431" cy="369332"/>
+          </a:xfrm>
+          <a:prstGeom prst="rect">
+            <a:avLst/>
+          </a:prstGeom>
+          <a:noFill/>
+        </p:spPr>
+        <p:txBody>
+          <a:bodyPr wrap="square" rtlCol="0">
+            <a:spAutoFit/>
+          </a:bodyPr>
+          <a:lstStyle/>
+          <a:p>
+            <a:r>
+              <a:rPr lang="en-US" dirty="0"/>
+              <a:t>v</a:t>
+            </a:r>
+            <a:r>
+              <a:rPr lang="en-US" baseline="-25000" dirty="0"/>
+              <a:t>3</a:t>
+            </a:r>
+          </a:p>
+        </p:txBody>
+      </p:sp>
+      <p:sp>
+        <p:nvSpPr>
+          <p:cNvPr id="17" name="TextBox 16">
+            <a:extLst>
+              <a:ext uri="{FF2B5EF4-FFF2-40B4-BE49-F238E27FC236}">
+                <a16:creationId xmlns:a16="http://schemas.microsoft.com/office/drawing/2014/main" id="{DB3E9F1A-E122-464D-9563-51F8FEAE3D9B}"/>
+              </a:ext>
+            </a:extLst>
+          </p:cNvPr>
+          <p:cNvSpPr txBox="1"/>
+          <p:nvPr/>
+        </p:nvSpPr>
+        <p:spPr>
+          <a:xfrm>
+            <a:off x="5486395" y="2881795"/>
+            <a:ext cx="367408" cy="369332"/>
+          </a:xfrm>
+          <a:prstGeom prst="rect">
+            <a:avLst/>
+          </a:prstGeom>
+          <a:noFill/>
+        </p:spPr>
+        <p:txBody>
+          <a:bodyPr wrap="none" rtlCol="0">
+            <a:spAutoFit/>
+          </a:bodyPr>
+          <a:lstStyle/>
+          <a:p>
+            <a:r>
+              <a:rPr lang="en-US" dirty="0"/>
+              <a:t>v</a:t>
+            </a:r>
+            <a:r>
+              <a:rPr lang="en-US" baseline="-25000" dirty="0"/>
+              <a:t>4</a:t>
+            </a:r>
+          </a:p>
+        </p:txBody>
+      </p:sp>
+      <p:sp>
+        <p:nvSpPr>
+          <p:cNvPr id="18" name="TextBox 17">
+            <a:extLst>
+              <a:ext uri="{FF2B5EF4-FFF2-40B4-BE49-F238E27FC236}">
+                <a16:creationId xmlns:a16="http://schemas.microsoft.com/office/drawing/2014/main" id="{055175C0-55BD-4CEF-9194-04E02D1B9DD0}"/>
+              </a:ext>
+            </a:extLst>
+          </p:cNvPr>
+          <p:cNvSpPr txBox="1"/>
+          <p:nvPr/>
+        </p:nvSpPr>
+        <p:spPr>
+          <a:xfrm>
+            <a:off x="10366308" y="2863093"/>
+            <a:ext cx="369012" cy="369332"/>
+          </a:xfrm>
+          <a:prstGeom prst="rect">
+            <a:avLst/>
+          </a:prstGeom>
+          <a:noFill/>
+        </p:spPr>
+        <p:txBody>
+          <a:bodyPr wrap="none" rtlCol="0">
+            <a:spAutoFit/>
+          </a:bodyPr>
+          <a:lstStyle/>
+          <a:p>
+            <a:r>
+              <a:rPr lang="en-US" dirty="0"/>
+              <a:t>v</a:t>
+            </a:r>
+            <a:r>
+              <a:rPr lang="en-US" baseline="-25000" dirty="0"/>
+              <a:t>n</a:t>
+            </a:r>
+          </a:p>
+        </p:txBody>
+      </p:sp>
+      <p:sp>
+        <p:nvSpPr>
+          <p:cNvPr id="7" name="Rectangle 6">
+            <a:extLst>
+              <a:ext uri="{FF2B5EF4-FFF2-40B4-BE49-F238E27FC236}">
+                <a16:creationId xmlns:a16="http://schemas.microsoft.com/office/drawing/2014/main" id="{9EB45A07-A81B-4688-BFAD-8A212FD13CBE}"/>
+              </a:ext>
+            </a:extLst>
+          </p:cNvPr>
+          <p:cNvSpPr/>
+          <p:nvPr/>
+        </p:nvSpPr>
+        <p:spPr>
+          <a:xfrm>
+            <a:off x="1261508" y="3984444"/>
+            <a:ext cx="391886" cy="2202025"/>
+          </a:xfrm>
+          <a:prstGeom prst="rect">
+            <a:avLst/>
+          </a:prstGeom>
+        </p:spPr>
+        <p:style>
+          <a:lnRef idx="2">
+            <a:schemeClr val="accent1">
+              <a:shade val="50000"/>
+            </a:schemeClr>
+          </a:lnRef>
+          <a:fillRef idx="1">
+            <a:schemeClr val="accent1"/>
+          </a:fillRef>
+          <a:effectRef idx="0">
+            <a:schemeClr val="accent1"/>
+          </a:effectRef>
+          <a:fontRef idx="minor">
+            <a:schemeClr val="lt1"/>
+          </a:fontRef>
+        </p:style>
+        <p:txBody>
+          <a:bodyPr rtlCol="0" anchor="ctr"/>
+          <a:lstStyle/>
+          <a:p>
+            <a:pPr algn="ctr"/>
+            <a:endParaRPr lang="en-US"/>
+          </a:p>
+        </p:txBody>
+      </p:sp>
+      <p:sp>
+        <p:nvSpPr>
+          <p:cNvPr id="23" name="Rectangle 22">
+            <a:extLst>
+              <a:ext uri="{FF2B5EF4-FFF2-40B4-BE49-F238E27FC236}">
+                <a16:creationId xmlns:a16="http://schemas.microsoft.com/office/drawing/2014/main" id="{A4109119-CCE1-4ADD-A99E-3EB073B521BF}"/>
+              </a:ext>
+            </a:extLst>
+          </p:cNvPr>
+          <p:cNvSpPr/>
+          <p:nvPr/>
+        </p:nvSpPr>
+        <p:spPr>
+          <a:xfrm>
+            <a:off x="2931686" y="3984443"/>
+            <a:ext cx="391886" cy="2202025"/>
+          </a:xfrm>
+          <a:prstGeom prst="rect">
+            <a:avLst/>
+          </a:prstGeom>
+        </p:spPr>
+        <p:style>
+          <a:lnRef idx="2">
+            <a:schemeClr val="accent1">
+              <a:shade val="50000"/>
+            </a:schemeClr>
+          </a:lnRef>
+          <a:fillRef idx="1">
+            <a:schemeClr val="accent1"/>
+          </a:fillRef>
+          <a:effectRef idx="0">
+            <a:schemeClr val="accent1"/>
+          </a:effectRef>
+          <a:fontRef idx="minor">
+            <a:schemeClr val="lt1"/>
+          </a:fontRef>
+        </p:style>
+        <p:txBody>
+          <a:bodyPr rtlCol="0" anchor="ctr"/>
+          <a:lstStyle/>
+          <a:p>
+            <a:pPr algn="ctr"/>
+            <a:endParaRPr lang="en-US"/>
+          </a:p>
+        </p:txBody>
+      </p:sp>
+      <p:sp>
+        <p:nvSpPr>
+          <p:cNvPr id="24" name="Rectangle 23">
+            <a:extLst>
+              <a:ext uri="{FF2B5EF4-FFF2-40B4-BE49-F238E27FC236}">
+                <a16:creationId xmlns:a16="http://schemas.microsoft.com/office/drawing/2014/main" id="{D6F12DAE-692E-4673-BD3E-F31FC42A92D7}"/>
+              </a:ext>
+            </a:extLst>
+          </p:cNvPr>
+          <p:cNvSpPr/>
+          <p:nvPr/>
+        </p:nvSpPr>
+        <p:spPr>
+          <a:xfrm>
+            <a:off x="2325709" y="3984443"/>
+            <a:ext cx="391886" cy="2202025"/>
+          </a:xfrm>
+          <a:prstGeom prst="rect">
+            <a:avLst/>
+          </a:prstGeom>
+        </p:spPr>
+        <p:style>
+          <a:lnRef idx="2">
+            <a:schemeClr val="accent1">
+              <a:shade val="50000"/>
+            </a:schemeClr>
+          </a:lnRef>
+          <a:fillRef idx="1">
+            <a:schemeClr val="accent1"/>
+          </a:fillRef>
+          <a:effectRef idx="0">
+            <a:schemeClr val="accent1"/>
+          </a:effectRef>
+          <a:fontRef idx="minor">
+            <a:schemeClr val="lt1"/>
+          </a:fontRef>
+        </p:style>
+        <p:txBody>
+          <a:bodyPr rtlCol="0" anchor="ctr"/>
+          <a:lstStyle/>
+          <a:p>
+            <a:pPr algn="ctr"/>
+            <a:endParaRPr lang="en-US"/>
+          </a:p>
+        </p:txBody>
+      </p:sp>
+      <p:sp>
+        <p:nvSpPr>
+          <p:cNvPr id="25" name="Rectangle 24">
+            <a:extLst>
+              <a:ext uri="{FF2B5EF4-FFF2-40B4-BE49-F238E27FC236}">
+                <a16:creationId xmlns:a16="http://schemas.microsoft.com/office/drawing/2014/main" id="{F5E3FC79-E577-4893-89D0-E59E2C1F2D55}"/>
+              </a:ext>
+            </a:extLst>
+          </p:cNvPr>
+          <p:cNvSpPr/>
+          <p:nvPr/>
+        </p:nvSpPr>
+        <p:spPr>
+          <a:xfrm>
+            <a:off x="3570831" y="3984443"/>
+            <a:ext cx="391886" cy="2202025"/>
+          </a:xfrm>
+          <a:prstGeom prst="rect">
+            <a:avLst/>
+          </a:prstGeom>
+        </p:spPr>
+        <p:style>
+          <a:lnRef idx="2">
+            <a:schemeClr val="accent1">
+              <a:shade val="50000"/>
+            </a:schemeClr>
+          </a:lnRef>
+          <a:fillRef idx="1">
+            <a:schemeClr val="accent1"/>
+          </a:fillRef>
+          <a:effectRef idx="0">
+            <a:schemeClr val="accent1"/>
+          </a:effectRef>
+          <a:fontRef idx="minor">
+            <a:schemeClr val="lt1"/>
+          </a:fontRef>
+        </p:style>
+        <p:txBody>
+          <a:bodyPr rtlCol="0" anchor="ctr"/>
+          <a:lstStyle/>
+          <a:p>
+            <a:pPr algn="ctr"/>
+            <a:endParaRPr lang="en-US"/>
+          </a:p>
+        </p:txBody>
+      </p:sp>
+      <p:sp>
+        <p:nvSpPr>
+          <p:cNvPr id="19" name="TextBox 18">
+            <a:extLst>
+              <a:ext uri="{FF2B5EF4-FFF2-40B4-BE49-F238E27FC236}">
+                <a16:creationId xmlns:a16="http://schemas.microsoft.com/office/drawing/2014/main" id="{6E1296B7-2019-43DC-911A-241693466A30}"/>
+              </a:ext>
+            </a:extLst>
+          </p:cNvPr>
+          <p:cNvSpPr txBox="1"/>
+          <p:nvPr/>
+        </p:nvSpPr>
+        <p:spPr>
+          <a:xfrm>
+            <a:off x="1678403" y="4660137"/>
+            <a:ext cx="622286" cy="523220"/>
+          </a:xfrm>
+          <a:prstGeom prst="rect">
+            <a:avLst/>
+          </a:prstGeom>
+          <a:noFill/>
+        </p:spPr>
+        <p:txBody>
+          <a:bodyPr wrap="none" rtlCol="0">
+            <a:spAutoFit/>
+          </a:bodyPr>
+          <a:lstStyle/>
+          <a:p>
+            <a:r>
+              <a:rPr lang="en-US" sz="2800" dirty="0"/>
+              <a:t>. . .</a:t>
+            </a:r>
+          </a:p>
+        </p:txBody>
+      </p:sp>
+      <p:sp>
+        <p:nvSpPr>
+          <p:cNvPr id="26" name="TextBox 25">
+            <a:extLst>
+              <a:ext uri="{FF2B5EF4-FFF2-40B4-BE49-F238E27FC236}">
+                <a16:creationId xmlns:a16="http://schemas.microsoft.com/office/drawing/2014/main" id="{26AA1C60-DAA3-4D11-BAE0-75677E323910}"/>
+              </a:ext>
+            </a:extLst>
+          </p:cNvPr>
+          <p:cNvSpPr txBox="1"/>
+          <p:nvPr/>
+        </p:nvSpPr>
+        <p:spPr>
+          <a:xfrm>
+            <a:off x="3556837" y="3596450"/>
+            <a:ext cx="367408" cy="369332"/>
+          </a:xfrm>
+          <a:prstGeom prst="rect">
+            <a:avLst/>
+          </a:prstGeom>
+          <a:noFill/>
+        </p:spPr>
+        <p:txBody>
+          <a:bodyPr wrap="none" rtlCol="0">
+            <a:spAutoFit/>
+          </a:bodyPr>
+          <a:lstStyle/>
+          <a:p>
+            <a:r>
+              <a:rPr lang="en-US" dirty="0"/>
+              <a:t>v</a:t>
+            </a:r>
+            <a:r>
+              <a:rPr lang="en-US" baseline="-25000" dirty="0"/>
+              <a:t>1</a:t>
+            </a:r>
+          </a:p>
+        </p:txBody>
+      </p:sp>
+      <p:sp>
+        <p:nvSpPr>
+          <p:cNvPr id="27" name="TextBox 26">
+            <a:extLst>
+              <a:ext uri="{FF2B5EF4-FFF2-40B4-BE49-F238E27FC236}">
+                <a16:creationId xmlns:a16="http://schemas.microsoft.com/office/drawing/2014/main" id="{95534EA8-E11B-4561-9071-88E514268DCD}"/>
+              </a:ext>
+            </a:extLst>
+          </p:cNvPr>
+          <p:cNvSpPr txBox="1"/>
+          <p:nvPr/>
+        </p:nvSpPr>
+        <p:spPr>
+          <a:xfrm>
+            <a:off x="2962010" y="3596449"/>
+            <a:ext cx="367408" cy="369332"/>
+          </a:xfrm>
+          <a:prstGeom prst="rect">
+            <a:avLst/>
+          </a:prstGeom>
+          <a:noFill/>
+        </p:spPr>
+        <p:txBody>
+          <a:bodyPr wrap="none" rtlCol="0">
+            <a:spAutoFit/>
+          </a:bodyPr>
+          <a:lstStyle/>
+          <a:p>
+            <a:r>
+              <a:rPr lang="en-US" dirty="0"/>
+              <a:t>v</a:t>
+            </a:r>
+            <a:r>
+              <a:rPr lang="en-US" baseline="-25000" dirty="0"/>
+              <a:t>2</a:t>
+            </a:r>
+          </a:p>
+        </p:txBody>
+      </p:sp>
+      <p:sp>
+        <p:nvSpPr>
+          <p:cNvPr id="28" name="TextBox 27">
+            <a:extLst>
+              <a:ext uri="{FF2B5EF4-FFF2-40B4-BE49-F238E27FC236}">
+                <a16:creationId xmlns:a16="http://schemas.microsoft.com/office/drawing/2014/main" id="{99EDCB2D-1BB3-4757-B879-EB8CF26494DD}"/>
+              </a:ext>
+            </a:extLst>
+          </p:cNvPr>
+          <p:cNvSpPr txBox="1"/>
+          <p:nvPr/>
+        </p:nvSpPr>
+        <p:spPr>
+          <a:xfrm>
+            <a:off x="2365898" y="3596449"/>
+            <a:ext cx="367408" cy="369332"/>
+          </a:xfrm>
+          <a:prstGeom prst="rect">
+            <a:avLst/>
+          </a:prstGeom>
+          <a:noFill/>
+        </p:spPr>
+        <p:txBody>
+          <a:bodyPr wrap="none" rtlCol="0">
+            <a:spAutoFit/>
+          </a:bodyPr>
+          <a:lstStyle/>
+          <a:p>
+            <a:r>
+              <a:rPr lang="en-US" dirty="0"/>
+              <a:t>v</a:t>
+            </a:r>
+            <a:r>
+              <a:rPr lang="en-US" baseline="-25000" dirty="0"/>
+              <a:t>3</a:t>
+            </a:r>
+            <a:endParaRPr lang="en-US" dirty="0"/>
+          </a:p>
+        </p:txBody>
+      </p:sp>
+      <p:sp>
+        <p:nvSpPr>
+          <p:cNvPr id="29" name="TextBox 28">
+            <a:extLst>
+              <a:ext uri="{FF2B5EF4-FFF2-40B4-BE49-F238E27FC236}">
+                <a16:creationId xmlns:a16="http://schemas.microsoft.com/office/drawing/2014/main" id="{1C9761C3-C9C5-4114-AB39-C25A6F94E66C}"/>
+              </a:ext>
+            </a:extLst>
+          </p:cNvPr>
+          <p:cNvSpPr txBox="1"/>
+          <p:nvPr/>
+        </p:nvSpPr>
+        <p:spPr>
+          <a:xfrm>
+            <a:off x="1261508" y="3596450"/>
+            <a:ext cx="369012" cy="369332"/>
+          </a:xfrm>
+          <a:prstGeom prst="rect">
+            <a:avLst/>
+          </a:prstGeom>
+          <a:noFill/>
+        </p:spPr>
+        <p:txBody>
+          <a:bodyPr wrap="none" rtlCol="0">
+            <a:spAutoFit/>
+          </a:bodyPr>
+          <a:lstStyle/>
+          <a:p>
+            <a:r>
+              <a:rPr lang="en-US" dirty="0"/>
+              <a:t>v</a:t>
+            </a:r>
+            <a:r>
+              <a:rPr lang="en-US" baseline="-25000" dirty="0"/>
+              <a:t>n</a:t>
+            </a:r>
+          </a:p>
+        </p:txBody>
+      </p:sp>
+      <p:sp>
+        <p:nvSpPr>
+          <p:cNvPr id="30" name="Arrow: Right 29">
+            <a:extLst>
+              <a:ext uri="{FF2B5EF4-FFF2-40B4-BE49-F238E27FC236}">
+                <a16:creationId xmlns:a16="http://schemas.microsoft.com/office/drawing/2014/main" id="{A9405F78-8463-468D-9224-2FDFF38409C4}"/>
+              </a:ext>
+            </a:extLst>
+          </p:cNvPr>
+          <p:cNvSpPr/>
+          <p:nvPr/>
+        </p:nvSpPr>
+        <p:spPr>
+          <a:xfrm>
+            <a:off x="4116675" y="4804755"/>
+            <a:ext cx="541519" cy="419879"/>
+          </a:xfrm>
+          <a:prstGeom prst="rightArrow">
+            <a:avLst/>
+          </a:prstGeom>
+          <a:noFill/>
+          <a:ln w="25400">
+            <a:solidFill>
+              <a:schemeClr val="tx1"/>
+            </a:solidFill>
+          </a:ln>
+        </p:spPr>
+        <p:style>
+          <a:lnRef idx="2">
+            <a:schemeClr val="accent1">
+              <a:shade val="50000"/>
+            </a:schemeClr>
+          </a:lnRef>
+          <a:fillRef idx="1">
+            <a:schemeClr val="accent1"/>
+          </a:fillRef>
+          <a:effectRef idx="0">
+            <a:schemeClr val="accent1"/>
+          </a:effectRef>
+          <a:fontRef idx="minor">
+            <a:schemeClr val="lt1"/>
+          </a:fontRef>
+        </p:style>
+        <p:txBody>
+          <a:bodyPr rtlCol="0" anchor="ctr"/>
+          <a:lstStyle/>
+          <a:p>
+            <a:pPr algn="ctr"/>
+            <a:endParaRPr lang="en-US"/>
+          </a:p>
+        </p:txBody>
+      </p:sp>
+      <p:sp>
+        <p:nvSpPr>
+          <p:cNvPr id="54" name="TextBox 53">
+            <a:extLst>
+              <a:ext uri="{FF2B5EF4-FFF2-40B4-BE49-F238E27FC236}">
+                <a16:creationId xmlns:a16="http://schemas.microsoft.com/office/drawing/2014/main" id="{9939DBDD-4418-479D-A11C-F790EDD92DB7}"/>
+              </a:ext>
+            </a:extLst>
+          </p:cNvPr>
+          <p:cNvSpPr txBox="1"/>
+          <p:nvPr/>
+        </p:nvSpPr>
+        <p:spPr>
+          <a:xfrm>
+            <a:off x="1824018" y="3335899"/>
+            <a:ext cx="1818575" cy="369332"/>
+          </a:xfrm>
+          <a:prstGeom prst="rect">
+            <a:avLst/>
+          </a:prstGeom>
+          <a:noFill/>
+        </p:spPr>
+        <p:txBody>
+          <a:bodyPr wrap="none" rtlCol="0">
+            <a:spAutoFit/>
+          </a:bodyPr>
+          <a:lstStyle/>
+          <a:p>
+            <a:r>
+              <a:rPr lang="en-US" b="1" dirty="0"/>
+              <a:t>Signal Data Input</a:t>
+            </a:r>
+          </a:p>
+        </p:txBody>
+      </p:sp>
+      <p:sp>
+        <p:nvSpPr>
+          <p:cNvPr id="56" name="Right Brace 55">
+            <a:extLst>
+              <a:ext uri="{FF2B5EF4-FFF2-40B4-BE49-F238E27FC236}">
+                <a16:creationId xmlns:a16="http://schemas.microsoft.com/office/drawing/2014/main" id="{77ADFD22-9E1A-42EA-A916-F6CCF7032DDE}"/>
+              </a:ext>
+            </a:extLst>
+          </p:cNvPr>
+          <p:cNvSpPr/>
+          <p:nvPr/>
+        </p:nvSpPr>
+        <p:spPr>
+          <a:xfrm rot="5400000">
+            <a:off x="2526228" y="5016564"/>
+            <a:ext cx="178101" cy="2694873"/>
+          </a:xfrm>
+          <a:prstGeom prst="rightBrace">
+            <a:avLst>
+              <a:gd name="adj1" fmla="val 0"/>
+              <a:gd name="adj2" fmla="val 48936"/>
+            </a:avLst>
+          </a:prstGeom>
+        </p:spPr>
+        <p:style>
+          <a:lnRef idx="1">
+            <a:schemeClr val="accent1"/>
+          </a:lnRef>
+          <a:fillRef idx="0">
+            <a:schemeClr val="accent1"/>
+          </a:fillRef>
+          <a:effectRef idx="0">
+            <a:schemeClr val="accent1"/>
+          </a:effectRef>
+          <a:fontRef idx="minor">
+            <a:schemeClr val="tx1"/>
+          </a:fontRef>
+        </p:style>
+        <p:txBody>
+          <a:bodyPr rtlCol="0" anchor="ctr"/>
+          <a:lstStyle/>
+          <a:p>
+            <a:pPr algn="ctr"/>
+            <a:endParaRPr lang="en-US"/>
+          </a:p>
+        </p:txBody>
+      </p:sp>
+      <p:sp>
+        <p:nvSpPr>
+          <p:cNvPr id="57" name="TextBox 56">
+            <a:extLst>
+              <a:ext uri="{FF2B5EF4-FFF2-40B4-BE49-F238E27FC236}">
+                <a16:creationId xmlns:a16="http://schemas.microsoft.com/office/drawing/2014/main" id="{EEB7BBD8-9C31-4000-9FD5-EA41966A6EA2}"/>
+              </a:ext>
+            </a:extLst>
+          </p:cNvPr>
+          <p:cNvSpPr txBox="1"/>
+          <p:nvPr/>
+        </p:nvSpPr>
+        <p:spPr>
+          <a:xfrm>
+            <a:off x="2010516" y="6420605"/>
+            <a:ext cx="1276888" cy="369332"/>
+          </a:xfrm>
+          <a:prstGeom prst="rect">
+            <a:avLst/>
+          </a:prstGeom>
+          <a:noFill/>
+        </p:spPr>
+        <p:txBody>
+          <a:bodyPr wrap="none" rtlCol="0">
+            <a:spAutoFit/>
+          </a:bodyPr>
+          <a:lstStyle/>
+          <a:p>
+            <a:r>
+              <a:rPr lang="en-US" dirty="0"/>
+              <a:t>Training Set</a:t>
+            </a:r>
+          </a:p>
+        </p:txBody>
+      </p:sp>
+      <p:sp>
+        <p:nvSpPr>
+          <p:cNvPr id="60" name="TextBox 59">
+            <a:extLst>
+              <a:ext uri="{FF2B5EF4-FFF2-40B4-BE49-F238E27FC236}">
+                <a16:creationId xmlns:a16="http://schemas.microsoft.com/office/drawing/2014/main" id="{E8C8D2F9-2E1F-4330-B6B0-C3610AF0BFAB}"/>
+              </a:ext>
+            </a:extLst>
+          </p:cNvPr>
+          <p:cNvSpPr txBox="1"/>
+          <p:nvPr/>
+        </p:nvSpPr>
+        <p:spPr>
+          <a:xfrm>
+            <a:off x="211123" y="9650"/>
+            <a:ext cx="6818598" cy="523220"/>
+          </a:xfrm>
+          <a:prstGeom prst="rect">
+            <a:avLst/>
+          </a:prstGeom>
+          <a:noFill/>
+        </p:spPr>
+        <p:txBody>
+          <a:bodyPr wrap="none" rtlCol="0">
+            <a:spAutoFit/>
+          </a:bodyPr>
+          <a:lstStyle/>
+          <a:p>
+            <a:r>
+              <a:rPr lang="en-US" sz="2800" dirty="0"/>
+              <a:t>Classic and Contemporary Approach Together</a:t>
+            </a:r>
+          </a:p>
+        </p:txBody>
+      </p:sp>
+      <p:sp>
+        <p:nvSpPr>
+          <p:cNvPr id="2" name="TextBox 1">
+            <a:extLst>
+              <a:ext uri="{FF2B5EF4-FFF2-40B4-BE49-F238E27FC236}">
+                <a16:creationId xmlns:a16="http://schemas.microsoft.com/office/drawing/2014/main" id="{5363665C-C1D0-4851-9117-DFF8A125489F}"/>
+              </a:ext>
+            </a:extLst>
+          </p:cNvPr>
+          <p:cNvSpPr txBox="1"/>
+          <p:nvPr/>
+        </p:nvSpPr>
+        <p:spPr>
+          <a:xfrm>
+            <a:off x="9291988" y="3262105"/>
+            <a:ext cx="1997663" cy="307777"/>
+          </a:xfrm>
+          <a:prstGeom prst="rect">
+            <a:avLst/>
+          </a:prstGeom>
+          <a:noFill/>
+        </p:spPr>
+        <p:txBody>
+          <a:bodyPr wrap="none" rtlCol="0">
+            <a:spAutoFit/>
+          </a:bodyPr>
+          <a:lstStyle/>
+          <a:p>
+            <a:r>
+              <a:rPr lang="en-US" sz="1400" dirty="0"/>
+              <a:t>V</a:t>
+            </a:r>
+            <a:r>
+              <a:rPr lang="en-US" sz="1400" baseline="-25000" dirty="0"/>
+              <a:t>i</a:t>
+            </a:r>
+            <a:r>
+              <a:rPr lang="en-US" sz="1400" dirty="0"/>
+              <a:t> is fixed at 256 samples</a:t>
+            </a:r>
+          </a:p>
+        </p:txBody>
+      </p:sp>
+      <p:sp>
+        <p:nvSpPr>
+          <p:cNvPr id="5" name="Rectangle 4">
+            <a:extLst>
+              <a:ext uri="{FF2B5EF4-FFF2-40B4-BE49-F238E27FC236}">
+                <a16:creationId xmlns:a16="http://schemas.microsoft.com/office/drawing/2014/main" id="{2812D418-8365-4849-9834-5A2D33A85ABA}"/>
+              </a:ext>
+            </a:extLst>
+          </p:cNvPr>
+          <p:cNvSpPr/>
+          <p:nvPr/>
+        </p:nvSpPr>
+        <p:spPr>
+          <a:xfrm>
+            <a:off x="355334" y="541733"/>
+            <a:ext cx="11112766" cy="6221016"/>
+          </a:xfrm>
+          <a:prstGeom prst="rect">
+            <a:avLst/>
+          </a:prstGeom>
+          <a:noFill/>
+          <a:ln w="25400">
+            <a:solidFill>
+              <a:schemeClr val="tx1"/>
+            </a:solidFill>
+          </a:ln>
+        </p:spPr>
+        <p:style>
+          <a:lnRef idx="2">
+            <a:schemeClr val="accent1">
+              <a:shade val="50000"/>
+            </a:schemeClr>
+          </a:lnRef>
+          <a:fillRef idx="1">
+            <a:schemeClr val="accent1"/>
+          </a:fillRef>
+          <a:effectRef idx="0">
+            <a:schemeClr val="accent1"/>
+          </a:effectRef>
+          <a:fontRef idx="minor">
+            <a:schemeClr val="lt1"/>
+          </a:fontRef>
+        </p:style>
+        <p:txBody>
+          <a:bodyPr rtlCol="0" anchor="ctr"/>
+          <a:lstStyle/>
+          <a:p>
+            <a:pPr algn="ctr"/>
+            <a:endParaRPr lang="en-US"/>
+          </a:p>
+        </p:txBody>
+      </p:sp>
+      <p:sp>
+        <p:nvSpPr>
+          <p:cNvPr id="3" name="Rectangle 2">
+            <a:extLst>
+              <a:ext uri="{FF2B5EF4-FFF2-40B4-BE49-F238E27FC236}">
+                <a16:creationId xmlns:a16="http://schemas.microsoft.com/office/drawing/2014/main" id="{BFFEAAD9-9EA7-4209-8D56-C2CD5A998FAF}"/>
+              </a:ext>
+            </a:extLst>
+          </p:cNvPr>
+          <p:cNvSpPr/>
+          <p:nvPr/>
+        </p:nvSpPr>
+        <p:spPr>
+          <a:xfrm>
+            <a:off x="4812152" y="3984443"/>
+            <a:ext cx="1598173" cy="2222350"/>
+          </a:xfrm>
+          <a:prstGeom prst="rect">
+            <a:avLst/>
+          </a:prstGeom>
+          <a:solidFill>
+            <a:schemeClr val="bg1">
+              <a:lumMod val="85000"/>
+            </a:schemeClr>
+          </a:solidFill>
+        </p:spPr>
+        <p:style>
+          <a:lnRef idx="2">
+            <a:schemeClr val="accent1">
+              <a:shade val="50000"/>
+            </a:schemeClr>
+          </a:lnRef>
+          <a:fillRef idx="1">
+            <a:schemeClr val="accent1"/>
+          </a:fillRef>
+          <a:effectRef idx="0">
+            <a:schemeClr val="accent1"/>
+          </a:effectRef>
+          <a:fontRef idx="minor">
+            <a:schemeClr val="lt1"/>
+          </a:fontRef>
+        </p:style>
+        <p:txBody>
+          <a:bodyPr rtlCol="0" anchor="ctr"/>
+          <a:lstStyle/>
+          <a:p>
+            <a:pPr algn="ctr"/>
+            <a:r>
+              <a:rPr lang="en-US" dirty="0">
+                <a:solidFill>
+                  <a:schemeClr val="tx1"/>
+                </a:solidFill>
+              </a:rPr>
+              <a:t>Feature </a:t>
+            </a:r>
+          </a:p>
+          <a:p>
+            <a:pPr algn="ctr"/>
+            <a:r>
+              <a:rPr lang="en-US" dirty="0">
+                <a:solidFill>
+                  <a:schemeClr val="tx1"/>
+                </a:solidFill>
+              </a:rPr>
+              <a:t>Extraction</a:t>
+            </a:r>
+          </a:p>
+          <a:p>
+            <a:pPr algn="ctr"/>
+            <a:r>
+              <a:rPr lang="en-US" dirty="0">
+                <a:solidFill>
+                  <a:schemeClr val="tx1"/>
+                </a:solidFill>
+              </a:rPr>
+              <a:t>(FFT, DWT &amp; 1D CNN)</a:t>
+            </a:r>
+          </a:p>
+        </p:txBody>
+      </p:sp>
+      <p:sp>
+        <p:nvSpPr>
+          <p:cNvPr id="55" name="Arrow: Right 54">
+            <a:extLst>
+              <a:ext uri="{FF2B5EF4-FFF2-40B4-BE49-F238E27FC236}">
+                <a16:creationId xmlns:a16="http://schemas.microsoft.com/office/drawing/2014/main" id="{112455B9-8F44-4FA5-80E6-FF0E38004506}"/>
+              </a:ext>
+            </a:extLst>
+          </p:cNvPr>
+          <p:cNvSpPr/>
+          <p:nvPr/>
+        </p:nvSpPr>
+        <p:spPr>
+          <a:xfrm>
+            <a:off x="6579956" y="4804755"/>
+            <a:ext cx="541519" cy="419879"/>
+          </a:xfrm>
+          <a:prstGeom prst="rightArrow">
+            <a:avLst/>
+          </a:prstGeom>
+          <a:noFill/>
+          <a:ln w="25400">
+            <a:solidFill>
+              <a:schemeClr val="tx1"/>
+            </a:solidFill>
+          </a:ln>
+        </p:spPr>
+        <p:style>
+          <a:lnRef idx="2">
+            <a:schemeClr val="accent1">
+              <a:shade val="50000"/>
+            </a:schemeClr>
+          </a:lnRef>
+          <a:fillRef idx="1">
+            <a:schemeClr val="accent1"/>
+          </a:fillRef>
+          <a:effectRef idx="0">
+            <a:schemeClr val="accent1"/>
+          </a:effectRef>
+          <a:fontRef idx="minor">
+            <a:schemeClr val="lt1"/>
+          </a:fontRef>
+        </p:style>
+        <p:txBody>
+          <a:bodyPr rtlCol="0" anchor="ctr"/>
+          <a:lstStyle/>
+          <a:p>
+            <a:pPr algn="ctr"/>
+            <a:endParaRPr lang="en-US"/>
+          </a:p>
+        </p:txBody>
+      </p:sp>
+      <p:sp>
+        <p:nvSpPr>
+          <p:cNvPr id="58" name="Rectangle 57">
+            <a:extLst>
+              <a:ext uri="{FF2B5EF4-FFF2-40B4-BE49-F238E27FC236}">
+                <a16:creationId xmlns:a16="http://schemas.microsoft.com/office/drawing/2014/main" id="{9C891A9B-8975-4465-AB18-DA52AA64294D}"/>
+              </a:ext>
+            </a:extLst>
+          </p:cNvPr>
+          <p:cNvSpPr/>
+          <p:nvPr/>
+        </p:nvSpPr>
+        <p:spPr>
+          <a:xfrm>
+            <a:off x="7259760" y="4017717"/>
+            <a:ext cx="1598173" cy="2222350"/>
+          </a:xfrm>
+          <a:prstGeom prst="rect">
+            <a:avLst/>
+          </a:prstGeom>
+          <a:solidFill>
+            <a:schemeClr val="bg1">
+              <a:lumMod val="85000"/>
+            </a:schemeClr>
+          </a:solidFill>
+        </p:spPr>
+        <p:style>
+          <a:lnRef idx="2">
+            <a:schemeClr val="accent1">
+              <a:shade val="50000"/>
+            </a:schemeClr>
+          </a:lnRef>
+          <a:fillRef idx="1">
+            <a:schemeClr val="accent1"/>
+          </a:fillRef>
+          <a:effectRef idx="0">
+            <a:schemeClr val="accent1"/>
+          </a:effectRef>
+          <a:fontRef idx="minor">
+            <a:schemeClr val="lt1"/>
+          </a:fontRef>
+        </p:style>
+        <p:txBody>
+          <a:bodyPr rtlCol="0" anchor="ctr"/>
+          <a:lstStyle/>
+          <a:p>
+            <a:pPr algn="ctr"/>
+            <a:r>
+              <a:rPr lang="en-US" dirty="0">
+                <a:solidFill>
+                  <a:schemeClr val="tx1"/>
+                </a:solidFill>
+              </a:rPr>
+              <a:t>ML Classification using</a:t>
+            </a:r>
+          </a:p>
+          <a:p>
+            <a:pPr algn="ctr"/>
+            <a:r>
+              <a:rPr lang="en-US" dirty="0">
+                <a:solidFill>
+                  <a:schemeClr val="tx1"/>
+                </a:solidFill>
+              </a:rPr>
+              <a:t>XGBoost</a:t>
+            </a:r>
+          </a:p>
+        </p:txBody>
+      </p:sp>
+      <p:sp>
+        <p:nvSpPr>
+          <p:cNvPr id="59" name="Arrow: Right 58">
+            <a:extLst>
+              <a:ext uri="{FF2B5EF4-FFF2-40B4-BE49-F238E27FC236}">
+                <a16:creationId xmlns:a16="http://schemas.microsoft.com/office/drawing/2014/main" id="{780AF369-D1E5-4496-97A7-0586B1116148}"/>
+              </a:ext>
+            </a:extLst>
+          </p:cNvPr>
+          <p:cNvSpPr/>
+          <p:nvPr/>
+        </p:nvSpPr>
+        <p:spPr>
+          <a:xfrm>
+            <a:off x="9017366" y="4828964"/>
+            <a:ext cx="541519" cy="419879"/>
+          </a:xfrm>
+          <a:prstGeom prst="rightArrow">
+            <a:avLst/>
+          </a:prstGeom>
+          <a:noFill/>
+          <a:ln w="25400">
+            <a:solidFill>
+              <a:schemeClr val="tx1"/>
+            </a:solidFill>
+          </a:ln>
+        </p:spPr>
+        <p:style>
+          <a:lnRef idx="2">
+            <a:schemeClr val="accent1">
+              <a:shade val="50000"/>
+            </a:schemeClr>
+          </a:lnRef>
+          <a:fillRef idx="1">
+            <a:schemeClr val="accent1"/>
+          </a:fillRef>
+          <a:effectRef idx="0">
+            <a:schemeClr val="accent1"/>
+          </a:effectRef>
+          <a:fontRef idx="minor">
+            <a:schemeClr val="lt1"/>
+          </a:fontRef>
+        </p:style>
+        <p:txBody>
+          <a:bodyPr rtlCol="0" anchor="ctr"/>
+          <a:lstStyle/>
+          <a:p>
+            <a:pPr algn="ctr"/>
+            <a:endParaRPr lang="en-US"/>
+          </a:p>
+        </p:txBody>
+      </p:sp>
+      <p:sp>
+        <p:nvSpPr>
+          <p:cNvPr id="61" name="Rectangle 60">
+            <a:extLst>
+              <a:ext uri="{FF2B5EF4-FFF2-40B4-BE49-F238E27FC236}">
+                <a16:creationId xmlns:a16="http://schemas.microsoft.com/office/drawing/2014/main" id="{BE5F8B21-EDCC-4BBA-A9A4-B1991160A592}"/>
+              </a:ext>
+            </a:extLst>
+          </p:cNvPr>
+          <p:cNvSpPr/>
+          <p:nvPr/>
+        </p:nvSpPr>
+        <p:spPr>
+          <a:xfrm>
+            <a:off x="9654808" y="4658993"/>
+            <a:ext cx="915844" cy="759823"/>
+          </a:xfrm>
+          <a:prstGeom prst="rect">
+            <a:avLst/>
+          </a:prstGeom>
+        </p:spPr>
+        <p:style>
+          <a:lnRef idx="2">
+            <a:schemeClr val="accent1">
+              <a:shade val="50000"/>
+            </a:schemeClr>
+          </a:lnRef>
+          <a:fillRef idx="1">
+            <a:schemeClr val="accent1"/>
+          </a:fillRef>
+          <a:effectRef idx="0">
+            <a:schemeClr val="accent1"/>
+          </a:effectRef>
+          <a:fontRef idx="minor">
+            <a:schemeClr val="lt1"/>
+          </a:fontRef>
+        </p:style>
+        <p:txBody>
+          <a:bodyPr rtlCol="0" anchor="ctr"/>
+          <a:lstStyle/>
+          <a:p>
+            <a:pPr algn="ctr"/>
+            <a:r>
+              <a:rPr lang="en-US" dirty="0"/>
+              <a:t>Results</a:t>
+            </a:r>
+          </a:p>
+        </p:txBody>
+      </p:sp>
+      <p:sp>
+        <p:nvSpPr>
+          <p:cNvPr id="62" name="TextBox 61">
+            <a:extLst>
+              <a:ext uri="{FF2B5EF4-FFF2-40B4-BE49-F238E27FC236}">
+                <a16:creationId xmlns:a16="http://schemas.microsoft.com/office/drawing/2014/main" id="{9A08CEEC-7D7F-4407-A1D8-668135148717}"/>
+              </a:ext>
+            </a:extLst>
+          </p:cNvPr>
+          <p:cNvSpPr txBox="1"/>
+          <p:nvPr/>
+        </p:nvSpPr>
+        <p:spPr>
+          <a:xfrm>
+            <a:off x="4961377" y="3423885"/>
+            <a:ext cx="3807132" cy="369332"/>
+          </a:xfrm>
+          <a:prstGeom prst="rect">
+            <a:avLst/>
+          </a:prstGeom>
+          <a:noFill/>
+        </p:spPr>
+        <p:txBody>
+          <a:bodyPr wrap="none" rtlCol="0">
+            <a:spAutoFit/>
+          </a:bodyPr>
+          <a:lstStyle/>
+          <a:p>
+            <a:r>
+              <a:rPr lang="en-US" b="1" dirty="0"/>
+              <a:t>Feature Engineering and Classification</a:t>
+            </a:r>
+          </a:p>
+        </p:txBody>
+      </p:sp>
+    </p:spTree>
+    <p:extLst>
+      <p:ext uri="{BB962C8B-B14F-4D97-AF65-F5344CB8AC3E}">
+        <p14:creationId xmlns:p14="http://schemas.microsoft.com/office/powerpoint/2010/main" val="2446556374"/>
+      </p:ext>
+    </p:extLst>
+  </p:cSld>
+  <p:clrMapOvr>
+    <a:masterClrMapping/>
+  </p:clrMapOvr>
+</p:sld>
+</file>
+
+<file path=ppt/slides/slide15.xml><?xml version="1.0" encoding="utf-8"?>
+<p:sld xmlns:a="http://schemas.openxmlformats.org/drawingml/2006/main" xmlns:r="http://schemas.openxmlformats.org/officeDocument/2006/relationships" xmlns:p="http://schemas.openxmlformats.org/presentationml/2006/main">
+  <p:cSld>
+    <p:spTree>
+      <p:nvGrpSpPr>
+        <p:cNvPr id="1" name=""/>
+        <p:cNvGrpSpPr/>
+        <p:nvPr/>
+      </p:nvGrpSpPr>
+      <p:grpSpPr>
+        <a:xfrm>
+          <a:off x="0" y="0"/>
+          <a:ext cx="0" cy="0"/>
+          <a:chOff x="0" y="0"/>
+          <a:chExt cx="0" cy="0"/>
+        </a:xfrm>
+      </p:grpSpPr>
+      <p:sp>
+        <p:nvSpPr>
+          <p:cNvPr id="60" name="TextBox 59">
+            <a:extLst>
+              <a:ext uri="{FF2B5EF4-FFF2-40B4-BE49-F238E27FC236}">
+                <a16:creationId xmlns:a16="http://schemas.microsoft.com/office/drawing/2014/main" id="{E8C8D2F9-2E1F-4330-B6B0-C3610AF0BFAB}"/>
+              </a:ext>
+            </a:extLst>
+          </p:cNvPr>
+          <p:cNvSpPr txBox="1"/>
+          <p:nvPr/>
+        </p:nvSpPr>
+        <p:spPr>
+          <a:xfrm>
+            <a:off x="211123" y="9650"/>
+            <a:ext cx="6134821" cy="523220"/>
+          </a:xfrm>
+          <a:prstGeom prst="rect">
+            <a:avLst/>
+          </a:prstGeom>
+          <a:noFill/>
+        </p:spPr>
+        <p:txBody>
+          <a:bodyPr wrap="none" rtlCol="0">
+            <a:spAutoFit/>
+          </a:bodyPr>
+          <a:lstStyle/>
+          <a:p>
+            <a:r>
+              <a:rPr lang="en-US" sz="2800" dirty="0"/>
+              <a:t>Prediction and Results using Testing Data</a:t>
+            </a:r>
+          </a:p>
+        </p:txBody>
+      </p:sp>
+      <p:pic>
+        <p:nvPicPr>
+          <p:cNvPr id="4" name="Picture 3">
+            <a:extLst>
+              <a:ext uri="{FF2B5EF4-FFF2-40B4-BE49-F238E27FC236}">
+                <a16:creationId xmlns:a16="http://schemas.microsoft.com/office/drawing/2014/main" id="{9C3D595C-01EF-41C3-8613-24ACFAA2A181}"/>
+              </a:ext>
+            </a:extLst>
+          </p:cNvPr>
+          <p:cNvPicPr/>
+          <p:nvPr/>
+        </p:nvPicPr>
+        <p:blipFill>
+          <a:blip r:embed="rId2"/>
+          <a:stretch>
+            <a:fillRect/>
+          </a:stretch>
+        </p:blipFill>
+        <p:spPr>
+          <a:xfrm>
+            <a:off x="2267337" y="1268963"/>
+            <a:ext cx="7417837" cy="4711959"/>
           </a:xfrm>
           <a:prstGeom prst="rect">
             <a:avLst/>
@@ -17088,8 +20055,8 @@
         </p:nvSpPr>
         <p:spPr>
           <a:xfrm rot="16200000">
-            <a:off x="1687171" y="3284332"/>
-            <a:ext cx="1621021" cy="369332"/>
+            <a:off x="1805282" y="3284332"/>
+            <a:ext cx="1384803" cy="369332"/>
           </a:xfrm>
           <a:prstGeom prst="rect">
             <a:avLst/>
@@ -17104,7 +20071,7 @@
           <a:p>
             <a:r>
               <a:rPr lang="en-US" dirty="0"/>
-              <a:t>Filtered Results</a:t>
+              <a:t>Feature Map</a:t>
             </a:r>
           </a:p>
         </p:txBody>
@@ -17167,8 +20134,8 @@
         </p:nvSpPr>
         <p:spPr>
           <a:xfrm>
-            <a:off x="3729222" y="5644166"/>
-            <a:ext cx="2002728" cy="369332"/>
+            <a:off x="3437676" y="5644166"/>
+            <a:ext cx="2529090" cy="369332"/>
           </a:xfrm>
           <a:prstGeom prst="rect">
             <a:avLst/>
@@ -17183,7 +20150,7 @@
           <a:p>
             <a:r>
               <a:rPr lang="en-US" dirty="0"/>
-              <a:t>64 Filters (features)</a:t>
+              <a:t>64 Filtered Feature Maps</a:t>
             </a:r>
           </a:p>
         </p:txBody>
@@ -17325,7 +20292,7 @@
         </p:nvSpPr>
         <p:spPr>
           <a:xfrm>
-            <a:off x="7640424" y="2826008"/>
+            <a:off x="7640424" y="2838068"/>
             <a:ext cx="662474" cy="312576"/>
           </a:xfrm>
           <a:prstGeom prst="rect">
@@ -17372,7 +20339,7 @@
         </p:nvSpPr>
         <p:spPr>
           <a:xfrm>
-            <a:off x="7640424" y="3136168"/>
+            <a:off x="7640424" y="3149756"/>
             <a:ext cx="662474" cy="791690"/>
           </a:xfrm>
           <a:prstGeom prst="rect">
@@ -17448,8 +20415,8 @@
         </p:nvSpPr>
         <p:spPr>
           <a:xfrm>
-            <a:off x="7640423" y="3927858"/>
-            <a:ext cx="667287" cy="312576"/>
+            <a:off x="7640423" y="3940557"/>
+            <a:ext cx="666993" cy="306089"/>
           </a:xfrm>
           <a:prstGeom prst="rect">
             <a:avLst/>
@@ -17634,1266 +20601,30 @@
           </a:fontRef>
         </p:style>
       </p:cxnSp>
-      <p:grpSp>
-        <p:nvGrpSpPr>
-          <p:cNvPr id="3" name="Group 2">
-            <a:extLst>
-              <a:ext uri="{FF2B5EF4-FFF2-40B4-BE49-F238E27FC236}">
-                <a16:creationId xmlns:a16="http://schemas.microsoft.com/office/drawing/2014/main" id="{C1403DAB-8D88-4792-8C9E-8869C652404E}"/>
-              </a:ext>
-            </a:extLst>
-          </p:cNvPr>
-          <p:cNvGrpSpPr/>
-          <p:nvPr/>
-        </p:nvGrpSpPr>
-        <p:grpSpPr>
-          <a:xfrm>
-            <a:off x="3142787" y="1955690"/>
-            <a:ext cx="2935693" cy="3171356"/>
-            <a:chOff x="3142787" y="1955690"/>
-            <a:chExt cx="2935693" cy="3171356"/>
-          </a:xfrm>
-        </p:grpSpPr>
-        <p:sp>
-          <p:nvSpPr>
-            <p:cNvPr id="72" name="Rectangle 71">
-              <a:extLst>
-                <a:ext uri="{FF2B5EF4-FFF2-40B4-BE49-F238E27FC236}">
-                  <a16:creationId xmlns:a16="http://schemas.microsoft.com/office/drawing/2014/main" id="{3D7666E1-387A-4149-B709-E953BBFB05D4}"/>
-                </a:ext>
-              </a:extLst>
-            </p:cNvPr>
-            <p:cNvSpPr/>
-            <p:nvPr/>
-          </p:nvSpPr>
-          <p:spPr>
-            <a:xfrm>
-              <a:off x="4375985" y="3088337"/>
-              <a:ext cx="1166326" cy="433304"/>
-            </a:xfrm>
-            <a:prstGeom prst="rect">
-              <a:avLst/>
-            </a:prstGeom>
+      <p:sp>
+        <p:nvSpPr>
+          <p:cNvPr id="72" name="Rectangle 71">
+            <a:extLst>
+              <a:ext uri="{FF2B5EF4-FFF2-40B4-BE49-F238E27FC236}">
+                <a16:creationId xmlns:a16="http://schemas.microsoft.com/office/drawing/2014/main" id="{3D7666E1-387A-4149-B709-E953BBFB05D4}"/>
+              </a:ext>
+            </a:extLst>
+          </p:cNvPr>
+          <p:cNvSpPr/>
+          <p:nvPr/>
+        </p:nvSpPr>
+        <p:spPr>
+          <a:xfrm>
+            <a:off x="4375985" y="3088337"/>
+            <a:ext cx="1166326" cy="433304"/>
+          </a:xfrm>
+          <a:prstGeom prst="rect">
+            <a:avLst/>
+          </a:prstGeom>
+          <a:noFill/>
+          <a:ln>
             <a:noFill/>
-            <a:ln>
-              <a:noFill/>
-            </a:ln>
-          </p:spPr>
-          <p:style>
-            <a:lnRef idx="2">
-              <a:schemeClr val="accent1">
-                <a:shade val="50000"/>
-              </a:schemeClr>
-            </a:lnRef>
-            <a:fillRef idx="1">
-              <a:schemeClr val="accent1"/>
-            </a:fillRef>
-            <a:effectRef idx="0">
-              <a:schemeClr val="accent1"/>
-            </a:effectRef>
-            <a:fontRef idx="minor">
-              <a:schemeClr val="lt1"/>
-            </a:fontRef>
-          </p:style>
-          <p:txBody>
-            <a:bodyPr rtlCol="0" anchor="ctr"/>
-            <a:lstStyle/>
-            <a:p>
-              <a:pPr algn="ctr"/>
-              <a:r>
-                <a:rPr lang="en-US" sz="3200" dirty="0">
-                  <a:solidFill>
-                    <a:schemeClr val="tx1"/>
-                  </a:solidFill>
-                </a:rPr>
-                <a:t>. . .</a:t>
-              </a:r>
-            </a:p>
-          </p:txBody>
-        </p:sp>
-        <p:sp>
-          <p:nvSpPr>
-            <p:cNvPr id="89" name="Rectangle 88">
-              <a:extLst>
-                <a:ext uri="{FF2B5EF4-FFF2-40B4-BE49-F238E27FC236}">
-                  <a16:creationId xmlns:a16="http://schemas.microsoft.com/office/drawing/2014/main" id="{BFBFDD79-BE43-4681-9FD8-5B4A96BF79F6}"/>
-                </a:ext>
-              </a:extLst>
-            </p:cNvPr>
-            <p:cNvSpPr/>
-            <p:nvPr/>
-          </p:nvSpPr>
-          <p:spPr>
-            <a:xfrm>
-              <a:off x="5405448" y="1963140"/>
-              <a:ext cx="673032" cy="312576"/>
-            </a:xfrm>
-            <a:prstGeom prst="rect">
-              <a:avLst/>
-            </a:prstGeom>
-            <a:noFill/>
-          </p:spPr>
-          <p:style>
-            <a:lnRef idx="2">
-              <a:schemeClr val="accent1">
-                <a:shade val="50000"/>
-              </a:schemeClr>
-            </a:lnRef>
-            <a:fillRef idx="1">
-              <a:schemeClr val="accent1"/>
-            </a:fillRef>
-            <a:effectRef idx="0">
-              <a:schemeClr val="accent1"/>
-            </a:effectRef>
-            <a:fontRef idx="minor">
-              <a:schemeClr val="lt1"/>
-            </a:fontRef>
-          </p:style>
-          <p:txBody>
-            <a:bodyPr rtlCol="0" anchor="ctr"/>
-            <a:lstStyle/>
-            <a:p>
-              <a:pPr algn="ctr"/>
-              <a:endParaRPr lang="en-US"/>
-            </a:p>
-          </p:txBody>
-        </p:sp>
-        <p:sp>
-          <p:nvSpPr>
-            <p:cNvPr id="90" name="Rectangle 89">
-              <a:extLst>
-                <a:ext uri="{FF2B5EF4-FFF2-40B4-BE49-F238E27FC236}">
-                  <a16:creationId xmlns:a16="http://schemas.microsoft.com/office/drawing/2014/main" id="{BDE61BAE-CA44-4A76-9BF3-FF13B63D7694}"/>
-                </a:ext>
-              </a:extLst>
-            </p:cNvPr>
-            <p:cNvSpPr/>
-            <p:nvPr/>
-          </p:nvSpPr>
-          <p:spPr>
-            <a:xfrm>
-              <a:off x="5405448" y="2275468"/>
-              <a:ext cx="673032" cy="312576"/>
-            </a:xfrm>
-            <a:prstGeom prst="rect">
-              <a:avLst/>
-            </a:prstGeom>
-            <a:noFill/>
-          </p:spPr>
-          <p:style>
-            <a:lnRef idx="2">
-              <a:schemeClr val="accent1">
-                <a:shade val="50000"/>
-              </a:schemeClr>
-            </a:lnRef>
-            <a:fillRef idx="1">
-              <a:schemeClr val="accent1"/>
-            </a:fillRef>
-            <a:effectRef idx="0">
-              <a:schemeClr val="accent1"/>
-            </a:effectRef>
-            <a:fontRef idx="minor">
-              <a:schemeClr val="lt1"/>
-            </a:fontRef>
-          </p:style>
-          <p:txBody>
-            <a:bodyPr rtlCol="0" anchor="ctr"/>
-            <a:lstStyle/>
-            <a:p>
-              <a:pPr algn="ctr"/>
-              <a:endParaRPr lang="en-US"/>
-            </a:p>
-          </p:txBody>
-        </p:sp>
-        <p:sp>
-          <p:nvSpPr>
-            <p:cNvPr id="91" name="Rectangle 90">
-              <a:extLst>
-                <a:ext uri="{FF2B5EF4-FFF2-40B4-BE49-F238E27FC236}">
-                  <a16:creationId xmlns:a16="http://schemas.microsoft.com/office/drawing/2014/main" id="{F974D6C7-3AB9-49F4-AAA9-FC198D3F7B9B}"/>
-                </a:ext>
-              </a:extLst>
-            </p:cNvPr>
-            <p:cNvSpPr/>
-            <p:nvPr/>
-          </p:nvSpPr>
-          <p:spPr>
-            <a:xfrm>
-              <a:off x="5405448" y="2595623"/>
-              <a:ext cx="673032" cy="312576"/>
-            </a:xfrm>
-            <a:prstGeom prst="rect">
-              <a:avLst/>
-            </a:prstGeom>
-            <a:noFill/>
-          </p:spPr>
-          <p:style>
-            <a:lnRef idx="2">
-              <a:schemeClr val="accent1">
-                <a:shade val="50000"/>
-              </a:schemeClr>
-            </a:lnRef>
-            <a:fillRef idx="1">
-              <a:schemeClr val="accent1"/>
-            </a:fillRef>
-            <a:effectRef idx="0">
-              <a:schemeClr val="accent1"/>
-            </a:effectRef>
-            <a:fontRef idx="minor">
-              <a:schemeClr val="lt1"/>
-            </a:fontRef>
-          </p:style>
-          <p:txBody>
-            <a:bodyPr rtlCol="0" anchor="ctr"/>
-            <a:lstStyle/>
-            <a:p>
-              <a:pPr algn="ctr"/>
-              <a:endParaRPr lang="en-US"/>
-            </a:p>
-          </p:txBody>
-        </p:sp>
-        <p:sp>
-          <p:nvSpPr>
-            <p:cNvPr id="92" name="Rectangle 91">
-              <a:extLst>
-                <a:ext uri="{FF2B5EF4-FFF2-40B4-BE49-F238E27FC236}">
-                  <a16:creationId xmlns:a16="http://schemas.microsoft.com/office/drawing/2014/main" id="{F9C680EB-5277-407F-825C-7F9C3FE9EEB4}"/>
-                </a:ext>
-              </a:extLst>
-            </p:cNvPr>
-            <p:cNvSpPr/>
-            <p:nvPr/>
-          </p:nvSpPr>
-          <p:spPr>
-            <a:xfrm>
-              <a:off x="5400635" y="2908058"/>
-              <a:ext cx="677748" cy="791690"/>
-            </a:xfrm>
-            <a:prstGeom prst="rect">
-              <a:avLst/>
-            </a:prstGeom>
-            <a:noFill/>
-          </p:spPr>
-          <p:style>
-            <a:lnRef idx="2">
-              <a:schemeClr val="accent1">
-                <a:shade val="50000"/>
-              </a:schemeClr>
-            </a:lnRef>
-            <a:fillRef idx="1">
-              <a:schemeClr val="accent1"/>
-            </a:fillRef>
-            <a:effectRef idx="0">
-              <a:schemeClr val="accent1"/>
-            </a:effectRef>
-            <a:fontRef idx="minor">
-              <a:schemeClr val="lt1"/>
-            </a:fontRef>
-          </p:style>
-          <p:txBody>
-            <a:bodyPr rtlCol="0" anchor="ctr"/>
-            <a:lstStyle/>
-            <a:p>
-              <a:pPr algn="ctr"/>
-              <a:r>
-                <a:rPr lang="en-US" dirty="0">
-                  <a:solidFill>
-                    <a:schemeClr val="tx1"/>
-                  </a:solidFill>
-                </a:rPr>
-                <a:t>.</a:t>
-              </a:r>
-            </a:p>
-            <a:p>
-              <a:pPr algn="ctr"/>
-              <a:r>
-                <a:rPr lang="en-US" dirty="0">
-                  <a:solidFill>
-                    <a:schemeClr val="tx1"/>
-                  </a:solidFill>
-                </a:rPr>
-                <a:t>.</a:t>
-              </a:r>
-            </a:p>
-            <a:p>
-              <a:pPr algn="ctr"/>
-              <a:r>
-                <a:rPr lang="en-US" dirty="0">
-                  <a:solidFill>
-                    <a:schemeClr val="tx1"/>
-                  </a:solidFill>
-                </a:rPr>
-                <a:t>.</a:t>
-              </a:r>
-            </a:p>
-          </p:txBody>
-        </p:sp>
-        <p:sp>
-          <p:nvSpPr>
-            <p:cNvPr id="93" name="Rectangle 92">
-              <a:extLst>
-                <a:ext uri="{FF2B5EF4-FFF2-40B4-BE49-F238E27FC236}">
-                  <a16:creationId xmlns:a16="http://schemas.microsoft.com/office/drawing/2014/main" id="{D75A0C2F-147E-4540-B3CC-656237952545}"/>
-                </a:ext>
-              </a:extLst>
-            </p:cNvPr>
-            <p:cNvSpPr/>
-            <p:nvPr/>
-          </p:nvSpPr>
-          <p:spPr>
-            <a:xfrm>
-              <a:off x="5405448" y="3701840"/>
-              <a:ext cx="673032" cy="312576"/>
-            </a:xfrm>
-            <a:prstGeom prst="rect">
-              <a:avLst/>
-            </a:prstGeom>
-            <a:noFill/>
-          </p:spPr>
-          <p:style>
-            <a:lnRef idx="2">
-              <a:schemeClr val="accent1">
-                <a:shade val="50000"/>
-              </a:schemeClr>
-            </a:lnRef>
-            <a:fillRef idx="1">
-              <a:schemeClr val="accent1"/>
-            </a:fillRef>
-            <a:effectRef idx="0">
-              <a:schemeClr val="accent1"/>
-            </a:effectRef>
-            <a:fontRef idx="minor">
-              <a:schemeClr val="lt1"/>
-            </a:fontRef>
-          </p:style>
-          <p:txBody>
-            <a:bodyPr rtlCol="0" anchor="ctr"/>
-            <a:lstStyle/>
-            <a:p>
-              <a:pPr algn="ctr"/>
-              <a:endParaRPr lang="en-US"/>
-            </a:p>
-          </p:txBody>
-        </p:sp>
-        <p:sp>
-          <p:nvSpPr>
-            <p:cNvPr id="94" name="Rectangle 93">
-              <a:extLst>
-                <a:ext uri="{FF2B5EF4-FFF2-40B4-BE49-F238E27FC236}">
-                  <a16:creationId xmlns:a16="http://schemas.microsoft.com/office/drawing/2014/main" id="{07596128-F978-426B-A150-3CCB30EACA5D}"/>
-                </a:ext>
-              </a:extLst>
-            </p:cNvPr>
-            <p:cNvSpPr/>
-            <p:nvPr/>
-          </p:nvSpPr>
-          <p:spPr>
-            <a:xfrm>
-              <a:off x="5405448" y="4814470"/>
-              <a:ext cx="673032" cy="312576"/>
-            </a:xfrm>
-            <a:prstGeom prst="rect">
-              <a:avLst/>
-            </a:prstGeom>
-            <a:noFill/>
-          </p:spPr>
-          <p:style>
-            <a:lnRef idx="2">
-              <a:schemeClr val="accent1">
-                <a:shade val="50000"/>
-              </a:schemeClr>
-            </a:lnRef>
-            <a:fillRef idx="1">
-              <a:schemeClr val="accent1"/>
-            </a:fillRef>
-            <a:effectRef idx="0">
-              <a:schemeClr val="accent1"/>
-            </a:effectRef>
-            <a:fontRef idx="minor">
-              <a:schemeClr val="lt1"/>
-            </a:fontRef>
-          </p:style>
-          <p:txBody>
-            <a:bodyPr rtlCol="0" anchor="ctr"/>
-            <a:lstStyle/>
-            <a:p>
-              <a:pPr algn="ctr"/>
-              <a:endParaRPr lang="en-US"/>
-            </a:p>
-          </p:txBody>
-        </p:sp>
-        <p:sp>
-          <p:nvSpPr>
-            <p:cNvPr id="119" name="Rectangle 118">
-              <a:extLst>
-                <a:ext uri="{FF2B5EF4-FFF2-40B4-BE49-F238E27FC236}">
-                  <a16:creationId xmlns:a16="http://schemas.microsoft.com/office/drawing/2014/main" id="{FCD9A9C6-37CF-4753-8967-55ECFB39600A}"/>
-                </a:ext>
-              </a:extLst>
-            </p:cNvPr>
-            <p:cNvSpPr/>
-            <p:nvPr/>
-          </p:nvSpPr>
-          <p:spPr>
-            <a:xfrm>
-              <a:off x="5400307" y="4022473"/>
-              <a:ext cx="678075" cy="791690"/>
-            </a:xfrm>
-            <a:prstGeom prst="rect">
-              <a:avLst/>
-            </a:prstGeom>
-            <a:noFill/>
-          </p:spPr>
-          <p:style>
-            <a:lnRef idx="2">
-              <a:schemeClr val="accent1">
-                <a:shade val="50000"/>
-              </a:schemeClr>
-            </a:lnRef>
-            <a:fillRef idx="1">
-              <a:schemeClr val="accent1"/>
-            </a:fillRef>
-            <a:effectRef idx="0">
-              <a:schemeClr val="accent1"/>
-            </a:effectRef>
-            <a:fontRef idx="minor">
-              <a:schemeClr val="lt1"/>
-            </a:fontRef>
-          </p:style>
-          <p:txBody>
-            <a:bodyPr rtlCol="0" anchor="ctr"/>
-            <a:lstStyle/>
-            <a:p>
-              <a:pPr algn="ctr"/>
-              <a:r>
-                <a:rPr lang="en-US" dirty="0">
-                  <a:solidFill>
-                    <a:schemeClr val="tx1"/>
-                  </a:solidFill>
-                </a:rPr>
-                <a:t>.</a:t>
-              </a:r>
-            </a:p>
-            <a:p>
-              <a:pPr algn="ctr"/>
-              <a:r>
-                <a:rPr lang="en-US" dirty="0">
-                  <a:solidFill>
-                    <a:schemeClr val="tx1"/>
-                  </a:solidFill>
-                </a:rPr>
-                <a:t>.</a:t>
-              </a:r>
-            </a:p>
-            <a:p>
-              <a:pPr algn="ctr"/>
-              <a:r>
-                <a:rPr lang="en-US" dirty="0">
-                  <a:solidFill>
-                    <a:schemeClr val="tx1"/>
-                  </a:solidFill>
-                </a:rPr>
-                <a:t>.</a:t>
-              </a:r>
-            </a:p>
-          </p:txBody>
-        </p:sp>
-        <p:sp>
-          <p:nvSpPr>
-            <p:cNvPr id="125" name="Rectangle 124">
-              <a:extLst>
-                <a:ext uri="{FF2B5EF4-FFF2-40B4-BE49-F238E27FC236}">
-                  <a16:creationId xmlns:a16="http://schemas.microsoft.com/office/drawing/2014/main" id="{B00D6495-0F9C-4D01-92F9-3992D0AD347D}"/>
-                </a:ext>
-              </a:extLst>
-            </p:cNvPr>
-            <p:cNvSpPr/>
-            <p:nvPr/>
-          </p:nvSpPr>
-          <p:spPr>
-            <a:xfrm>
-              <a:off x="3143651" y="1955690"/>
-              <a:ext cx="662474" cy="312576"/>
-            </a:xfrm>
-            <a:prstGeom prst="rect">
-              <a:avLst/>
-            </a:prstGeom>
-            <a:noFill/>
-          </p:spPr>
-          <p:style>
-            <a:lnRef idx="2">
-              <a:schemeClr val="accent1">
-                <a:shade val="50000"/>
-              </a:schemeClr>
-            </a:lnRef>
-            <a:fillRef idx="1">
-              <a:schemeClr val="accent1"/>
-            </a:fillRef>
-            <a:effectRef idx="0">
-              <a:schemeClr val="accent1"/>
-            </a:effectRef>
-            <a:fontRef idx="minor">
-              <a:schemeClr val="lt1"/>
-            </a:fontRef>
-          </p:style>
-          <p:txBody>
-            <a:bodyPr rtlCol="0" anchor="ctr"/>
-            <a:lstStyle/>
-            <a:p>
-              <a:pPr algn="ctr"/>
-              <a:endParaRPr lang="en-US"/>
-            </a:p>
-          </p:txBody>
-        </p:sp>
-        <p:sp>
-          <p:nvSpPr>
-            <p:cNvPr id="126" name="Rectangle 125">
-              <a:extLst>
-                <a:ext uri="{FF2B5EF4-FFF2-40B4-BE49-F238E27FC236}">
-                  <a16:creationId xmlns:a16="http://schemas.microsoft.com/office/drawing/2014/main" id="{94092526-1A9B-4EED-A237-3C689E21F89E}"/>
-                </a:ext>
-              </a:extLst>
-            </p:cNvPr>
-            <p:cNvSpPr/>
-            <p:nvPr/>
-          </p:nvSpPr>
-          <p:spPr>
-            <a:xfrm>
-              <a:off x="3143651" y="2268018"/>
-              <a:ext cx="662474" cy="312576"/>
-            </a:xfrm>
-            <a:prstGeom prst="rect">
-              <a:avLst/>
-            </a:prstGeom>
-            <a:noFill/>
-          </p:spPr>
-          <p:style>
-            <a:lnRef idx="2">
-              <a:schemeClr val="accent1">
-                <a:shade val="50000"/>
-              </a:schemeClr>
-            </a:lnRef>
-            <a:fillRef idx="1">
-              <a:schemeClr val="accent1"/>
-            </a:fillRef>
-            <a:effectRef idx="0">
-              <a:schemeClr val="accent1"/>
-            </a:effectRef>
-            <a:fontRef idx="minor">
-              <a:schemeClr val="lt1"/>
-            </a:fontRef>
-          </p:style>
-          <p:txBody>
-            <a:bodyPr rtlCol="0" anchor="ctr"/>
-            <a:lstStyle/>
-            <a:p>
-              <a:pPr algn="ctr"/>
-              <a:endParaRPr lang="en-US"/>
-            </a:p>
-          </p:txBody>
-        </p:sp>
-        <p:sp>
-          <p:nvSpPr>
-            <p:cNvPr id="127" name="Rectangle 126">
-              <a:extLst>
-                <a:ext uri="{FF2B5EF4-FFF2-40B4-BE49-F238E27FC236}">
-                  <a16:creationId xmlns:a16="http://schemas.microsoft.com/office/drawing/2014/main" id="{0208931A-15D5-4580-89F6-2C17739C4361}"/>
-                </a:ext>
-              </a:extLst>
-            </p:cNvPr>
-            <p:cNvSpPr/>
-            <p:nvPr/>
-          </p:nvSpPr>
-          <p:spPr>
-            <a:xfrm>
-              <a:off x="3142787" y="2585620"/>
-              <a:ext cx="667874" cy="312576"/>
-            </a:xfrm>
-            <a:prstGeom prst="rect">
-              <a:avLst/>
-            </a:prstGeom>
-            <a:noFill/>
-          </p:spPr>
-          <p:style>
-            <a:lnRef idx="2">
-              <a:schemeClr val="accent1">
-                <a:shade val="50000"/>
-              </a:schemeClr>
-            </a:lnRef>
-            <a:fillRef idx="1">
-              <a:schemeClr val="accent1"/>
-            </a:fillRef>
-            <a:effectRef idx="0">
-              <a:schemeClr val="accent1"/>
-            </a:effectRef>
-            <a:fontRef idx="minor">
-              <a:schemeClr val="lt1"/>
-            </a:fontRef>
-          </p:style>
-          <p:txBody>
-            <a:bodyPr rtlCol="0" anchor="ctr"/>
-            <a:lstStyle/>
-            <a:p>
-              <a:pPr algn="ctr"/>
-              <a:endParaRPr lang="en-US"/>
-            </a:p>
-          </p:txBody>
-        </p:sp>
-        <p:sp>
-          <p:nvSpPr>
-            <p:cNvPr id="128" name="Rectangle 127">
-              <a:extLst>
-                <a:ext uri="{FF2B5EF4-FFF2-40B4-BE49-F238E27FC236}">
-                  <a16:creationId xmlns:a16="http://schemas.microsoft.com/office/drawing/2014/main" id="{01E3F0BD-C93A-457F-87B3-16C79B81997B}"/>
-                </a:ext>
-              </a:extLst>
-            </p:cNvPr>
-            <p:cNvSpPr/>
-            <p:nvPr/>
-          </p:nvSpPr>
-          <p:spPr>
-            <a:xfrm>
-              <a:off x="3143393" y="2896919"/>
-              <a:ext cx="667268" cy="791690"/>
-            </a:xfrm>
-            <a:prstGeom prst="rect">
-              <a:avLst/>
-            </a:prstGeom>
-            <a:noFill/>
-          </p:spPr>
-          <p:style>
-            <a:lnRef idx="2">
-              <a:schemeClr val="accent1">
-                <a:shade val="50000"/>
-              </a:schemeClr>
-            </a:lnRef>
-            <a:fillRef idx="1">
-              <a:schemeClr val="accent1"/>
-            </a:fillRef>
-            <a:effectRef idx="0">
-              <a:schemeClr val="accent1"/>
-            </a:effectRef>
-            <a:fontRef idx="minor">
-              <a:schemeClr val="lt1"/>
-            </a:fontRef>
-          </p:style>
-          <p:txBody>
-            <a:bodyPr rtlCol="0" anchor="ctr"/>
-            <a:lstStyle/>
-            <a:p>
-              <a:pPr algn="ctr"/>
-              <a:r>
-                <a:rPr lang="en-US" dirty="0">
-                  <a:solidFill>
-                    <a:schemeClr val="tx1"/>
-                  </a:solidFill>
-                </a:rPr>
-                <a:t>.</a:t>
-              </a:r>
-            </a:p>
-            <a:p>
-              <a:pPr algn="ctr"/>
-              <a:r>
-                <a:rPr lang="en-US" dirty="0">
-                  <a:solidFill>
-                    <a:schemeClr val="tx1"/>
-                  </a:solidFill>
-                </a:rPr>
-                <a:t>.</a:t>
-              </a:r>
-            </a:p>
-            <a:p>
-              <a:pPr algn="ctr"/>
-              <a:r>
-                <a:rPr lang="en-US" dirty="0">
-                  <a:solidFill>
-                    <a:schemeClr val="tx1"/>
-                  </a:solidFill>
-                </a:rPr>
-                <a:t>.</a:t>
-              </a:r>
-            </a:p>
-          </p:txBody>
-        </p:sp>
-        <p:sp>
-          <p:nvSpPr>
-            <p:cNvPr id="129" name="Rectangle 128">
-              <a:extLst>
-                <a:ext uri="{FF2B5EF4-FFF2-40B4-BE49-F238E27FC236}">
-                  <a16:creationId xmlns:a16="http://schemas.microsoft.com/office/drawing/2014/main" id="{ECBB8321-F64B-4095-B72C-A9A257AC119A}"/>
-                </a:ext>
-              </a:extLst>
-            </p:cNvPr>
-            <p:cNvSpPr/>
-            <p:nvPr/>
-          </p:nvSpPr>
-          <p:spPr>
-            <a:xfrm>
-              <a:off x="3143651" y="3688943"/>
-              <a:ext cx="662474" cy="312576"/>
-            </a:xfrm>
-            <a:prstGeom prst="rect">
-              <a:avLst/>
-            </a:prstGeom>
-            <a:noFill/>
-          </p:spPr>
-          <p:style>
-            <a:lnRef idx="2">
-              <a:schemeClr val="accent1">
-                <a:shade val="50000"/>
-              </a:schemeClr>
-            </a:lnRef>
-            <a:fillRef idx="1">
-              <a:schemeClr val="accent1"/>
-            </a:fillRef>
-            <a:effectRef idx="0">
-              <a:schemeClr val="accent1"/>
-            </a:effectRef>
-            <a:fontRef idx="minor">
-              <a:schemeClr val="lt1"/>
-            </a:fontRef>
-          </p:style>
-          <p:txBody>
-            <a:bodyPr rtlCol="0" anchor="ctr"/>
-            <a:lstStyle/>
-            <a:p>
-              <a:pPr algn="ctr"/>
-              <a:endParaRPr lang="en-US"/>
-            </a:p>
-          </p:txBody>
-        </p:sp>
-        <p:sp>
-          <p:nvSpPr>
-            <p:cNvPr id="130" name="Rectangle 129">
-              <a:extLst>
-                <a:ext uri="{FF2B5EF4-FFF2-40B4-BE49-F238E27FC236}">
-                  <a16:creationId xmlns:a16="http://schemas.microsoft.com/office/drawing/2014/main" id="{B2161791-68FE-47B5-B6F9-13BA94D74925}"/>
-                </a:ext>
-              </a:extLst>
-            </p:cNvPr>
-            <p:cNvSpPr/>
-            <p:nvPr/>
-          </p:nvSpPr>
-          <p:spPr>
-            <a:xfrm>
-              <a:off x="3143651" y="4796834"/>
-              <a:ext cx="662474" cy="312576"/>
-            </a:xfrm>
-            <a:prstGeom prst="rect">
-              <a:avLst/>
-            </a:prstGeom>
-            <a:noFill/>
-          </p:spPr>
-          <p:style>
-            <a:lnRef idx="2">
-              <a:schemeClr val="accent1">
-                <a:shade val="50000"/>
-              </a:schemeClr>
-            </a:lnRef>
-            <a:fillRef idx="1">
-              <a:schemeClr val="accent1"/>
-            </a:fillRef>
-            <a:effectRef idx="0">
-              <a:schemeClr val="accent1"/>
-            </a:effectRef>
-            <a:fontRef idx="minor">
-              <a:schemeClr val="lt1"/>
-            </a:fontRef>
-          </p:style>
-          <p:txBody>
-            <a:bodyPr rtlCol="0" anchor="ctr"/>
-            <a:lstStyle/>
-            <a:p>
-              <a:pPr algn="ctr"/>
-              <a:endParaRPr lang="en-US"/>
-            </a:p>
-          </p:txBody>
-        </p:sp>
-        <p:sp>
-          <p:nvSpPr>
-            <p:cNvPr id="131" name="Rectangle 130">
-              <a:extLst>
-                <a:ext uri="{FF2B5EF4-FFF2-40B4-BE49-F238E27FC236}">
-                  <a16:creationId xmlns:a16="http://schemas.microsoft.com/office/drawing/2014/main" id="{6796D5DC-3181-48CF-BD30-4996FDFBE972}"/>
-                </a:ext>
-              </a:extLst>
-            </p:cNvPr>
-            <p:cNvSpPr/>
-            <p:nvPr/>
-          </p:nvSpPr>
-          <p:spPr>
-            <a:xfrm>
-              <a:off x="3142787" y="4003827"/>
-              <a:ext cx="662474" cy="791690"/>
-            </a:xfrm>
-            <a:prstGeom prst="rect">
-              <a:avLst/>
-            </a:prstGeom>
-            <a:noFill/>
-          </p:spPr>
-          <p:style>
-            <a:lnRef idx="2">
-              <a:schemeClr val="accent1">
-                <a:shade val="50000"/>
-              </a:schemeClr>
-            </a:lnRef>
-            <a:fillRef idx="1">
-              <a:schemeClr val="accent1"/>
-            </a:fillRef>
-            <a:effectRef idx="0">
-              <a:schemeClr val="accent1"/>
-            </a:effectRef>
-            <a:fontRef idx="minor">
-              <a:schemeClr val="lt1"/>
-            </a:fontRef>
-          </p:style>
-          <p:txBody>
-            <a:bodyPr rtlCol="0" anchor="ctr"/>
-            <a:lstStyle/>
-            <a:p>
-              <a:pPr algn="ctr"/>
-              <a:r>
-                <a:rPr lang="en-US" dirty="0">
-                  <a:solidFill>
-                    <a:schemeClr val="tx1"/>
-                  </a:solidFill>
-                </a:rPr>
-                <a:t>.</a:t>
-              </a:r>
-            </a:p>
-            <a:p>
-              <a:pPr algn="ctr"/>
-              <a:r>
-                <a:rPr lang="en-US" dirty="0">
-                  <a:solidFill>
-                    <a:schemeClr val="tx1"/>
-                  </a:solidFill>
-                </a:rPr>
-                <a:t>.</a:t>
-              </a:r>
-            </a:p>
-            <a:p>
-              <a:pPr algn="ctr"/>
-              <a:r>
-                <a:rPr lang="en-US" dirty="0">
-                  <a:solidFill>
-                    <a:schemeClr val="tx1"/>
-                  </a:solidFill>
-                </a:rPr>
-                <a:t>.</a:t>
-              </a:r>
-            </a:p>
-          </p:txBody>
-        </p:sp>
-        <p:sp>
-          <p:nvSpPr>
-            <p:cNvPr id="132" name="Rectangle 131">
-              <a:extLst>
-                <a:ext uri="{FF2B5EF4-FFF2-40B4-BE49-F238E27FC236}">
-                  <a16:creationId xmlns:a16="http://schemas.microsoft.com/office/drawing/2014/main" id="{23EF9A4F-ACDC-4E54-B290-B975E0D7B890}"/>
-                </a:ext>
-              </a:extLst>
-            </p:cNvPr>
-            <p:cNvSpPr/>
-            <p:nvPr/>
-          </p:nvSpPr>
-          <p:spPr>
-            <a:xfrm>
-              <a:off x="3976163" y="1963284"/>
-              <a:ext cx="657057" cy="312576"/>
-            </a:xfrm>
-            <a:prstGeom prst="rect">
-              <a:avLst/>
-            </a:prstGeom>
-            <a:noFill/>
-          </p:spPr>
-          <p:style>
-            <a:lnRef idx="2">
-              <a:schemeClr val="accent1">
-                <a:shade val="50000"/>
-              </a:schemeClr>
-            </a:lnRef>
-            <a:fillRef idx="1">
-              <a:schemeClr val="accent1"/>
-            </a:fillRef>
-            <a:effectRef idx="0">
-              <a:schemeClr val="accent1"/>
-            </a:effectRef>
-            <a:fontRef idx="minor">
-              <a:schemeClr val="lt1"/>
-            </a:fontRef>
-          </p:style>
-          <p:txBody>
-            <a:bodyPr rtlCol="0" anchor="ctr"/>
-            <a:lstStyle/>
-            <a:p>
-              <a:pPr algn="ctr"/>
-              <a:endParaRPr lang="en-US"/>
-            </a:p>
-          </p:txBody>
-        </p:sp>
-        <p:sp>
-          <p:nvSpPr>
-            <p:cNvPr id="133" name="Rectangle 132">
-              <a:extLst>
-                <a:ext uri="{FF2B5EF4-FFF2-40B4-BE49-F238E27FC236}">
-                  <a16:creationId xmlns:a16="http://schemas.microsoft.com/office/drawing/2014/main" id="{D907F852-685E-46EF-B753-B5F056EB392B}"/>
-                </a:ext>
-              </a:extLst>
-            </p:cNvPr>
-            <p:cNvSpPr/>
-            <p:nvPr/>
-          </p:nvSpPr>
-          <p:spPr>
-            <a:xfrm>
-              <a:off x="3976163" y="2275612"/>
-              <a:ext cx="657057" cy="312576"/>
-            </a:xfrm>
-            <a:prstGeom prst="rect">
-              <a:avLst/>
-            </a:prstGeom>
-            <a:noFill/>
-          </p:spPr>
-          <p:style>
-            <a:lnRef idx="2">
-              <a:schemeClr val="accent1">
-                <a:shade val="50000"/>
-              </a:schemeClr>
-            </a:lnRef>
-            <a:fillRef idx="1">
-              <a:schemeClr val="accent1"/>
-            </a:fillRef>
-            <a:effectRef idx="0">
-              <a:schemeClr val="accent1"/>
-            </a:effectRef>
-            <a:fontRef idx="minor">
-              <a:schemeClr val="lt1"/>
-            </a:fontRef>
-          </p:style>
-          <p:txBody>
-            <a:bodyPr rtlCol="0" anchor="ctr"/>
-            <a:lstStyle/>
-            <a:p>
-              <a:pPr algn="ctr"/>
-              <a:endParaRPr lang="en-US"/>
-            </a:p>
-          </p:txBody>
-        </p:sp>
-        <p:sp>
-          <p:nvSpPr>
-            <p:cNvPr id="134" name="Rectangle 133">
-              <a:extLst>
-                <a:ext uri="{FF2B5EF4-FFF2-40B4-BE49-F238E27FC236}">
-                  <a16:creationId xmlns:a16="http://schemas.microsoft.com/office/drawing/2014/main" id="{7D6DF34C-E624-40E3-B82B-3B68BB48442E}"/>
-                </a:ext>
-              </a:extLst>
-            </p:cNvPr>
-            <p:cNvSpPr/>
-            <p:nvPr/>
-          </p:nvSpPr>
-          <p:spPr>
-            <a:xfrm>
-              <a:off x="3976162" y="2595767"/>
-              <a:ext cx="657057" cy="312576"/>
-            </a:xfrm>
-            <a:prstGeom prst="rect">
-              <a:avLst/>
-            </a:prstGeom>
-            <a:noFill/>
-          </p:spPr>
-          <p:style>
-            <a:lnRef idx="2">
-              <a:schemeClr val="accent1">
-                <a:shade val="50000"/>
-              </a:schemeClr>
-            </a:lnRef>
-            <a:fillRef idx="1">
-              <a:schemeClr val="accent1"/>
-            </a:fillRef>
-            <a:effectRef idx="0">
-              <a:schemeClr val="accent1"/>
-            </a:effectRef>
-            <a:fontRef idx="minor">
-              <a:schemeClr val="lt1"/>
-            </a:fontRef>
-          </p:style>
-          <p:txBody>
-            <a:bodyPr rtlCol="0" anchor="ctr"/>
-            <a:lstStyle/>
-            <a:p>
-              <a:pPr algn="ctr"/>
-              <a:endParaRPr lang="en-US"/>
-            </a:p>
-          </p:txBody>
-        </p:sp>
-        <p:sp>
-          <p:nvSpPr>
-            <p:cNvPr id="135" name="Rectangle 134">
-              <a:extLst>
-                <a:ext uri="{FF2B5EF4-FFF2-40B4-BE49-F238E27FC236}">
-                  <a16:creationId xmlns:a16="http://schemas.microsoft.com/office/drawing/2014/main" id="{3D5521F7-79D6-49C8-BD63-3783E2710ED4}"/>
-                </a:ext>
-              </a:extLst>
-            </p:cNvPr>
-            <p:cNvSpPr/>
-            <p:nvPr/>
-          </p:nvSpPr>
-          <p:spPr>
-            <a:xfrm>
-              <a:off x="3976162" y="2907580"/>
-              <a:ext cx="657661" cy="791690"/>
-            </a:xfrm>
-            <a:prstGeom prst="rect">
-              <a:avLst/>
-            </a:prstGeom>
-            <a:noFill/>
-          </p:spPr>
-          <p:style>
-            <a:lnRef idx="2">
-              <a:schemeClr val="accent1">
-                <a:shade val="50000"/>
-              </a:schemeClr>
-            </a:lnRef>
-            <a:fillRef idx="1">
-              <a:schemeClr val="accent1"/>
-            </a:fillRef>
-            <a:effectRef idx="0">
-              <a:schemeClr val="accent1"/>
-            </a:effectRef>
-            <a:fontRef idx="minor">
-              <a:schemeClr val="lt1"/>
-            </a:fontRef>
-          </p:style>
-          <p:txBody>
-            <a:bodyPr rtlCol="0" anchor="ctr"/>
-            <a:lstStyle/>
-            <a:p>
-              <a:pPr algn="ctr"/>
-              <a:r>
-                <a:rPr lang="en-US" dirty="0">
-                  <a:solidFill>
-                    <a:schemeClr val="tx1"/>
-                  </a:solidFill>
-                </a:rPr>
-                <a:t>.</a:t>
-              </a:r>
-            </a:p>
-            <a:p>
-              <a:pPr algn="ctr"/>
-              <a:r>
-                <a:rPr lang="en-US" dirty="0">
-                  <a:solidFill>
-                    <a:schemeClr val="tx1"/>
-                  </a:solidFill>
-                </a:rPr>
-                <a:t>.</a:t>
-              </a:r>
-            </a:p>
-            <a:p>
-              <a:pPr algn="ctr"/>
-              <a:r>
-                <a:rPr lang="en-US" dirty="0">
-                  <a:solidFill>
-                    <a:schemeClr val="tx1"/>
-                  </a:solidFill>
-                </a:rPr>
-                <a:t>.</a:t>
-              </a:r>
-            </a:p>
-          </p:txBody>
-        </p:sp>
-        <p:sp>
-          <p:nvSpPr>
-            <p:cNvPr id="136" name="Rectangle 135">
-              <a:extLst>
-                <a:ext uri="{FF2B5EF4-FFF2-40B4-BE49-F238E27FC236}">
-                  <a16:creationId xmlns:a16="http://schemas.microsoft.com/office/drawing/2014/main" id="{C19D6041-667B-4FFF-9FB5-F1F8B8FB2814}"/>
-                </a:ext>
-              </a:extLst>
-            </p:cNvPr>
-            <p:cNvSpPr/>
-            <p:nvPr/>
-          </p:nvSpPr>
-          <p:spPr>
-            <a:xfrm>
-              <a:off x="3979818" y="3699410"/>
-              <a:ext cx="653402" cy="312576"/>
-            </a:xfrm>
-            <a:prstGeom prst="rect">
-              <a:avLst/>
-            </a:prstGeom>
-            <a:noFill/>
-          </p:spPr>
-          <p:style>
-            <a:lnRef idx="2">
-              <a:schemeClr val="accent1">
-                <a:shade val="50000"/>
-              </a:schemeClr>
-            </a:lnRef>
-            <a:fillRef idx="1">
-              <a:schemeClr val="accent1"/>
-            </a:fillRef>
-            <a:effectRef idx="0">
-              <a:schemeClr val="accent1"/>
-            </a:effectRef>
-            <a:fontRef idx="minor">
-              <a:schemeClr val="lt1"/>
-            </a:fontRef>
-          </p:style>
-          <p:txBody>
-            <a:bodyPr rtlCol="0" anchor="ctr"/>
-            <a:lstStyle/>
-            <a:p>
-              <a:pPr algn="ctr"/>
-              <a:endParaRPr lang="en-US"/>
-            </a:p>
-          </p:txBody>
-        </p:sp>
-        <p:sp>
-          <p:nvSpPr>
-            <p:cNvPr id="137" name="Rectangle 136">
-              <a:extLst>
-                <a:ext uri="{FF2B5EF4-FFF2-40B4-BE49-F238E27FC236}">
-                  <a16:creationId xmlns:a16="http://schemas.microsoft.com/office/drawing/2014/main" id="{CD0AF0BC-8547-43E0-BE7D-C5E1C8271768}"/>
-                </a:ext>
-              </a:extLst>
-            </p:cNvPr>
-            <p:cNvSpPr/>
-            <p:nvPr/>
-          </p:nvSpPr>
-          <p:spPr>
-            <a:xfrm>
-              <a:off x="3979214" y="4811012"/>
-              <a:ext cx="650091" cy="312576"/>
-            </a:xfrm>
-            <a:prstGeom prst="rect">
-              <a:avLst/>
-            </a:prstGeom>
-            <a:noFill/>
-          </p:spPr>
-          <p:style>
-            <a:lnRef idx="2">
-              <a:schemeClr val="accent1">
-                <a:shade val="50000"/>
-              </a:schemeClr>
-            </a:lnRef>
-            <a:fillRef idx="1">
-              <a:schemeClr val="accent1"/>
-            </a:fillRef>
-            <a:effectRef idx="0">
-              <a:schemeClr val="accent1"/>
-            </a:effectRef>
-            <a:fontRef idx="minor">
-              <a:schemeClr val="lt1"/>
-            </a:fontRef>
-          </p:style>
-          <p:txBody>
-            <a:bodyPr rtlCol="0" anchor="ctr"/>
-            <a:lstStyle/>
-            <a:p>
-              <a:pPr algn="ctr"/>
-              <a:endParaRPr lang="en-US"/>
-            </a:p>
-          </p:txBody>
-        </p:sp>
-        <p:sp>
-          <p:nvSpPr>
-            <p:cNvPr id="138" name="Rectangle 137">
-              <a:extLst>
-                <a:ext uri="{FF2B5EF4-FFF2-40B4-BE49-F238E27FC236}">
-                  <a16:creationId xmlns:a16="http://schemas.microsoft.com/office/drawing/2014/main" id="{52B3D9D4-88E2-4ACE-9222-63D3521841BF}"/>
-                </a:ext>
-              </a:extLst>
-            </p:cNvPr>
-            <p:cNvSpPr/>
-            <p:nvPr/>
-          </p:nvSpPr>
-          <p:spPr>
-            <a:xfrm>
-              <a:off x="3980078" y="4011140"/>
-              <a:ext cx="653142" cy="791690"/>
-            </a:xfrm>
-            <a:prstGeom prst="rect">
-              <a:avLst/>
-            </a:prstGeom>
-            <a:noFill/>
-          </p:spPr>
-          <p:style>
-            <a:lnRef idx="2">
-              <a:schemeClr val="accent1">
-                <a:shade val="50000"/>
-              </a:schemeClr>
-            </a:lnRef>
-            <a:fillRef idx="1">
-              <a:schemeClr val="accent1"/>
-            </a:fillRef>
-            <a:effectRef idx="0">
-              <a:schemeClr val="accent1"/>
-            </a:effectRef>
-            <a:fontRef idx="minor">
-              <a:schemeClr val="lt1"/>
-            </a:fontRef>
-          </p:style>
-          <p:txBody>
-            <a:bodyPr rtlCol="0" anchor="ctr"/>
-            <a:lstStyle/>
-            <a:p>
-              <a:pPr algn="ctr"/>
-              <a:r>
-                <a:rPr lang="en-US" dirty="0">
-                  <a:solidFill>
-                    <a:schemeClr val="tx1"/>
-                  </a:solidFill>
-                </a:rPr>
-                <a:t>.</a:t>
-              </a:r>
-            </a:p>
-            <a:p>
-              <a:pPr algn="ctr"/>
-              <a:r>
-                <a:rPr lang="en-US" dirty="0">
-                  <a:solidFill>
-                    <a:schemeClr val="tx1"/>
-                  </a:solidFill>
-                </a:rPr>
-                <a:t>.</a:t>
-              </a:r>
-            </a:p>
-            <a:p>
-              <a:pPr algn="ctr"/>
-              <a:r>
-                <a:rPr lang="en-US" dirty="0">
-                  <a:solidFill>
-                    <a:schemeClr val="tx1"/>
-                  </a:solidFill>
-                </a:rPr>
-                <a:t>.</a:t>
-              </a:r>
-            </a:p>
-          </p:txBody>
-        </p:sp>
-      </p:grpSp>
-      <p:sp>
-        <p:nvSpPr>
-          <p:cNvPr id="139" name="Rectangle 138">
-            <a:extLst>
-              <a:ext uri="{FF2B5EF4-FFF2-40B4-BE49-F238E27FC236}">
-                <a16:creationId xmlns:a16="http://schemas.microsoft.com/office/drawing/2014/main" id="{159B1C75-E3AF-4676-99A5-D7FF8E17E1D8}"/>
-              </a:ext>
-            </a:extLst>
-          </p:cNvPr>
-          <p:cNvSpPr/>
-          <p:nvPr/>
-        </p:nvSpPr>
-        <p:spPr>
-          <a:xfrm>
-            <a:off x="8413275" y="2513680"/>
-            <a:ext cx="662474" cy="312576"/>
-          </a:xfrm>
-          <a:prstGeom prst="rect">
-            <a:avLst/>
-          </a:prstGeom>
-          <a:noFill/>
+          </a:ln>
         </p:spPr>
         <p:style>
           <a:lnRef idx="2">
@@ -18916,16 +20647,23 @@
           <a:lstStyle/>
           <a:p>
             <a:pPr algn="ctr"/>
-            <a:endParaRPr lang="en-US"/>
-          </a:p>
-        </p:txBody>
-      </p:sp>
-      <p:sp>
-        <p:nvSpPr>
-          <p:cNvPr id="140" name="Rectangle 139">
-            <a:extLst>
-              <a:ext uri="{FF2B5EF4-FFF2-40B4-BE49-F238E27FC236}">
-                <a16:creationId xmlns:a16="http://schemas.microsoft.com/office/drawing/2014/main" id="{661895B9-8E7A-4020-8BA1-76542664DA11}"/>
+            <a:r>
+              <a:rPr lang="en-US" sz="3200" dirty="0">
+                <a:solidFill>
+                  <a:schemeClr val="tx1"/>
+                </a:solidFill>
+              </a:rPr>
+              <a:t>. . .</a:t>
+            </a:r>
+          </a:p>
+        </p:txBody>
+      </p:sp>
+      <p:sp>
+        <p:nvSpPr>
+          <p:cNvPr id="89" name="Rectangle 88">
+            <a:extLst>
+              <a:ext uri="{FF2B5EF4-FFF2-40B4-BE49-F238E27FC236}">
+                <a16:creationId xmlns:a16="http://schemas.microsoft.com/office/drawing/2014/main" id="{BFBFDD79-BE43-4681-9FD8-5B4A96BF79F6}"/>
               </a:ext>
             </a:extLst>
           </p:cNvPr>
@@ -18934,8 +20672,8 @@
         </p:nvSpPr>
         <p:spPr>
           <a:xfrm>
-            <a:off x="8413275" y="2826008"/>
-            <a:ext cx="662474" cy="312576"/>
+            <a:off x="5402877" y="1963140"/>
+            <a:ext cx="685800" cy="312576"/>
           </a:xfrm>
           <a:prstGeom prst="rect">
             <a:avLst/>
@@ -18969,10 +20707,10 @@
       </p:sp>
       <p:sp>
         <p:nvSpPr>
-          <p:cNvPr id="141" name="Rectangle 140">
-            <a:extLst>
-              <a:ext uri="{FF2B5EF4-FFF2-40B4-BE49-F238E27FC236}">
-                <a16:creationId xmlns:a16="http://schemas.microsoft.com/office/drawing/2014/main" id="{E7A58A8D-D42A-4A31-A53F-D529631B7260}"/>
+          <p:cNvPr id="90" name="Rectangle 89">
+            <a:extLst>
+              <a:ext uri="{FF2B5EF4-FFF2-40B4-BE49-F238E27FC236}">
+                <a16:creationId xmlns:a16="http://schemas.microsoft.com/office/drawing/2014/main" id="{BDE61BAE-CA44-4A76-9BF3-FF13B63D7694}"/>
               </a:ext>
             </a:extLst>
           </p:cNvPr>
@@ -18981,8 +20719,8 @@
         </p:nvSpPr>
         <p:spPr>
           <a:xfrm>
-            <a:off x="8413275" y="3136168"/>
-            <a:ext cx="662474" cy="791690"/>
+            <a:off x="5402877" y="2276382"/>
+            <a:ext cx="685800" cy="312576"/>
           </a:xfrm>
           <a:prstGeom prst="rect">
             <a:avLst/>
@@ -19010,45 +20748,16 @@
           <a:lstStyle/>
           <a:p>
             <a:pPr algn="ctr"/>
-            <a:r>
-              <a:rPr lang="en-US" dirty="0">
-                <a:solidFill>
-                  <a:schemeClr val="tx1"/>
-                </a:solidFill>
-              </a:rPr>
-              <a:t>.</a:t>
-            </a:r>
-          </a:p>
-          <a:p>
-            <a:pPr algn="ctr"/>
-            <a:r>
-              <a:rPr lang="en-US" dirty="0">
-                <a:solidFill>
-                  <a:schemeClr val="tx1"/>
-                </a:solidFill>
-              </a:rPr>
-              <a:t>.</a:t>
-            </a:r>
-          </a:p>
-          <a:p>
-            <a:pPr algn="ctr"/>
-            <a:r>
-              <a:rPr lang="en-US" dirty="0">
-                <a:solidFill>
-                  <a:schemeClr val="tx1"/>
-                </a:solidFill>
-              </a:rPr>
-              <a:t>.</a:t>
-            </a:r>
-          </a:p>
-        </p:txBody>
-      </p:sp>
-      <p:sp>
-        <p:nvSpPr>
-          <p:cNvPr id="142" name="Rectangle 141">
-            <a:extLst>
-              <a:ext uri="{FF2B5EF4-FFF2-40B4-BE49-F238E27FC236}">
-                <a16:creationId xmlns:a16="http://schemas.microsoft.com/office/drawing/2014/main" id="{8F66CC9A-9643-408A-980A-FF3BC8FFACB5}"/>
+            <a:endParaRPr lang="en-US"/>
+          </a:p>
+        </p:txBody>
+      </p:sp>
+      <p:sp>
+        <p:nvSpPr>
+          <p:cNvPr id="91" name="Rectangle 90">
+            <a:extLst>
+              <a:ext uri="{FF2B5EF4-FFF2-40B4-BE49-F238E27FC236}">
+                <a16:creationId xmlns:a16="http://schemas.microsoft.com/office/drawing/2014/main" id="{F974D6C7-3AB9-49F4-AAA9-FC198D3F7B9B}"/>
               </a:ext>
             </a:extLst>
           </p:cNvPr>
@@ -19057,8 +20766,8 @@
         </p:nvSpPr>
         <p:spPr>
           <a:xfrm>
-            <a:off x="8418086" y="3927858"/>
-            <a:ext cx="662475" cy="312576"/>
+            <a:off x="5402877" y="2589624"/>
+            <a:ext cx="685800" cy="312576"/>
           </a:xfrm>
           <a:prstGeom prst="rect">
             <a:avLst/>
@@ -19092,10 +20801,10 @@
       </p:sp>
       <p:sp>
         <p:nvSpPr>
-          <p:cNvPr id="143" name="Rectangle 142">
-            <a:extLst>
-              <a:ext uri="{FF2B5EF4-FFF2-40B4-BE49-F238E27FC236}">
-                <a16:creationId xmlns:a16="http://schemas.microsoft.com/office/drawing/2014/main" id="{D5BA9B28-A05A-4CBB-94BC-44A41DEC559C}"/>
+          <p:cNvPr id="92" name="Rectangle 91">
+            <a:extLst>
+              <a:ext uri="{FF2B5EF4-FFF2-40B4-BE49-F238E27FC236}">
+                <a16:creationId xmlns:a16="http://schemas.microsoft.com/office/drawing/2014/main" id="{F9C680EB-5277-407F-825C-7F9C3FE9EEB4}"/>
               </a:ext>
             </a:extLst>
           </p:cNvPr>
@@ -19104,16 +20813,13 @@
         </p:nvSpPr>
         <p:spPr>
           <a:xfrm>
-            <a:off x="8856545" y="3031715"/>
-            <a:ext cx="1166326" cy="433304"/>
+            <a:off x="5400519" y="2902866"/>
+            <a:ext cx="685800" cy="791690"/>
           </a:xfrm>
           <a:prstGeom prst="rect">
             <a:avLst/>
           </a:prstGeom>
           <a:noFill/>
-          <a:ln>
-            <a:noFill/>
-          </a:ln>
         </p:spPr>
         <p:style>
           <a:lnRef idx="2">
@@ -19137,22 +20843,44 @@
           <a:p>
             <a:pPr algn="ctr"/>
             <a:r>
-              <a:rPr lang="en-US" sz="3200" dirty="0">
+              <a:rPr lang="en-US" dirty="0">
                 <a:solidFill>
                   <a:schemeClr val="tx1"/>
                 </a:solidFill>
               </a:rPr>
-              <a:t>. . .</a:t>
-            </a:r>
-          </a:p>
-        </p:txBody>
-      </p:sp>
-      <p:sp>
-        <p:nvSpPr>
-          <p:cNvPr id="144" name="Rectangle 143">
-            <a:extLst>
-              <a:ext uri="{FF2B5EF4-FFF2-40B4-BE49-F238E27FC236}">
-                <a16:creationId xmlns:a16="http://schemas.microsoft.com/office/drawing/2014/main" id="{E8853EF3-4AE0-4EE7-A97C-F745026A1A85}"/>
+              <a:t>.</a:t>
+            </a:r>
+          </a:p>
+          <a:p>
+            <a:pPr algn="ctr"/>
+            <a:r>
+              <a:rPr lang="en-US" dirty="0">
+                <a:solidFill>
+                  <a:schemeClr val="tx1"/>
+                </a:solidFill>
+              </a:rPr>
+              <a:t>.</a:t>
+            </a:r>
+          </a:p>
+          <a:p>
+            <a:pPr algn="ctr"/>
+            <a:r>
+              <a:rPr lang="en-US" dirty="0">
+                <a:solidFill>
+                  <a:schemeClr val="tx1"/>
+                </a:solidFill>
+              </a:rPr>
+              <a:t>.</a:t>
+            </a:r>
+          </a:p>
+        </p:txBody>
+      </p:sp>
+      <p:sp>
+        <p:nvSpPr>
+          <p:cNvPr id="93" name="Rectangle 92">
+            <a:extLst>
+              <a:ext uri="{FF2B5EF4-FFF2-40B4-BE49-F238E27FC236}">
+                <a16:creationId xmlns:a16="http://schemas.microsoft.com/office/drawing/2014/main" id="{D75A0C2F-147E-4540-B3CC-656237952545}"/>
               </a:ext>
             </a:extLst>
           </p:cNvPr>
@@ -19161,8 +20889,8 @@
         </p:nvSpPr>
         <p:spPr>
           <a:xfrm>
-            <a:off x="9752596" y="2507901"/>
-            <a:ext cx="662474" cy="312576"/>
+            <a:off x="5402877" y="3695222"/>
+            <a:ext cx="685800" cy="312576"/>
           </a:xfrm>
           <a:prstGeom prst="rect">
             <a:avLst/>
@@ -19196,10 +20924,10 @@
       </p:sp>
       <p:sp>
         <p:nvSpPr>
-          <p:cNvPr id="145" name="Rectangle 144">
-            <a:extLst>
-              <a:ext uri="{FF2B5EF4-FFF2-40B4-BE49-F238E27FC236}">
-                <a16:creationId xmlns:a16="http://schemas.microsoft.com/office/drawing/2014/main" id="{140E0CFB-E66F-47C5-8C33-403B875FE1D2}"/>
+          <p:cNvPr id="94" name="Rectangle 93">
+            <a:extLst>
+              <a:ext uri="{FF2B5EF4-FFF2-40B4-BE49-F238E27FC236}">
+                <a16:creationId xmlns:a16="http://schemas.microsoft.com/office/drawing/2014/main" id="{07596128-F978-426B-A150-3CCB30EACA5D}"/>
               </a:ext>
             </a:extLst>
           </p:cNvPr>
@@ -19208,8 +20936,8 @@
         </p:nvSpPr>
         <p:spPr>
           <a:xfrm>
-            <a:off x="9752596" y="2820229"/>
-            <a:ext cx="662474" cy="312576"/>
+            <a:off x="5402877" y="4800822"/>
+            <a:ext cx="685800" cy="312576"/>
           </a:xfrm>
           <a:prstGeom prst="rect">
             <a:avLst/>
@@ -19243,10 +20971,10 @@
       </p:sp>
       <p:sp>
         <p:nvSpPr>
-          <p:cNvPr id="146" name="Rectangle 145">
-            <a:extLst>
-              <a:ext uri="{FF2B5EF4-FFF2-40B4-BE49-F238E27FC236}">
-                <a16:creationId xmlns:a16="http://schemas.microsoft.com/office/drawing/2014/main" id="{214F36C8-6278-488F-A7AD-1927AA59027B}"/>
+          <p:cNvPr id="119" name="Rectangle 118">
+            <a:extLst>
+              <a:ext uri="{FF2B5EF4-FFF2-40B4-BE49-F238E27FC236}">
+                <a16:creationId xmlns:a16="http://schemas.microsoft.com/office/drawing/2014/main" id="{FCD9A9C6-37CF-4753-8967-55ECFB39600A}"/>
               </a:ext>
             </a:extLst>
           </p:cNvPr>
@@ -19255,8 +20983,8 @@
         </p:nvSpPr>
         <p:spPr>
           <a:xfrm>
-            <a:off x="9752596" y="3129681"/>
-            <a:ext cx="662474" cy="791690"/>
+            <a:off x="5400355" y="4008464"/>
+            <a:ext cx="685800" cy="791690"/>
           </a:xfrm>
           <a:prstGeom prst="rect">
             <a:avLst/>
@@ -19319,10 +21047,10 @@
       </p:sp>
       <p:sp>
         <p:nvSpPr>
-          <p:cNvPr id="147" name="Rectangle 146">
-            <a:extLst>
-              <a:ext uri="{FF2B5EF4-FFF2-40B4-BE49-F238E27FC236}">
-                <a16:creationId xmlns:a16="http://schemas.microsoft.com/office/drawing/2014/main" id="{1FFDF0E9-A1E7-44AE-BDD3-65CCF9064125}"/>
+          <p:cNvPr id="125" name="Rectangle 124">
+            <a:extLst>
+              <a:ext uri="{FF2B5EF4-FFF2-40B4-BE49-F238E27FC236}">
+                <a16:creationId xmlns:a16="http://schemas.microsoft.com/office/drawing/2014/main" id="{B00D6495-0F9C-4D01-92F9-3992D0AD347D}"/>
               </a:ext>
             </a:extLst>
           </p:cNvPr>
@@ -19331,8 +21059,8 @@
         </p:nvSpPr>
         <p:spPr>
           <a:xfrm>
-            <a:off x="9757408" y="3921371"/>
-            <a:ext cx="657662" cy="312576"/>
+            <a:off x="3143651" y="1955690"/>
+            <a:ext cx="685800" cy="312576"/>
           </a:xfrm>
           <a:prstGeom prst="rect">
             <a:avLst/>
@@ -19366,6 +21094,1224 @@
       </p:sp>
       <p:sp>
         <p:nvSpPr>
+          <p:cNvPr id="126" name="Rectangle 125">
+            <a:extLst>
+              <a:ext uri="{FF2B5EF4-FFF2-40B4-BE49-F238E27FC236}">
+                <a16:creationId xmlns:a16="http://schemas.microsoft.com/office/drawing/2014/main" id="{94092526-1A9B-4EED-A237-3C689E21F89E}"/>
+              </a:ext>
+            </a:extLst>
+          </p:cNvPr>
+          <p:cNvSpPr/>
+          <p:nvPr/>
+        </p:nvSpPr>
+        <p:spPr>
+          <a:xfrm>
+            <a:off x="3143651" y="2269509"/>
+            <a:ext cx="685800" cy="312576"/>
+          </a:xfrm>
+          <a:prstGeom prst="rect">
+            <a:avLst/>
+          </a:prstGeom>
+          <a:noFill/>
+        </p:spPr>
+        <p:style>
+          <a:lnRef idx="2">
+            <a:schemeClr val="accent1">
+              <a:shade val="50000"/>
+            </a:schemeClr>
+          </a:lnRef>
+          <a:fillRef idx="1">
+            <a:schemeClr val="accent1"/>
+          </a:fillRef>
+          <a:effectRef idx="0">
+            <a:schemeClr val="accent1"/>
+          </a:effectRef>
+          <a:fontRef idx="minor">
+            <a:schemeClr val="lt1"/>
+          </a:fontRef>
+        </p:style>
+        <p:txBody>
+          <a:bodyPr rtlCol="0" anchor="ctr"/>
+          <a:lstStyle/>
+          <a:p>
+            <a:pPr algn="ctr"/>
+            <a:endParaRPr lang="en-US"/>
+          </a:p>
+        </p:txBody>
+      </p:sp>
+      <p:sp>
+        <p:nvSpPr>
+          <p:cNvPr id="127" name="Rectangle 126">
+            <a:extLst>
+              <a:ext uri="{FF2B5EF4-FFF2-40B4-BE49-F238E27FC236}">
+                <a16:creationId xmlns:a16="http://schemas.microsoft.com/office/drawing/2014/main" id="{0208931A-15D5-4580-89F6-2C17739C4361}"/>
+              </a:ext>
+            </a:extLst>
+          </p:cNvPr>
+          <p:cNvSpPr/>
+          <p:nvPr/>
+        </p:nvSpPr>
+        <p:spPr>
+          <a:xfrm>
+            <a:off x="3155487" y="2583328"/>
+            <a:ext cx="685800" cy="312576"/>
+          </a:xfrm>
+          <a:prstGeom prst="rect">
+            <a:avLst/>
+          </a:prstGeom>
+          <a:noFill/>
+        </p:spPr>
+        <p:style>
+          <a:lnRef idx="2">
+            <a:schemeClr val="accent1">
+              <a:shade val="50000"/>
+            </a:schemeClr>
+          </a:lnRef>
+          <a:fillRef idx="1">
+            <a:schemeClr val="accent1"/>
+          </a:fillRef>
+          <a:effectRef idx="0">
+            <a:schemeClr val="accent1"/>
+          </a:effectRef>
+          <a:fontRef idx="minor">
+            <a:schemeClr val="lt1"/>
+          </a:fontRef>
+        </p:style>
+        <p:txBody>
+          <a:bodyPr rtlCol="0" anchor="ctr"/>
+          <a:lstStyle/>
+          <a:p>
+            <a:pPr algn="ctr"/>
+            <a:endParaRPr lang="en-US"/>
+          </a:p>
+        </p:txBody>
+      </p:sp>
+      <p:sp>
+        <p:nvSpPr>
+          <p:cNvPr id="128" name="Rectangle 127">
+            <a:extLst>
+              <a:ext uri="{FF2B5EF4-FFF2-40B4-BE49-F238E27FC236}">
+                <a16:creationId xmlns:a16="http://schemas.microsoft.com/office/drawing/2014/main" id="{01E3F0BD-C93A-457F-87B3-16C79B81997B}"/>
+              </a:ext>
+            </a:extLst>
+          </p:cNvPr>
+          <p:cNvSpPr/>
+          <p:nvPr/>
+        </p:nvSpPr>
+        <p:spPr>
+          <a:xfrm>
+            <a:off x="3143393" y="2897147"/>
+            <a:ext cx="685800" cy="791690"/>
+          </a:xfrm>
+          <a:prstGeom prst="rect">
+            <a:avLst/>
+          </a:prstGeom>
+          <a:noFill/>
+        </p:spPr>
+        <p:style>
+          <a:lnRef idx="2">
+            <a:schemeClr val="accent1">
+              <a:shade val="50000"/>
+            </a:schemeClr>
+          </a:lnRef>
+          <a:fillRef idx="1">
+            <a:schemeClr val="accent1"/>
+          </a:fillRef>
+          <a:effectRef idx="0">
+            <a:schemeClr val="accent1"/>
+          </a:effectRef>
+          <a:fontRef idx="minor">
+            <a:schemeClr val="lt1"/>
+          </a:fontRef>
+        </p:style>
+        <p:txBody>
+          <a:bodyPr rtlCol="0" anchor="ctr"/>
+          <a:lstStyle/>
+          <a:p>
+            <a:pPr algn="ctr"/>
+            <a:r>
+              <a:rPr lang="en-US" dirty="0">
+                <a:solidFill>
+                  <a:schemeClr val="tx1"/>
+                </a:solidFill>
+              </a:rPr>
+              <a:t>.</a:t>
+            </a:r>
+          </a:p>
+          <a:p>
+            <a:pPr algn="ctr"/>
+            <a:r>
+              <a:rPr lang="en-US" dirty="0">
+                <a:solidFill>
+                  <a:schemeClr val="tx1"/>
+                </a:solidFill>
+              </a:rPr>
+              <a:t>.</a:t>
+            </a:r>
+          </a:p>
+          <a:p>
+            <a:pPr algn="ctr"/>
+            <a:r>
+              <a:rPr lang="en-US" dirty="0">
+                <a:solidFill>
+                  <a:schemeClr val="tx1"/>
+                </a:solidFill>
+              </a:rPr>
+              <a:t>.</a:t>
+            </a:r>
+          </a:p>
+        </p:txBody>
+      </p:sp>
+      <p:sp>
+        <p:nvSpPr>
+          <p:cNvPr id="129" name="Rectangle 128">
+            <a:extLst>
+              <a:ext uri="{FF2B5EF4-FFF2-40B4-BE49-F238E27FC236}">
+                <a16:creationId xmlns:a16="http://schemas.microsoft.com/office/drawing/2014/main" id="{ECBB8321-F64B-4095-B72C-A9A257AC119A}"/>
+              </a:ext>
+            </a:extLst>
+          </p:cNvPr>
+          <p:cNvSpPr/>
+          <p:nvPr/>
+        </p:nvSpPr>
+        <p:spPr>
+          <a:xfrm>
+            <a:off x="3143651" y="3677380"/>
+            <a:ext cx="685800" cy="312576"/>
+          </a:xfrm>
+          <a:prstGeom prst="rect">
+            <a:avLst/>
+          </a:prstGeom>
+          <a:noFill/>
+        </p:spPr>
+        <p:style>
+          <a:lnRef idx="2">
+            <a:schemeClr val="accent1">
+              <a:shade val="50000"/>
+            </a:schemeClr>
+          </a:lnRef>
+          <a:fillRef idx="1">
+            <a:schemeClr val="accent1"/>
+          </a:fillRef>
+          <a:effectRef idx="0">
+            <a:schemeClr val="accent1"/>
+          </a:effectRef>
+          <a:fontRef idx="minor">
+            <a:schemeClr val="lt1"/>
+          </a:fontRef>
+        </p:style>
+        <p:txBody>
+          <a:bodyPr rtlCol="0" anchor="ctr"/>
+          <a:lstStyle/>
+          <a:p>
+            <a:pPr algn="ctr"/>
+            <a:endParaRPr lang="en-US"/>
+          </a:p>
+        </p:txBody>
+      </p:sp>
+      <p:sp>
+        <p:nvSpPr>
+          <p:cNvPr id="130" name="Rectangle 129">
+            <a:extLst>
+              <a:ext uri="{FF2B5EF4-FFF2-40B4-BE49-F238E27FC236}">
+                <a16:creationId xmlns:a16="http://schemas.microsoft.com/office/drawing/2014/main" id="{B2161791-68FE-47B5-B6F9-13BA94D74925}"/>
+              </a:ext>
+            </a:extLst>
+          </p:cNvPr>
+          <p:cNvSpPr/>
+          <p:nvPr/>
+        </p:nvSpPr>
+        <p:spPr>
+          <a:xfrm>
+            <a:off x="3143651" y="4784134"/>
+            <a:ext cx="685800" cy="312576"/>
+          </a:xfrm>
+          <a:prstGeom prst="rect">
+            <a:avLst/>
+          </a:prstGeom>
+          <a:noFill/>
+        </p:spPr>
+        <p:style>
+          <a:lnRef idx="2">
+            <a:schemeClr val="accent1">
+              <a:shade val="50000"/>
+            </a:schemeClr>
+          </a:lnRef>
+          <a:fillRef idx="1">
+            <a:schemeClr val="accent1"/>
+          </a:fillRef>
+          <a:effectRef idx="0">
+            <a:schemeClr val="accent1"/>
+          </a:effectRef>
+          <a:fontRef idx="minor">
+            <a:schemeClr val="lt1"/>
+          </a:fontRef>
+        </p:style>
+        <p:txBody>
+          <a:bodyPr rtlCol="0" anchor="ctr"/>
+          <a:lstStyle/>
+          <a:p>
+            <a:pPr algn="ctr"/>
+            <a:endParaRPr lang="en-US"/>
+          </a:p>
+        </p:txBody>
+      </p:sp>
+      <p:sp>
+        <p:nvSpPr>
+          <p:cNvPr id="131" name="Rectangle 130">
+            <a:extLst>
+              <a:ext uri="{FF2B5EF4-FFF2-40B4-BE49-F238E27FC236}">
+                <a16:creationId xmlns:a16="http://schemas.microsoft.com/office/drawing/2014/main" id="{6796D5DC-3181-48CF-BD30-4996FDFBE972}"/>
+              </a:ext>
+            </a:extLst>
+          </p:cNvPr>
+          <p:cNvSpPr/>
+          <p:nvPr/>
+        </p:nvSpPr>
+        <p:spPr>
+          <a:xfrm>
+            <a:off x="3155487" y="3991199"/>
+            <a:ext cx="685800" cy="791690"/>
+          </a:xfrm>
+          <a:prstGeom prst="rect">
+            <a:avLst/>
+          </a:prstGeom>
+          <a:noFill/>
+        </p:spPr>
+        <p:style>
+          <a:lnRef idx="2">
+            <a:schemeClr val="accent1">
+              <a:shade val="50000"/>
+            </a:schemeClr>
+          </a:lnRef>
+          <a:fillRef idx="1">
+            <a:schemeClr val="accent1"/>
+          </a:fillRef>
+          <a:effectRef idx="0">
+            <a:schemeClr val="accent1"/>
+          </a:effectRef>
+          <a:fontRef idx="minor">
+            <a:schemeClr val="lt1"/>
+          </a:fontRef>
+        </p:style>
+        <p:txBody>
+          <a:bodyPr rtlCol="0" anchor="ctr"/>
+          <a:lstStyle/>
+          <a:p>
+            <a:pPr algn="ctr"/>
+            <a:r>
+              <a:rPr lang="en-US" dirty="0">
+                <a:solidFill>
+                  <a:schemeClr val="tx1"/>
+                </a:solidFill>
+              </a:rPr>
+              <a:t>.</a:t>
+            </a:r>
+          </a:p>
+          <a:p>
+            <a:pPr algn="ctr"/>
+            <a:r>
+              <a:rPr lang="en-US" dirty="0">
+                <a:solidFill>
+                  <a:schemeClr val="tx1"/>
+                </a:solidFill>
+              </a:rPr>
+              <a:t>.</a:t>
+            </a:r>
+          </a:p>
+          <a:p>
+            <a:pPr algn="ctr"/>
+            <a:r>
+              <a:rPr lang="en-US" dirty="0">
+                <a:solidFill>
+                  <a:schemeClr val="tx1"/>
+                </a:solidFill>
+              </a:rPr>
+              <a:t>.</a:t>
+            </a:r>
+          </a:p>
+        </p:txBody>
+      </p:sp>
+      <p:sp>
+        <p:nvSpPr>
+          <p:cNvPr id="132" name="Rectangle 131">
+            <a:extLst>
+              <a:ext uri="{FF2B5EF4-FFF2-40B4-BE49-F238E27FC236}">
+                <a16:creationId xmlns:a16="http://schemas.microsoft.com/office/drawing/2014/main" id="{23EF9A4F-ACDC-4E54-B290-B975E0D7B890}"/>
+              </a:ext>
+            </a:extLst>
+          </p:cNvPr>
+          <p:cNvSpPr/>
+          <p:nvPr/>
+        </p:nvSpPr>
+        <p:spPr>
+          <a:xfrm>
+            <a:off x="3979020" y="1963284"/>
+            <a:ext cx="685800" cy="312576"/>
+          </a:xfrm>
+          <a:prstGeom prst="rect">
+            <a:avLst/>
+          </a:prstGeom>
+          <a:noFill/>
+        </p:spPr>
+        <p:style>
+          <a:lnRef idx="2">
+            <a:schemeClr val="accent1">
+              <a:shade val="50000"/>
+            </a:schemeClr>
+          </a:lnRef>
+          <a:fillRef idx="1">
+            <a:schemeClr val="accent1"/>
+          </a:fillRef>
+          <a:effectRef idx="0">
+            <a:schemeClr val="accent1"/>
+          </a:effectRef>
+          <a:fontRef idx="minor">
+            <a:schemeClr val="lt1"/>
+          </a:fontRef>
+        </p:style>
+        <p:txBody>
+          <a:bodyPr rtlCol="0" anchor="ctr"/>
+          <a:lstStyle/>
+          <a:p>
+            <a:pPr algn="ctr"/>
+            <a:endParaRPr lang="en-US"/>
+          </a:p>
+        </p:txBody>
+      </p:sp>
+      <p:sp>
+        <p:nvSpPr>
+          <p:cNvPr id="133" name="Rectangle 132">
+            <a:extLst>
+              <a:ext uri="{FF2B5EF4-FFF2-40B4-BE49-F238E27FC236}">
+                <a16:creationId xmlns:a16="http://schemas.microsoft.com/office/drawing/2014/main" id="{D907F852-685E-46EF-B753-B5F056EB392B}"/>
+              </a:ext>
+            </a:extLst>
+          </p:cNvPr>
+          <p:cNvSpPr/>
+          <p:nvPr/>
+        </p:nvSpPr>
+        <p:spPr>
+          <a:xfrm>
+            <a:off x="3969178" y="2275612"/>
+            <a:ext cx="685800" cy="312576"/>
+          </a:xfrm>
+          <a:prstGeom prst="rect">
+            <a:avLst/>
+          </a:prstGeom>
+          <a:noFill/>
+        </p:spPr>
+        <p:style>
+          <a:lnRef idx="2">
+            <a:schemeClr val="accent1">
+              <a:shade val="50000"/>
+            </a:schemeClr>
+          </a:lnRef>
+          <a:fillRef idx="1">
+            <a:schemeClr val="accent1"/>
+          </a:fillRef>
+          <a:effectRef idx="0">
+            <a:schemeClr val="accent1"/>
+          </a:effectRef>
+          <a:fontRef idx="minor">
+            <a:schemeClr val="lt1"/>
+          </a:fontRef>
+        </p:style>
+        <p:txBody>
+          <a:bodyPr rtlCol="0" anchor="ctr"/>
+          <a:lstStyle/>
+          <a:p>
+            <a:pPr algn="ctr"/>
+            <a:endParaRPr lang="en-US"/>
+          </a:p>
+        </p:txBody>
+      </p:sp>
+      <p:sp>
+        <p:nvSpPr>
+          <p:cNvPr id="134" name="Rectangle 133">
+            <a:extLst>
+              <a:ext uri="{FF2B5EF4-FFF2-40B4-BE49-F238E27FC236}">
+                <a16:creationId xmlns:a16="http://schemas.microsoft.com/office/drawing/2014/main" id="{7D6DF34C-E624-40E3-B82B-3B68BB48442E}"/>
+              </a:ext>
+            </a:extLst>
+          </p:cNvPr>
+          <p:cNvSpPr/>
+          <p:nvPr/>
+        </p:nvSpPr>
+        <p:spPr>
+          <a:xfrm>
+            <a:off x="3972036" y="2595767"/>
+            <a:ext cx="685800" cy="312576"/>
+          </a:xfrm>
+          <a:prstGeom prst="rect">
+            <a:avLst/>
+          </a:prstGeom>
+          <a:noFill/>
+        </p:spPr>
+        <p:style>
+          <a:lnRef idx="2">
+            <a:schemeClr val="accent1">
+              <a:shade val="50000"/>
+            </a:schemeClr>
+          </a:lnRef>
+          <a:fillRef idx="1">
+            <a:schemeClr val="accent1"/>
+          </a:fillRef>
+          <a:effectRef idx="0">
+            <a:schemeClr val="accent1"/>
+          </a:effectRef>
+          <a:fontRef idx="minor">
+            <a:schemeClr val="lt1"/>
+          </a:fontRef>
+        </p:style>
+        <p:txBody>
+          <a:bodyPr rtlCol="0" anchor="ctr"/>
+          <a:lstStyle/>
+          <a:p>
+            <a:pPr algn="ctr"/>
+            <a:endParaRPr lang="en-US"/>
+          </a:p>
+        </p:txBody>
+      </p:sp>
+      <p:sp>
+        <p:nvSpPr>
+          <p:cNvPr id="135" name="Rectangle 134">
+            <a:extLst>
+              <a:ext uri="{FF2B5EF4-FFF2-40B4-BE49-F238E27FC236}">
+                <a16:creationId xmlns:a16="http://schemas.microsoft.com/office/drawing/2014/main" id="{3D5521F7-79D6-49C8-BD63-3783E2710ED4}"/>
+              </a:ext>
+            </a:extLst>
+          </p:cNvPr>
+          <p:cNvSpPr/>
+          <p:nvPr/>
+        </p:nvSpPr>
+        <p:spPr>
+          <a:xfrm>
+            <a:off x="3969173" y="2907580"/>
+            <a:ext cx="692789" cy="791690"/>
+          </a:xfrm>
+          <a:prstGeom prst="rect">
+            <a:avLst/>
+          </a:prstGeom>
+          <a:noFill/>
+        </p:spPr>
+        <p:style>
+          <a:lnRef idx="2">
+            <a:schemeClr val="accent1">
+              <a:shade val="50000"/>
+            </a:schemeClr>
+          </a:lnRef>
+          <a:fillRef idx="1">
+            <a:schemeClr val="accent1"/>
+          </a:fillRef>
+          <a:effectRef idx="0">
+            <a:schemeClr val="accent1"/>
+          </a:effectRef>
+          <a:fontRef idx="minor">
+            <a:schemeClr val="lt1"/>
+          </a:fontRef>
+        </p:style>
+        <p:txBody>
+          <a:bodyPr rtlCol="0" anchor="ctr"/>
+          <a:lstStyle/>
+          <a:p>
+            <a:pPr algn="ctr"/>
+            <a:r>
+              <a:rPr lang="en-US" dirty="0">
+                <a:solidFill>
+                  <a:schemeClr val="tx1"/>
+                </a:solidFill>
+              </a:rPr>
+              <a:t>.</a:t>
+            </a:r>
+          </a:p>
+          <a:p>
+            <a:pPr algn="ctr"/>
+            <a:r>
+              <a:rPr lang="en-US" dirty="0">
+                <a:solidFill>
+                  <a:schemeClr val="tx1"/>
+                </a:solidFill>
+              </a:rPr>
+              <a:t>.</a:t>
+            </a:r>
+          </a:p>
+          <a:p>
+            <a:pPr algn="ctr"/>
+            <a:r>
+              <a:rPr lang="en-US" dirty="0">
+                <a:solidFill>
+                  <a:schemeClr val="tx1"/>
+                </a:solidFill>
+              </a:rPr>
+              <a:t>.</a:t>
+            </a:r>
+          </a:p>
+        </p:txBody>
+      </p:sp>
+      <p:sp>
+        <p:nvSpPr>
+          <p:cNvPr id="136" name="Rectangle 135">
+            <a:extLst>
+              <a:ext uri="{FF2B5EF4-FFF2-40B4-BE49-F238E27FC236}">
+                <a16:creationId xmlns:a16="http://schemas.microsoft.com/office/drawing/2014/main" id="{C19D6041-667B-4FFF-9FB5-F1F8B8FB2814}"/>
+              </a:ext>
+            </a:extLst>
+          </p:cNvPr>
+          <p:cNvSpPr/>
+          <p:nvPr/>
+        </p:nvSpPr>
+        <p:spPr>
+          <a:xfrm>
+            <a:off x="3974894" y="3699410"/>
+            <a:ext cx="685800" cy="312576"/>
+          </a:xfrm>
+          <a:prstGeom prst="rect">
+            <a:avLst/>
+          </a:prstGeom>
+          <a:noFill/>
+        </p:spPr>
+        <p:style>
+          <a:lnRef idx="2">
+            <a:schemeClr val="accent1">
+              <a:shade val="50000"/>
+            </a:schemeClr>
+          </a:lnRef>
+          <a:fillRef idx="1">
+            <a:schemeClr val="accent1"/>
+          </a:fillRef>
+          <a:effectRef idx="0">
+            <a:schemeClr val="accent1"/>
+          </a:effectRef>
+          <a:fontRef idx="minor">
+            <a:schemeClr val="lt1"/>
+          </a:fontRef>
+        </p:style>
+        <p:txBody>
+          <a:bodyPr rtlCol="0" anchor="ctr"/>
+          <a:lstStyle/>
+          <a:p>
+            <a:pPr algn="ctr"/>
+            <a:endParaRPr lang="en-US"/>
+          </a:p>
+        </p:txBody>
+      </p:sp>
+      <p:sp>
+        <p:nvSpPr>
+          <p:cNvPr id="137" name="Rectangle 136">
+            <a:extLst>
+              <a:ext uri="{FF2B5EF4-FFF2-40B4-BE49-F238E27FC236}">
+                <a16:creationId xmlns:a16="http://schemas.microsoft.com/office/drawing/2014/main" id="{CD0AF0BC-8547-43E0-BE7D-C5E1C8271768}"/>
+              </a:ext>
+            </a:extLst>
+          </p:cNvPr>
+          <p:cNvSpPr/>
+          <p:nvPr/>
+        </p:nvSpPr>
+        <p:spPr>
+          <a:xfrm>
+            <a:off x="3977752" y="4797364"/>
+            <a:ext cx="685800" cy="312576"/>
+          </a:xfrm>
+          <a:prstGeom prst="rect">
+            <a:avLst/>
+          </a:prstGeom>
+          <a:noFill/>
+        </p:spPr>
+        <p:style>
+          <a:lnRef idx="2">
+            <a:schemeClr val="accent1">
+              <a:shade val="50000"/>
+            </a:schemeClr>
+          </a:lnRef>
+          <a:fillRef idx="1">
+            <a:schemeClr val="accent1"/>
+          </a:fillRef>
+          <a:effectRef idx="0">
+            <a:schemeClr val="accent1"/>
+          </a:effectRef>
+          <a:fontRef idx="minor">
+            <a:schemeClr val="lt1"/>
+          </a:fontRef>
+        </p:style>
+        <p:txBody>
+          <a:bodyPr rtlCol="0" anchor="ctr"/>
+          <a:lstStyle/>
+          <a:p>
+            <a:pPr algn="ctr"/>
+            <a:endParaRPr lang="en-US"/>
+          </a:p>
+        </p:txBody>
+      </p:sp>
+      <p:sp>
+        <p:nvSpPr>
+          <p:cNvPr id="138" name="Rectangle 137">
+            <a:extLst>
+              <a:ext uri="{FF2B5EF4-FFF2-40B4-BE49-F238E27FC236}">
+                <a16:creationId xmlns:a16="http://schemas.microsoft.com/office/drawing/2014/main" id="{52B3D9D4-88E2-4ACE-9222-63D3521841BF}"/>
+              </a:ext>
+            </a:extLst>
+          </p:cNvPr>
+          <p:cNvSpPr/>
+          <p:nvPr/>
+        </p:nvSpPr>
+        <p:spPr>
+          <a:xfrm>
+            <a:off x="3980612" y="4011140"/>
+            <a:ext cx="685800" cy="791690"/>
+          </a:xfrm>
+          <a:prstGeom prst="rect">
+            <a:avLst/>
+          </a:prstGeom>
+          <a:noFill/>
+        </p:spPr>
+        <p:style>
+          <a:lnRef idx="2">
+            <a:schemeClr val="accent1">
+              <a:shade val="50000"/>
+            </a:schemeClr>
+          </a:lnRef>
+          <a:fillRef idx="1">
+            <a:schemeClr val="accent1"/>
+          </a:fillRef>
+          <a:effectRef idx="0">
+            <a:schemeClr val="accent1"/>
+          </a:effectRef>
+          <a:fontRef idx="minor">
+            <a:schemeClr val="lt1"/>
+          </a:fontRef>
+        </p:style>
+        <p:txBody>
+          <a:bodyPr rtlCol="0" anchor="ctr"/>
+          <a:lstStyle/>
+          <a:p>
+            <a:pPr algn="ctr"/>
+            <a:r>
+              <a:rPr lang="en-US" dirty="0">
+                <a:solidFill>
+                  <a:schemeClr val="tx1"/>
+                </a:solidFill>
+              </a:rPr>
+              <a:t>.</a:t>
+            </a:r>
+          </a:p>
+          <a:p>
+            <a:pPr algn="ctr"/>
+            <a:r>
+              <a:rPr lang="en-US" dirty="0">
+                <a:solidFill>
+                  <a:schemeClr val="tx1"/>
+                </a:solidFill>
+              </a:rPr>
+              <a:t>.</a:t>
+            </a:r>
+          </a:p>
+          <a:p>
+            <a:pPr algn="ctr"/>
+            <a:r>
+              <a:rPr lang="en-US" dirty="0">
+                <a:solidFill>
+                  <a:schemeClr val="tx1"/>
+                </a:solidFill>
+              </a:rPr>
+              <a:t>.</a:t>
+            </a:r>
+          </a:p>
+        </p:txBody>
+      </p:sp>
+      <p:sp>
+        <p:nvSpPr>
+          <p:cNvPr id="139" name="Rectangle 138">
+            <a:extLst>
+              <a:ext uri="{FF2B5EF4-FFF2-40B4-BE49-F238E27FC236}">
+                <a16:creationId xmlns:a16="http://schemas.microsoft.com/office/drawing/2014/main" id="{159B1C75-E3AF-4676-99A5-D7FF8E17E1D8}"/>
+              </a:ext>
+            </a:extLst>
+          </p:cNvPr>
+          <p:cNvSpPr/>
+          <p:nvPr/>
+        </p:nvSpPr>
+        <p:spPr>
+          <a:xfrm>
+            <a:off x="8413275" y="2513680"/>
+            <a:ext cx="662474" cy="312576"/>
+          </a:xfrm>
+          <a:prstGeom prst="rect">
+            <a:avLst/>
+          </a:prstGeom>
+          <a:noFill/>
+        </p:spPr>
+        <p:style>
+          <a:lnRef idx="2">
+            <a:schemeClr val="accent1">
+              <a:shade val="50000"/>
+            </a:schemeClr>
+          </a:lnRef>
+          <a:fillRef idx="1">
+            <a:schemeClr val="accent1"/>
+          </a:fillRef>
+          <a:effectRef idx="0">
+            <a:schemeClr val="accent1"/>
+          </a:effectRef>
+          <a:fontRef idx="minor">
+            <a:schemeClr val="lt1"/>
+          </a:fontRef>
+        </p:style>
+        <p:txBody>
+          <a:bodyPr rtlCol="0" anchor="ctr"/>
+          <a:lstStyle/>
+          <a:p>
+            <a:pPr algn="ctr"/>
+            <a:endParaRPr lang="en-US"/>
+          </a:p>
+        </p:txBody>
+      </p:sp>
+      <p:sp>
+        <p:nvSpPr>
+          <p:cNvPr id="140" name="Rectangle 139">
+            <a:extLst>
+              <a:ext uri="{FF2B5EF4-FFF2-40B4-BE49-F238E27FC236}">
+                <a16:creationId xmlns:a16="http://schemas.microsoft.com/office/drawing/2014/main" id="{661895B9-8E7A-4020-8BA1-76542664DA11}"/>
+              </a:ext>
+            </a:extLst>
+          </p:cNvPr>
+          <p:cNvSpPr/>
+          <p:nvPr/>
+        </p:nvSpPr>
+        <p:spPr>
+          <a:xfrm>
+            <a:off x="8413275" y="2838068"/>
+            <a:ext cx="662474" cy="312576"/>
+          </a:xfrm>
+          <a:prstGeom prst="rect">
+            <a:avLst/>
+          </a:prstGeom>
+          <a:noFill/>
+        </p:spPr>
+        <p:style>
+          <a:lnRef idx="2">
+            <a:schemeClr val="accent1">
+              <a:shade val="50000"/>
+            </a:schemeClr>
+          </a:lnRef>
+          <a:fillRef idx="1">
+            <a:schemeClr val="accent1"/>
+          </a:fillRef>
+          <a:effectRef idx="0">
+            <a:schemeClr val="accent1"/>
+          </a:effectRef>
+          <a:fontRef idx="minor">
+            <a:schemeClr val="lt1"/>
+          </a:fontRef>
+        </p:style>
+        <p:txBody>
+          <a:bodyPr rtlCol="0" anchor="ctr"/>
+          <a:lstStyle/>
+          <a:p>
+            <a:pPr algn="ctr"/>
+            <a:endParaRPr lang="en-US"/>
+          </a:p>
+        </p:txBody>
+      </p:sp>
+      <p:sp>
+        <p:nvSpPr>
+          <p:cNvPr id="141" name="Rectangle 140">
+            <a:extLst>
+              <a:ext uri="{FF2B5EF4-FFF2-40B4-BE49-F238E27FC236}">
+                <a16:creationId xmlns:a16="http://schemas.microsoft.com/office/drawing/2014/main" id="{E7A58A8D-D42A-4A31-A53F-D529631B7260}"/>
+              </a:ext>
+            </a:extLst>
+          </p:cNvPr>
+          <p:cNvSpPr/>
+          <p:nvPr/>
+        </p:nvSpPr>
+        <p:spPr>
+          <a:xfrm>
+            <a:off x="8413275" y="3149756"/>
+            <a:ext cx="662474" cy="791690"/>
+          </a:xfrm>
+          <a:prstGeom prst="rect">
+            <a:avLst/>
+          </a:prstGeom>
+          <a:noFill/>
+        </p:spPr>
+        <p:style>
+          <a:lnRef idx="2">
+            <a:schemeClr val="accent1">
+              <a:shade val="50000"/>
+            </a:schemeClr>
+          </a:lnRef>
+          <a:fillRef idx="1">
+            <a:schemeClr val="accent1"/>
+          </a:fillRef>
+          <a:effectRef idx="0">
+            <a:schemeClr val="accent1"/>
+          </a:effectRef>
+          <a:fontRef idx="minor">
+            <a:schemeClr val="lt1"/>
+          </a:fontRef>
+        </p:style>
+        <p:txBody>
+          <a:bodyPr rtlCol="0" anchor="ctr"/>
+          <a:lstStyle/>
+          <a:p>
+            <a:pPr algn="ctr"/>
+            <a:r>
+              <a:rPr lang="en-US" dirty="0">
+                <a:solidFill>
+                  <a:schemeClr val="tx1"/>
+                </a:solidFill>
+              </a:rPr>
+              <a:t>.</a:t>
+            </a:r>
+          </a:p>
+          <a:p>
+            <a:pPr algn="ctr"/>
+            <a:r>
+              <a:rPr lang="en-US" dirty="0">
+                <a:solidFill>
+                  <a:schemeClr val="tx1"/>
+                </a:solidFill>
+              </a:rPr>
+              <a:t>.</a:t>
+            </a:r>
+          </a:p>
+          <a:p>
+            <a:pPr algn="ctr"/>
+            <a:r>
+              <a:rPr lang="en-US" dirty="0">
+                <a:solidFill>
+                  <a:schemeClr val="tx1"/>
+                </a:solidFill>
+              </a:rPr>
+              <a:t>.</a:t>
+            </a:r>
+          </a:p>
+        </p:txBody>
+      </p:sp>
+      <p:sp>
+        <p:nvSpPr>
+          <p:cNvPr id="142" name="Rectangle 141">
+            <a:extLst>
+              <a:ext uri="{FF2B5EF4-FFF2-40B4-BE49-F238E27FC236}">
+                <a16:creationId xmlns:a16="http://schemas.microsoft.com/office/drawing/2014/main" id="{8F66CC9A-9643-408A-980A-FF3BC8FFACB5}"/>
+              </a:ext>
+            </a:extLst>
+          </p:cNvPr>
+          <p:cNvSpPr/>
+          <p:nvPr/>
+        </p:nvSpPr>
+        <p:spPr>
+          <a:xfrm>
+            <a:off x="8413274" y="3940557"/>
+            <a:ext cx="667287" cy="312577"/>
+          </a:xfrm>
+          <a:prstGeom prst="rect">
+            <a:avLst/>
+          </a:prstGeom>
+          <a:noFill/>
+        </p:spPr>
+        <p:style>
+          <a:lnRef idx="2">
+            <a:schemeClr val="accent1">
+              <a:shade val="50000"/>
+            </a:schemeClr>
+          </a:lnRef>
+          <a:fillRef idx="1">
+            <a:schemeClr val="accent1"/>
+          </a:fillRef>
+          <a:effectRef idx="0">
+            <a:schemeClr val="accent1"/>
+          </a:effectRef>
+          <a:fontRef idx="minor">
+            <a:schemeClr val="lt1"/>
+          </a:fontRef>
+        </p:style>
+        <p:txBody>
+          <a:bodyPr rtlCol="0" anchor="ctr"/>
+          <a:lstStyle/>
+          <a:p>
+            <a:pPr algn="ctr"/>
+            <a:endParaRPr lang="en-US"/>
+          </a:p>
+        </p:txBody>
+      </p:sp>
+      <p:sp>
+        <p:nvSpPr>
+          <p:cNvPr id="143" name="Rectangle 142">
+            <a:extLst>
+              <a:ext uri="{FF2B5EF4-FFF2-40B4-BE49-F238E27FC236}">
+                <a16:creationId xmlns:a16="http://schemas.microsoft.com/office/drawing/2014/main" id="{D5BA9B28-A05A-4CBB-94BC-44A41DEC559C}"/>
+              </a:ext>
+            </a:extLst>
+          </p:cNvPr>
+          <p:cNvSpPr/>
+          <p:nvPr/>
+        </p:nvSpPr>
+        <p:spPr>
+          <a:xfrm>
+            <a:off x="8856545" y="3031715"/>
+            <a:ext cx="1166326" cy="433304"/>
+          </a:xfrm>
+          <a:prstGeom prst="rect">
+            <a:avLst/>
+          </a:prstGeom>
+          <a:noFill/>
+          <a:ln>
+            <a:noFill/>
+          </a:ln>
+        </p:spPr>
+        <p:style>
+          <a:lnRef idx="2">
+            <a:schemeClr val="accent1">
+              <a:shade val="50000"/>
+            </a:schemeClr>
+          </a:lnRef>
+          <a:fillRef idx="1">
+            <a:schemeClr val="accent1"/>
+          </a:fillRef>
+          <a:effectRef idx="0">
+            <a:schemeClr val="accent1"/>
+          </a:effectRef>
+          <a:fontRef idx="minor">
+            <a:schemeClr val="lt1"/>
+          </a:fontRef>
+        </p:style>
+        <p:txBody>
+          <a:bodyPr rtlCol="0" anchor="ctr"/>
+          <a:lstStyle/>
+          <a:p>
+            <a:pPr algn="ctr"/>
+            <a:r>
+              <a:rPr lang="en-US" sz="3200" dirty="0">
+                <a:solidFill>
+                  <a:schemeClr val="tx1"/>
+                </a:solidFill>
+              </a:rPr>
+              <a:t>. . .</a:t>
+            </a:r>
+          </a:p>
+        </p:txBody>
+      </p:sp>
+      <p:sp>
+        <p:nvSpPr>
+          <p:cNvPr id="144" name="Rectangle 143">
+            <a:extLst>
+              <a:ext uri="{FF2B5EF4-FFF2-40B4-BE49-F238E27FC236}">
+                <a16:creationId xmlns:a16="http://schemas.microsoft.com/office/drawing/2014/main" id="{E8853EF3-4AE0-4EE7-A97C-F745026A1A85}"/>
+              </a:ext>
+            </a:extLst>
+          </p:cNvPr>
+          <p:cNvSpPr/>
+          <p:nvPr/>
+        </p:nvSpPr>
+        <p:spPr>
+          <a:xfrm>
+            <a:off x="9752596" y="2507901"/>
+            <a:ext cx="662474" cy="312576"/>
+          </a:xfrm>
+          <a:prstGeom prst="rect">
+            <a:avLst/>
+          </a:prstGeom>
+          <a:noFill/>
+        </p:spPr>
+        <p:style>
+          <a:lnRef idx="2">
+            <a:schemeClr val="accent1">
+              <a:shade val="50000"/>
+            </a:schemeClr>
+          </a:lnRef>
+          <a:fillRef idx="1">
+            <a:schemeClr val="accent1"/>
+          </a:fillRef>
+          <a:effectRef idx="0">
+            <a:schemeClr val="accent1"/>
+          </a:effectRef>
+          <a:fontRef idx="minor">
+            <a:schemeClr val="lt1"/>
+          </a:fontRef>
+        </p:style>
+        <p:txBody>
+          <a:bodyPr rtlCol="0" anchor="ctr"/>
+          <a:lstStyle/>
+          <a:p>
+            <a:pPr algn="ctr"/>
+            <a:endParaRPr lang="en-US"/>
+          </a:p>
+        </p:txBody>
+      </p:sp>
+      <p:sp>
+        <p:nvSpPr>
+          <p:cNvPr id="145" name="Rectangle 144">
+            <a:extLst>
+              <a:ext uri="{FF2B5EF4-FFF2-40B4-BE49-F238E27FC236}">
+                <a16:creationId xmlns:a16="http://schemas.microsoft.com/office/drawing/2014/main" id="{140E0CFB-E66F-47C5-8C33-403B875FE1D2}"/>
+              </a:ext>
+            </a:extLst>
+          </p:cNvPr>
+          <p:cNvSpPr/>
+          <p:nvPr/>
+        </p:nvSpPr>
+        <p:spPr>
+          <a:xfrm>
+            <a:off x="9752596" y="2819353"/>
+            <a:ext cx="662474" cy="312576"/>
+          </a:xfrm>
+          <a:prstGeom prst="rect">
+            <a:avLst/>
+          </a:prstGeom>
+          <a:noFill/>
+        </p:spPr>
+        <p:style>
+          <a:lnRef idx="2">
+            <a:schemeClr val="accent1">
+              <a:shade val="50000"/>
+            </a:schemeClr>
+          </a:lnRef>
+          <a:fillRef idx="1">
+            <a:schemeClr val="accent1"/>
+          </a:fillRef>
+          <a:effectRef idx="0">
+            <a:schemeClr val="accent1"/>
+          </a:effectRef>
+          <a:fontRef idx="minor">
+            <a:schemeClr val="lt1"/>
+          </a:fontRef>
+        </p:style>
+        <p:txBody>
+          <a:bodyPr rtlCol="0" anchor="ctr"/>
+          <a:lstStyle/>
+          <a:p>
+            <a:pPr algn="ctr"/>
+            <a:endParaRPr lang="en-US"/>
+          </a:p>
+        </p:txBody>
+      </p:sp>
+      <p:sp>
+        <p:nvSpPr>
+          <p:cNvPr id="146" name="Rectangle 145">
+            <a:extLst>
+              <a:ext uri="{FF2B5EF4-FFF2-40B4-BE49-F238E27FC236}">
+                <a16:creationId xmlns:a16="http://schemas.microsoft.com/office/drawing/2014/main" id="{214F36C8-6278-488F-A7AD-1927AA59027B}"/>
+              </a:ext>
+            </a:extLst>
+          </p:cNvPr>
+          <p:cNvSpPr/>
+          <p:nvPr/>
+        </p:nvSpPr>
+        <p:spPr>
+          <a:xfrm>
+            <a:off x="9752596" y="3130805"/>
+            <a:ext cx="662474" cy="791690"/>
+          </a:xfrm>
+          <a:prstGeom prst="rect">
+            <a:avLst/>
+          </a:prstGeom>
+          <a:noFill/>
+        </p:spPr>
+        <p:style>
+          <a:lnRef idx="2">
+            <a:schemeClr val="accent1">
+              <a:shade val="50000"/>
+            </a:schemeClr>
+          </a:lnRef>
+          <a:fillRef idx="1">
+            <a:schemeClr val="accent1"/>
+          </a:fillRef>
+          <a:effectRef idx="0">
+            <a:schemeClr val="accent1"/>
+          </a:effectRef>
+          <a:fontRef idx="minor">
+            <a:schemeClr val="lt1"/>
+          </a:fontRef>
+        </p:style>
+        <p:txBody>
+          <a:bodyPr rtlCol="0" anchor="ctr"/>
+          <a:lstStyle/>
+          <a:p>
+            <a:pPr algn="ctr"/>
+            <a:r>
+              <a:rPr lang="en-US" dirty="0">
+                <a:solidFill>
+                  <a:schemeClr val="tx1"/>
+                </a:solidFill>
+              </a:rPr>
+              <a:t>.</a:t>
+            </a:r>
+          </a:p>
+          <a:p>
+            <a:pPr algn="ctr"/>
+            <a:r>
+              <a:rPr lang="en-US" dirty="0">
+                <a:solidFill>
+                  <a:schemeClr val="tx1"/>
+                </a:solidFill>
+              </a:rPr>
+              <a:t>.</a:t>
+            </a:r>
+          </a:p>
+          <a:p>
+            <a:pPr algn="ctr"/>
+            <a:r>
+              <a:rPr lang="en-US" dirty="0">
+                <a:solidFill>
+                  <a:schemeClr val="tx1"/>
+                </a:solidFill>
+              </a:rPr>
+              <a:t>.</a:t>
+            </a:r>
+          </a:p>
+        </p:txBody>
+      </p:sp>
+      <p:sp>
+        <p:nvSpPr>
+          <p:cNvPr id="147" name="Rectangle 146">
+            <a:extLst>
+              <a:ext uri="{FF2B5EF4-FFF2-40B4-BE49-F238E27FC236}">
+                <a16:creationId xmlns:a16="http://schemas.microsoft.com/office/drawing/2014/main" id="{1FFDF0E9-A1E7-44AE-BDD3-65CCF9064125}"/>
+              </a:ext>
+            </a:extLst>
+          </p:cNvPr>
+          <p:cNvSpPr/>
+          <p:nvPr/>
+        </p:nvSpPr>
+        <p:spPr>
+          <a:xfrm>
+            <a:off x="9757408" y="3921371"/>
+            <a:ext cx="657662" cy="312576"/>
+          </a:xfrm>
+          <a:prstGeom prst="rect">
+            <a:avLst/>
+          </a:prstGeom>
+          <a:noFill/>
+        </p:spPr>
+        <p:style>
+          <a:lnRef idx="2">
+            <a:schemeClr val="accent1">
+              <a:shade val="50000"/>
+            </a:schemeClr>
+          </a:lnRef>
+          <a:fillRef idx="1">
+            <a:schemeClr val="accent1"/>
+          </a:fillRef>
+          <a:effectRef idx="0">
+            <a:schemeClr val="accent1"/>
+          </a:effectRef>
+          <a:fontRef idx="minor">
+            <a:schemeClr val="lt1"/>
+          </a:fontRef>
+        </p:style>
+        <p:txBody>
+          <a:bodyPr rtlCol="0" anchor="ctr"/>
+          <a:lstStyle/>
+          <a:p>
+            <a:pPr algn="ctr"/>
+            <a:endParaRPr lang="en-US"/>
+          </a:p>
+        </p:txBody>
+      </p:sp>
+      <p:sp>
+        <p:nvSpPr>
           <p:cNvPr id="148" name="Right Brace 147">
             <a:extLst>
               <a:ext uri="{FF2B5EF4-FFF2-40B4-BE49-F238E27FC236}">
@@ -19422,8 +22368,8 @@
         </p:nvSpPr>
         <p:spPr>
           <a:xfrm>
-            <a:off x="8097174" y="4898820"/>
-            <a:ext cx="2002728" cy="369332"/>
+            <a:off x="8151766" y="4898820"/>
+            <a:ext cx="1760354" cy="369332"/>
           </a:xfrm>
           <a:prstGeom prst="rect">
             <a:avLst/>
@@ -19438,7 +22384,7 @@
           <a:p>
             <a:r>
               <a:rPr lang="en-US" dirty="0"/>
-              <a:t>64 Filters (features)</a:t>
+              <a:t>64 Feature Maps</a:t>
             </a:r>
           </a:p>
         </p:txBody>
@@ -19732,7 +22678,7 @@
         </p:nvSpPr>
         <p:spPr>
           <a:xfrm>
-            <a:off x="3810661" y="1505843"/>
+            <a:off x="3955294" y="1456944"/>
             <a:ext cx="1413336" cy="369332"/>
           </a:xfrm>
           <a:prstGeom prst="rect">
@@ -19868,16 +22814,14 @@
       </p:sp>
       <p:pic>
         <p:nvPicPr>
-          <p:cNvPr id="2" name="Picture 1">
-            <a:extLst>
-              <a:ext uri="{FF2B5EF4-FFF2-40B4-BE49-F238E27FC236}">
-                <a16:creationId xmlns:a16="http://schemas.microsoft.com/office/drawing/2014/main" id="{E0BBB384-C6A5-4702-8590-051B363E5329}"/>
-              </a:ext>
-            </a:extLst>
-          </p:cNvPr>
-          <p:cNvPicPr>
-            <a:picLocks noChangeAspect="1"/>
-          </p:cNvPicPr>
+          <p:cNvPr id="5" name="Picture 4">
+            <a:extLst>
+              <a:ext uri="{FF2B5EF4-FFF2-40B4-BE49-F238E27FC236}">
+                <a16:creationId xmlns:a16="http://schemas.microsoft.com/office/drawing/2014/main" id="{908C7F64-43FE-414B-AA88-3DE0E4D7FD56}"/>
+              </a:ext>
+            </a:extLst>
+          </p:cNvPr>
+          <p:cNvPicPr/>
           <p:nvPr/>
         </p:nvPicPr>
         <p:blipFill>
@@ -19888,8 +22832,8 @@
         </p:blipFill>
         <p:spPr>
           <a:xfrm>
-            <a:off x="955630" y="671792"/>
-            <a:ext cx="10073153" cy="5971604"/>
+            <a:off x="1350628" y="763398"/>
+            <a:ext cx="8934275" cy="5738070"/>
           </a:xfrm>
           <a:prstGeom prst="rect">
             <a:avLst/>
@@ -21062,7 +24006,7 @@
           <a:p>
             <a:r>
               <a:rPr lang="en-US" sz="1400" dirty="0"/>
-              <a:t>Filters = 128</a:t>
+              <a:t>Filters = 256</a:t>
             </a:r>
           </a:p>
           <a:p>

--- a/CapstoneP2/ReportOuts/ModelApproachSensorTimeSeriesData.pptx
+++ b/CapstoneP2/ReportOuts/ModelApproachSensorTimeSeriesData.pptx
@@ -273,7 +273,7 @@
           <a:p>
             <a:fld id="{41700D12-4FA1-4E13-9BF0-A2DB108FDA70}" type="datetimeFigureOut">
               <a:rPr lang="en-US" smtClean="0"/>
-              <a:t>2/16/2020</a:t>
+              <a:t>2/18/2020</a:t>
             </a:fld>
             <a:endParaRPr lang="en-US"/>
           </a:p>
@@ -471,7 +471,7 @@
           <a:p>
             <a:fld id="{41700D12-4FA1-4E13-9BF0-A2DB108FDA70}" type="datetimeFigureOut">
               <a:rPr lang="en-US" smtClean="0"/>
-              <a:t>2/16/2020</a:t>
+              <a:t>2/18/2020</a:t>
             </a:fld>
             <a:endParaRPr lang="en-US"/>
           </a:p>
@@ -679,7 +679,7 @@
           <a:p>
             <a:fld id="{41700D12-4FA1-4E13-9BF0-A2DB108FDA70}" type="datetimeFigureOut">
               <a:rPr lang="en-US" smtClean="0"/>
-              <a:t>2/16/2020</a:t>
+              <a:t>2/18/2020</a:t>
             </a:fld>
             <a:endParaRPr lang="en-US"/>
           </a:p>
@@ -877,7 +877,7 @@
           <a:p>
             <a:fld id="{41700D12-4FA1-4E13-9BF0-A2DB108FDA70}" type="datetimeFigureOut">
               <a:rPr lang="en-US" smtClean="0"/>
-              <a:t>2/16/2020</a:t>
+              <a:t>2/18/2020</a:t>
             </a:fld>
             <a:endParaRPr lang="en-US"/>
           </a:p>
@@ -1152,7 +1152,7 @@
           <a:p>
             <a:fld id="{41700D12-4FA1-4E13-9BF0-A2DB108FDA70}" type="datetimeFigureOut">
               <a:rPr lang="en-US" smtClean="0"/>
-              <a:t>2/16/2020</a:t>
+              <a:t>2/18/2020</a:t>
             </a:fld>
             <a:endParaRPr lang="en-US"/>
           </a:p>
@@ -1417,7 +1417,7 @@
           <a:p>
             <a:fld id="{41700D12-4FA1-4E13-9BF0-A2DB108FDA70}" type="datetimeFigureOut">
               <a:rPr lang="en-US" smtClean="0"/>
-              <a:t>2/16/2020</a:t>
+              <a:t>2/18/2020</a:t>
             </a:fld>
             <a:endParaRPr lang="en-US"/>
           </a:p>
@@ -1829,7 +1829,7 @@
           <a:p>
             <a:fld id="{41700D12-4FA1-4E13-9BF0-A2DB108FDA70}" type="datetimeFigureOut">
               <a:rPr lang="en-US" smtClean="0"/>
-              <a:t>2/16/2020</a:t>
+              <a:t>2/18/2020</a:t>
             </a:fld>
             <a:endParaRPr lang="en-US"/>
           </a:p>
@@ -1970,7 +1970,7 @@
           <a:p>
             <a:fld id="{41700D12-4FA1-4E13-9BF0-A2DB108FDA70}" type="datetimeFigureOut">
               <a:rPr lang="en-US" smtClean="0"/>
-              <a:t>2/16/2020</a:t>
+              <a:t>2/18/2020</a:t>
             </a:fld>
             <a:endParaRPr lang="en-US"/>
           </a:p>
@@ -2083,7 +2083,7 @@
           <a:p>
             <a:fld id="{41700D12-4FA1-4E13-9BF0-A2DB108FDA70}" type="datetimeFigureOut">
               <a:rPr lang="en-US" smtClean="0"/>
-              <a:t>2/16/2020</a:t>
+              <a:t>2/18/2020</a:t>
             </a:fld>
             <a:endParaRPr lang="en-US"/>
           </a:p>
@@ -2394,7 +2394,7 @@
           <a:p>
             <a:fld id="{41700D12-4FA1-4E13-9BF0-A2DB108FDA70}" type="datetimeFigureOut">
               <a:rPr lang="en-US" smtClean="0"/>
-              <a:t>2/16/2020</a:t>
+              <a:t>2/18/2020</a:t>
             </a:fld>
             <a:endParaRPr lang="en-US"/>
           </a:p>
@@ -2682,7 +2682,7 @@
           <a:p>
             <a:fld id="{41700D12-4FA1-4E13-9BF0-A2DB108FDA70}" type="datetimeFigureOut">
               <a:rPr lang="en-US" smtClean="0"/>
-              <a:t>2/16/2020</a:t>
+              <a:t>2/18/2020</a:t>
             </a:fld>
             <a:endParaRPr lang="en-US"/>
           </a:p>
@@ -2923,7 +2923,7 @@
           <a:p>
             <a:fld id="{41700D12-4FA1-4E13-9BF0-A2DB108FDA70}" type="datetimeFigureOut">
               <a:rPr lang="en-US" smtClean="0"/>
-              <a:t>2/16/2020</a:t>
+              <a:t>2/18/2020</a:t>
             </a:fld>
             <a:endParaRPr lang="en-US"/>
           </a:p>
@@ -4247,7 +4247,7 @@
         </p:nvSpPr>
         <p:spPr>
           <a:xfrm>
-            <a:off x="1261508" y="4022544"/>
+            <a:off x="682667" y="4022544"/>
             <a:ext cx="391886" cy="2202025"/>
           </a:xfrm>
           <a:prstGeom prst="rect">
@@ -4293,7 +4293,7 @@
         </p:nvSpPr>
         <p:spPr>
           <a:xfrm>
-            <a:off x="2931686" y="4022543"/>
+            <a:off x="2352845" y="4022543"/>
             <a:ext cx="391886" cy="2202025"/>
           </a:xfrm>
           <a:prstGeom prst="rect">
@@ -4339,7 +4339,7 @@
         </p:nvSpPr>
         <p:spPr>
           <a:xfrm>
-            <a:off x="2325709" y="4022543"/>
+            <a:off x="1746868" y="4022543"/>
             <a:ext cx="391886" cy="2202025"/>
           </a:xfrm>
           <a:prstGeom prst="rect">
@@ -4385,7 +4385,7 @@
         </p:nvSpPr>
         <p:spPr>
           <a:xfrm>
-            <a:off x="3570831" y="4022543"/>
+            <a:off x="2991990" y="4022543"/>
             <a:ext cx="391886" cy="2202025"/>
           </a:xfrm>
           <a:prstGeom prst="rect">
@@ -4431,7 +4431,7 @@
         </p:nvSpPr>
         <p:spPr>
           <a:xfrm>
-            <a:off x="1678403" y="4698237"/>
+            <a:off x="1099562" y="4698237"/>
             <a:ext cx="622286" cy="523220"/>
           </a:xfrm>
           <a:prstGeom prst="rect">
@@ -4466,7 +4466,7 @@
         </p:nvSpPr>
         <p:spPr>
           <a:xfrm>
-            <a:off x="3556837" y="3634550"/>
+            <a:off x="2977996" y="3634550"/>
             <a:ext cx="367408" cy="369332"/>
           </a:xfrm>
           <a:prstGeom prst="rect">
@@ -4505,7 +4505,7 @@
         </p:nvSpPr>
         <p:spPr>
           <a:xfrm>
-            <a:off x="2962010" y="3634549"/>
+            <a:off x="2383169" y="3634549"/>
             <a:ext cx="367408" cy="369332"/>
           </a:xfrm>
           <a:prstGeom prst="rect">
@@ -4544,7 +4544,7 @@
         </p:nvSpPr>
         <p:spPr>
           <a:xfrm>
-            <a:off x="2365898" y="3634549"/>
+            <a:off x="1787057" y="3634549"/>
             <a:ext cx="367408" cy="369332"/>
           </a:xfrm>
           <a:prstGeom prst="rect">
@@ -4584,7 +4584,7 @@
         </p:nvSpPr>
         <p:spPr>
           <a:xfrm>
-            <a:off x="1261508" y="3634550"/>
+            <a:off x="682667" y="3634550"/>
             <a:ext cx="369012" cy="369332"/>
           </a:xfrm>
           <a:prstGeom prst="rect">
@@ -4623,7 +4623,7 @@
         </p:nvSpPr>
         <p:spPr>
           <a:xfrm>
-            <a:off x="4116675" y="4842855"/>
+            <a:off x="3537834" y="4842855"/>
             <a:ext cx="541519" cy="419879"/>
           </a:xfrm>
           <a:prstGeom prst="rightArrow">
@@ -4675,7 +4675,7 @@
         </p:nvSpPr>
         <p:spPr>
           <a:xfrm>
-            <a:off x="9463511" y="4871518"/>
+            <a:off x="9580957" y="4871518"/>
             <a:ext cx="541519" cy="419879"/>
           </a:xfrm>
           <a:prstGeom prst="rightArrow">
@@ -4727,7 +4727,7 @@
         </p:nvSpPr>
         <p:spPr>
           <a:xfrm>
-            <a:off x="10100953" y="4701547"/>
+            <a:off x="10218399" y="4701547"/>
             <a:ext cx="915844" cy="759823"/>
           </a:xfrm>
           <a:prstGeom prst="rect">
@@ -4776,7 +4776,7 @@
         </p:nvSpPr>
         <p:spPr>
           <a:xfrm>
-            <a:off x="5109296" y="3266589"/>
+            <a:off x="5046712" y="3265579"/>
             <a:ext cx="3977820" cy="369332"/>
           </a:xfrm>
           <a:prstGeom prst="rect">
@@ -4811,7 +4811,7 @@
         </p:nvSpPr>
         <p:spPr>
           <a:xfrm>
-            <a:off x="1808307" y="3240529"/>
+            <a:off x="1229466" y="3240529"/>
             <a:ext cx="1818575" cy="369332"/>
           </a:xfrm>
           <a:prstGeom prst="rect">
@@ -4846,7 +4846,7 @@
         </p:nvSpPr>
         <p:spPr>
           <a:xfrm rot="5400000">
-            <a:off x="2526228" y="5054664"/>
+            <a:off x="1947387" y="5054664"/>
             <a:ext cx="178101" cy="2694873"/>
           </a:xfrm>
           <a:prstGeom prst="rightBrace">
@@ -4893,7 +4893,7 @@
         </p:nvSpPr>
         <p:spPr>
           <a:xfrm>
-            <a:off x="2010516" y="6458705"/>
+            <a:off x="1489347" y="6450506"/>
             <a:ext cx="1276888" cy="369332"/>
           </a:xfrm>
           <a:prstGeom prst="rect">
@@ -4998,7 +4998,7 @@
         </p:nvSpPr>
         <p:spPr>
           <a:xfrm>
-            <a:off x="9291988" y="3300205"/>
+            <a:off x="9400622" y="3322807"/>
             <a:ext cx="1997663" cy="307777"/>
           </a:xfrm>
           <a:prstGeom prst="rect">
@@ -5093,7 +5093,7 @@
         </p:nvSpPr>
         <p:spPr>
           <a:xfrm>
-            <a:off x="4819921" y="3630584"/>
+            <a:off x="4241080" y="3630584"/>
             <a:ext cx="443056" cy="2873828"/>
           </a:xfrm>
           <a:prstGeom prst="rect">
@@ -5144,7 +5144,7 @@
         </p:nvSpPr>
         <p:spPr>
           <a:xfrm>
-            <a:off x="5476445" y="3630584"/>
+            <a:off x="4897604" y="3630584"/>
             <a:ext cx="443056" cy="2873828"/>
           </a:xfrm>
           <a:prstGeom prst="rect">
@@ -5195,7 +5195,7 @@
         </p:nvSpPr>
         <p:spPr>
           <a:xfrm>
-            <a:off x="6174278" y="3630584"/>
+            <a:off x="5595437" y="3630584"/>
             <a:ext cx="443056" cy="2873828"/>
           </a:xfrm>
           <a:prstGeom prst="rect">
@@ -5246,7 +5246,7 @@
         </p:nvSpPr>
         <p:spPr>
           <a:xfrm>
-            <a:off x="6853724" y="3630584"/>
+            <a:off x="6274883" y="3630584"/>
             <a:ext cx="443056" cy="2873828"/>
           </a:xfrm>
           <a:prstGeom prst="rect">
@@ -5297,7 +5297,7 @@
         </p:nvSpPr>
         <p:spPr>
           <a:xfrm>
-            <a:off x="7510248" y="3630584"/>
+            <a:off x="6931407" y="3630584"/>
             <a:ext cx="443056" cy="2873828"/>
           </a:xfrm>
           <a:prstGeom prst="rect">
@@ -5348,7 +5348,7 @@
         </p:nvSpPr>
         <p:spPr>
           <a:xfrm>
-            <a:off x="8208081" y="3630584"/>
+            <a:off x="7629240" y="3630584"/>
             <a:ext cx="443056" cy="2873828"/>
           </a:xfrm>
           <a:prstGeom prst="rect">
@@ -5399,7 +5399,7 @@
         </p:nvSpPr>
         <p:spPr>
           <a:xfrm rot="16200000">
-            <a:off x="4361014" y="4864168"/>
+            <a:off x="3782173" y="4864168"/>
             <a:ext cx="1320041" cy="369332"/>
           </a:xfrm>
           <a:prstGeom prst="rect">
@@ -5434,7 +5434,7 @@
         </p:nvSpPr>
         <p:spPr>
           <a:xfrm rot="16200000">
-            <a:off x="6398045" y="4864167"/>
+            <a:off x="5819204" y="4864167"/>
             <a:ext cx="1320041" cy="369332"/>
           </a:xfrm>
           <a:prstGeom prst="rect">
@@ -5469,7 +5469,7 @@
         </p:nvSpPr>
         <p:spPr>
           <a:xfrm rot="16200000">
-            <a:off x="5356686" y="4864167"/>
+            <a:off x="4777845" y="4864167"/>
             <a:ext cx="640688" cy="369332"/>
           </a:xfrm>
           <a:prstGeom prst="rect">
@@ -5504,7 +5504,7 @@
         </p:nvSpPr>
         <p:spPr>
           <a:xfrm rot="16200000">
-            <a:off x="7415879" y="4864167"/>
+            <a:off x="6837038" y="4864167"/>
             <a:ext cx="640688" cy="369332"/>
           </a:xfrm>
           <a:prstGeom prst="rect">
@@ -5539,7 +5539,7 @@
         </p:nvSpPr>
         <p:spPr>
           <a:xfrm rot="16200000">
-            <a:off x="5955518" y="4864165"/>
+            <a:off x="5376677" y="4864165"/>
             <a:ext cx="878959" cy="369332"/>
           </a:xfrm>
           <a:prstGeom prst="rect">
@@ -5574,7 +5574,7 @@
         </p:nvSpPr>
         <p:spPr>
           <a:xfrm rot="16200000">
-            <a:off x="7990129" y="4864166"/>
+            <a:off x="7411288" y="4864166"/>
             <a:ext cx="878959" cy="369332"/>
           </a:xfrm>
           <a:prstGeom prst="rect">
@@ -5609,7 +5609,7 @@
         </p:nvSpPr>
         <p:spPr>
           <a:xfrm>
-            <a:off x="8884406" y="3630584"/>
+            <a:off x="8305565" y="3630584"/>
             <a:ext cx="443056" cy="2873828"/>
           </a:xfrm>
           <a:prstGeom prst="rect">
@@ -5661,8 +5661,8 @@
         </p:nvSpPr>
         <p:spPr>
           <a:xfrm rot="16200000">
-            <a:off x="8721053" y="4881392"/>
-            <a:ext cx="769763" cy="369332"/>
+            <a:off x="8108485" y="4881392"/>
+            <a:ext cx="837217" cy="369332"/>
           </a:xfrm>
           <a:prstGeom prst="rect">
             <a:avLst/>
@@ -5677,7 +5677,94 @@
           <a:p>
             <a:r>
               <a:rPr lang="en-US" dirty="0"/>
-              <a:t>Dense</a:t>
+              <a:t>Flatten</a:t>
+            </a:r>
+          </a:p>
+        </p:txBody>
+      </p:sp>
+      <p:sp>
+        <p:nvSpPr>
+          <p:cNvPr id="49" name="Rectangle 48">
+            <a:extLst>
+              <a:ext uri="{FF2B5EF4-FFF2-40B4-BE49-F238E27FC236}">
+                <a16:creationId xmlns:a16="http://schemas.microsoft.com/office/drawing/2014/main" id="{F0CD8E00-6DAA-4DE2-89FC-865BFCAD2E81}"/>
+              </a:ext>
+            </a:extLst>
+          </p:cNvPr>
+          <p:cNvSpPr/>
+          <p:nvPr/>
+        </p:nvSpPr>
+        <p:spPr>
+          <a:xfrm>
+            <a:off x="8978482" y="3646608"/>
+            <a:ext cx="443056" cy="2873828"/>
+          </a:xfrm>
+          <a:prstGeom prst="rect">
+            <a:avLst/>
+          </a:prstGeom>
+          <a:noFill/>
+          <a:ln>
+            <a:solidFill>
+              <a:schemeClr val="tx1"/>
+            </a:solidFill>
+          </a:ln>
+        </p:spPr>
+        <p:style>
+          <a:lnRef idx="2">
+            <a:schemeClr val="accent1">
+              <a:shade val="50000"/>
+            </a:schemeClr>
+          </a:lnRef>
+          <a:fillRef idx="1">
+            <a:schemeClr val="accent1"/>
+          </a:fillRef>
+          <a:effectRef idx="0">
+            <a:schemeClr val="accent1"/>
+          </a:effectRef>
+          <a:fontRef idx="minor">
+            <a:schemeClr val="lt1"/>
+          </a:fontRef>
+        </p:style>
+        <p:txBody>
+          <a:bodyPr rtlCol="0" anchor="ctr"/>
+          <a:lstStyle/>
+          <a:p>
+            <a:pPr algn="ctr"/>
+            <a:endParaRPr lang="en-US"/>
+          </a:p>
+        </p:txBody>
+      </p:sp>
+      <p:sp>
+        <p:nvSpPr>
+          <p:cNvPr id="50" name="TextBox 49">
+            <a:extLst>
+              <a:ext uri="{FF2B5EF4-FFF2-40B4-BE49-F238E27FC236}">
+                <a16:creationId xmlns:a16="http://schemas.microsoft.com/office/drawing/2014/main" id="{EBDFA63F-B71E-4255-B207-F363ED23B521}"/>
+              </a:ext>
+            </a:extLst>
+          </p:cNvPr>
+          <p:cNvSpPr txBox="1"/>
+          <p:nvPr/>
+        </p:nvSpPr>
+        <p:spPr>
+          <a:xfrm rot="16200000">
+            <a:off x="8497350" y="4897416"/>
+            <a:ext cx="1405321" cy="369332"/>
+          </a:xfrm>
+          <a:prstGeom prst="rect">
+            <a:avLst/>
+          </a:prstGeom>
+          <a:noFill/>
+        </p:spPr>
+        <p:txBody>
+          <a:bodyPr wrap="none" rtlCol="0">
+            <a:spAutoFit/>
+          </a:bodyPr>
+          <a:lstStyle/>
+          <a:p>
+            <a:r>
+              <a:rPr lang="en-US" dirty="0"/>
+              <a:t>Classification</a:t>
             </a:r>
           </a:p>
         </p:txBody>
@@ -9227,7 +9314,7 @@
         </p:nvGrpSpPr>
         <p:grpSpPr>
           <a:xfrm>
-            <a:off x="2522370" y="1621749"/>
+            <a:off x="2270700" y="1621749"/>
             <a:ext cx="462786" cy="2873828"/>
             <a:chOff x="3144670" y="1621749"/>
             <a:chExt cx="462786" cy="2873828"/>
@@ -9334,7 +9421,7 @@
         </p:nvGrpSpPr>
         <p:grpSpPr>
           <a:xfrm>
-            <a:off x="4551809" y="1627768"/>
+            <a:off x="4300139" y="1627768"/>
             <a:ext cx="462786" cy="2873828"/>
             <a:chOff x="5174109" y="1627768"/>
             <a:chExt cx="462786" cy="2873828"/>
@@ -9441,7 +9528,7 @@
         </p:nvGrpSpPr>
         <p:grpSpPr>
           <a:xfrm>
-            <a:off x="3174530" y="1627768"/>
+            <a:off x="2922860" y="1627768"/>
             <a:ext cx="462786" cy="2873828"/>
             <a:chOff x="3796830" y="1627768"/>
             <a:chExt cx="462786" cy="2873828"/>
@@ -9548,7 +9635,7 @@
         </p:nvGrpSpPr>
         <p:grpSpPr>
           <a:xfrm>
-            <a:off x="5208333" y="1627768"/>
+            <a:off x="4956663" y="1627768"/>
             <a:ext cx="462786" cy="2873828"/>
             <a:chOff x="5830633" y="1627768"/>
             <a:chExt cx="462786" cy="2873828"/>
@@ -9655,7 +9742,7 @@
         </p:nvGrpSpPr>
         <p:grpSpPr>
           <a:xfrm>
-            <a:off x="3872363" y="1627768"/>
+            <a:off x="3620693" y="1627768"/>
             <a:ext cx="462786" cy="2873828"/>
             <a:chOff x="4494663" y="1627768"/>
             <a:chExt cx="462786" cy="2873828"/>
@@ -9762,7 +9849,7 @@
         </p:nvGrpSpPr>
         <p:grpSpPr>
           <a:xfrm>
-            <a:off x="5906166" y="1627768"/>
+            <a:off x="5654496" y="1627768"/>
             <a:ext cx="462786" cy="2873828"/>
             <a:chOff x="6528466" y="1627768"/>
             <a:chExt cx="462786" cy="2873828"/>
@@ -9917,7 +10004,7 @@
         </p:nvSpPr>
         <p:spPr>
           <a:xfrm>
-            <a:off x="2485843" y="989521"/>
+            <a:off x="2311229" y="977483"/>
             <a:ext cx="3977820" cy="369332"/>
           </a:xfrm>
           <a:prstGeom prst="rect">
@@ -10532,6 +10619,93 @@
           <a:p>
             <a:pPr algn="ctr"/>
             <a:endParaRPr lang="en-US"/>
+          </a:p>
+        </p:txBody>
+      </p:sp>
+      <p:sp>
+        <p:nvSpPr>
+          <p:cNvPr id="35" name="Rectangle 34">
+            <a:extLst>
+              <a:ext uri="{FF2B5EF4-FFF2-40B4-BE49-F238E27FC236}">
+                <a16:creationId xmlns:a16="http://schemas.microsoft.com/office/drawing/2014/main" id="{6F63BF09-7022-420F-A9B5-10AAF8463326}"/>
+              </a:ext>
+            </a:extLst>
+          </p:cNvPr>
+          <p:cNvSpPr/>
+          <p:nvPr/>
+        </p:nvSpPr>
+        <p:spPr>
+          <a:xfrm>
+            <a:off x="6327983" y="1621749"/>
+            <a:ext cx="443056" cy="2873828"/>
+          </a:xfrm>
+          <a:prstGeom prst="rect">
+            <a:avLst/>
+          </a:prstGeom>
+          <a:noFill/>
+          <a:ln>
+            <a:solidFill>
+              <a:schemeClr val="tx1"/>
+            </a:solidFill>
+          </a:ln>
+        </p:spPr>
+        <p:style>
+          <a:lnRef idx="2">
+            <a:schemeClr val="accent1">
+              <a:shade val="50000"/>
+            </a:schemeClr>
+          </a:lnRef>
+          <a:fillRef idx="1">
+            <a:schemeClr val="accent1"/>
+          </a:fillRef>
+          <a:effectRef idx="0">
+            <a:schemeClr val="accent1"/>
+          </a:effectRef>
+          <a:fontRef idx="minor">
+            <a:schemeClr val="lt1"/>
+          </a:fontRef>
+        </p:style>
+        <p:txBody>
+          <a:bodyPr rtlCol="0" anchor="ctr"/>
+          <a:lstStyle/>
+          <a:p>
+            <a:pPr algn="ctr"/>
+            <a:endParaRPr lang="en-US" dirty="0"/>
+          </a:p>
+        </p:txBody>
+      </p:sp>
+      <p:sp>
+        <p:nvSpPr>
+          <p:cNvPr id="37" name="TextBox 36">
+            <a:extLst>
+              <a:ext uri="{FF2B5EF4-FFF2-40B4-BE49-F238E27FC236}">
+                <a16:creationId xmlns:a16="http://schemas.microsoft.com/office/drawing/2014/main" id="{E7654377-F53E-47AF-8310-A6C31ED0FEB4}"/>
+              </a:ext>
+            </a:extLst>
+          </p:cNvPr>
+          <p:cNvSpPr txBox="1"/>
+          <p:nvPr/>
+        </p:nvSpPr>
+        <p:spPr>
+          <a:xfrm rot="16200000">
+            <a:off x="6112396" y="2873996"/>
+            <a:ext cx="878959" cy="369332"/>
+          </a:xfrm>
+          <a:prstGeom prst="rect">
+            <a:avLst/>
+          </a:prstGeom>
+          <a:noFill/>
+        </p:spPr>
+        <p:txBody>
+          <a:bodyPr wrap="square" rtlCol="0">
+            <a:spAutoFit/>
+          </a:bodyPr>
+          <a:lstStyle/>
+          <a:p>
+            <a:r>
+              <a:rPr lang="en-US" dirty="0"/>
+              <a:t>Flatten</a:t>
+            </a:r>
           </a:p>
         </p:txBody>
       </p:sp>
@@ -12182,10 +12356,10 @@
       </p:sp>
       <p:pic>
         <p:nvPicPr>
-          <p:cNvPr id="4" name="Picture 3">
-            <a:extLst>
-              <a:ext uri="{FF2B5EF4-FFF2-40B4-BE49-F238E27FC236}">
-                <a16:creationId xmlns:a16="http://schemas.microsoft.com/office/drawing/2014/main" id="{9C3D595C-01EF-41C3-8613-24ACFAA2A181}"/>
+          <p:cNvPr id="5" name="Picture 4">
+            <a:extLst>
+              <a:ext uri="{FF2B5EF4-FFF2-40B4-BE49-F238E27FC236}">
+                <a16:creationId xmlns:a16="http://schemas.microsoft.com/office/drawing/2014/main" id="{0627DF0A-1F15-4C15-B6D2-CBE1912AEFD8}"/>
               </a:ext>
             </a:extLst>
           </p:cNvPr>
@@ -12200,8 +12374,8 @@
         </p:blipFill>
         <p:spPr>
           <a:xfrm>
-            <a:off x="2267337" y="1268963"/>
-            <a:ext cx="7417837" cy="4711959"/>
+            <a:off x="1707502" y="1031032"/>
+            <a:ext cx="9069355" cy="4795935"/>
           </a:xfrm>
           <a:prstGeom prst="rect">
             <a:avLst/>
@@ -22919,7 +23093,7 @@
         </p:nvSpPr>
         <p:spPr>
           <a:xfrm>
-            <a:off x="3160036" y="1627768"/>
+            <a:off x="3352983" y="1627768"/>
             <a:ext cx="443056" cy="2873828"/>
           </a:xfrm>
           <a:prstGeom prst="rect">
@@ -22970,7 +23144,7 @@
         </p:nvSpPr>
         <p:spPr>
           <a:xfrm>
-            <a:off x="3816560" y="1627768"/>
+            <a:off x="4009507" y="1627768"/>
             <a:ext cx="443056" cy="2873828"/>
           </a:xfrm>
           <a:prstGeom prst="rect">
@@ -23021,7 +23195,7 @@
         </p:nvSpPr>
         <p:spPr>
           <a:xfrm>
-            <a:off x="4514393" y="1627768"/>
+            <a:off x="4707340" y="1627768"/>
             <a:ext cx="443056" cy="2873828"/>
           </a:xfrm>
           <a:prstGeom prst="rect">
@@ -23072,7 +23246,7 @@
         </p:nvSpPr>
         <p:spPr>
           <a:xfrm>
-            <a:off x="5193839" y="1627768"/>
+            <a:off x="5386786" y="1627768"/>
             <a:ext cx="443056" cy="2873828"/>
           </a:xfrm>
           <a:prstGeom prst="rect">
@@ -23123,7 +23297,7 @@
         </p:nvSpPr>
         <p:spPr>
           <a:xfrm>
-            <a:off x="5850363" y="1627768"/>
+            <a:off x="6043310" y="1627768"/>
             <a:ext cx="443056" cy="2873828"/>
           </a:xfrm>
           <a:prstGeom prst="rect">
@@ -23174,7 +23348,7 @@
         </p:nvSpPr>
         <p:spPr>
           <a:xfrm>
-            <a:off x="6548196" y="1627768"/>
+            <a:off x="6741143" y="1627768"/>
             <a:ext cx="443056" cy="2873828"/>
           </a:xfrm>
           <a:prstGeom prst="rect">
@@ -23225,7 +23399,7 @@
         </p:nvSpPr>
         <p:spPr>
           <a:xfrm rot="16200000">
-            <a:off x="2701129" y="2861352"/>
+            <a:off x="2894076" y="2861352"/>
             <a:ext cx="1320041" cy="369332"/>
           </a:xfrm>
           <a:prstGeom prst="rect">
@@ -23260,7 +23434,7 @@
         </p:nvSpPr>
         <p:spPr>
           <a:xfrm rot="16200000">
-            <a:off x="4738160" y="2861351"/>
+            <a:off x="4931107" y="2861351"/>
             <a:ext cx="1320041" cy="369332"/>
           </a:xfrm>
           <a:prstGeom prst="rect">
@@ -23295,7 +23469,7 @@
         </p:nvSpPr>
         <p:spPr>
           <a:xfrm rot="16200000">
-            <a:off x="3696801" y="2861351"/>
+            <a:off x="3889748" y="2861351"/>
             <a:ext cx="640688" cy="369332"/>
           </a:xfrm>
           <a:prstGeom prst="rect">
@@ -23330,7 +23504,7 @@
         </p:nvSpPr>
         <p:spPr>
           <a:xfrm rot="16200000">
-            <a:off x="5755994" y="2861351"/>
+            <a:off x="5948941" y="2861351"/>
             <a:ext cx="640688" cy="369332"/>
           </a:xfrm>
           <a:prstGeom prst="rect">
@@ -23365,7 +23539,7 @@
         </p:nvSpPr>
         <p:spPr>
           <a:xfrm rot="16200000">
-            <a:off x="4295633" y="2861349"/>
+            <a:off x="4488580" y="2861349"/>
             <a:ext cx="878959" cy="369332"/>
           </a:xfrm>
           <a:prstGeom prst="rect">
@@ -23400,7 +23574,7 @@
         </p:nvSpPr>
         <p:spPr>
           <a:xfrm rot="16200000">
-            <a:off x="6330244" y="2861350"/>
+            <a:off x="6523191" y="2861350"/>
             <a:ext cx="878959" cy="369332"/>
           </a:xfrm>
           <a:prstGeom prst="rect">
@@ -23435,7 +23609,7 @@
         </p:nvSpPr>
         <p:spPr>
           <a:xfrm>
-            <a:off x="7224521" y="1627768"/>
+            <a:off x="7417468" y="1627768"/>
             <a:ext cx="443056" cy="2873828"/>
           </a:xfrm>
           <a:prstGeom prst="rect">
@@ -23487,8 +23661,8 @@
         </p:nvSpPr>
         <p:spPr>
           <a:xfrm rot="16200000">
-            <a:off x="7061168" y="2878576"/>
-            <a:ext cx="769763" cy="369332"/>
+            <a:off x="7220388" y="2878576"/>
+            <a:ext cx="837217" cy="369332"/>
           </a:xfrm>
           <a:prstGeom prst="rect">
             <a:avLst/>
@@ -23503,7 +23677,7 @@
           <a:p>
             <a:r>
               <a:rPr lang="en-US" dirty="0"/>
-              <a:t>Dense</a:t>
+              <a:t>Flatten</a:t>
             </a:r>
           </a:p>
         </p:txBody>
@@ -23522,8 +23696,8 @@
         </p:nvSpPr>
         <p:spPr>
           <a:xfrm>
-            <a:off x="2516777" y="836023"/>
-            <a:ext cx="5674724" cy="4119154"/>
+            <a:off x="2709723" y="836023"/>
+            <a:ext cx="6014827" cy="4119154"/>
           </a:xfrm>
           <a:prstGeom prst="rect">
             <a:avLst/>
@@ -23570,7 +23744,7 @@
         </p:nvSpPr>
         <p:spPr>
           <a:xfrm>
-            <a:off x="3501843" y="989521"/>
+            <a:off x="3694790" y="989521"/>
             <a:ext cx="3977820" cy="369332"/>
           </a:xfrm>
           <a:prstGeom prst="rect">
@@ -23605,7 +23779,7 @@
         </p:nvSpPr>
         <p:spPr>
           <a:xfrm>
-            <a:off x="1365011" y="1204123"/>
+            <a:off x="1557958" y="1204123"/>
             <a:ext cx="391886" cy="3483429"/>
           </a:xfrm>
           <a:prstGeom prst="rect">
@@ -23657,7 +23831,7 @@
         </p:nvSpPr>
         <p:spPr>
           <a:xfrm>
-            <a:off x="1808165" y="2686594"/>
+            <a:off x="2001112" y="2686594"/>
             <a:ext cx="650806" cy="418012"/>
           </a:xfrm>
           <a:prstGeom prst="rightArrow">
@@ -23703,7 +23877,7 @@
         </p:nvSpPr>
         <p:spPr>
           <a:xfrm rot="16200000">
-            <a:off x="1169726" y="2674513"/>
+            <a:off x="1362673" y="2674513"/>
             <a:ext cx="684803" cy="369332"/>
           </a:xfrm>
           <a:prstGeom prst="rect">
@@ -23738,7 +23912,7 @@
         </p:nvSpPr>
         <p:spPr>
           <a:xfrm>
-            <a:off x="8277177" y="2719958"/>
+            <a:off x="8839240" y="2719958"/>
             <a:ext cx="650806" cy="418012"/>
           </a:xfrm>
           <a:prstGeom prst="rightArrow">
@@ -23784,7 +23958,7 @@
         </p:nvSpPr>
         <p:spPr>
           <a:xfrm>
-            <a:off x="8999721" y="2518954"/>
+            <a:off x="9561784" y="2518954"/>
             <a:ext cx="1201783" cy="783772"/>
           </a:xfrm>
           <a:prstGeom prst="rect">
@@ -23843,7 +24017,7 @@
         </p:nvSpPr>
         <p:spPr>
           <a:xfrm rot="16200000">
-            <a:off x="3876450" y="4280733"/>
+            <a:off x="4069397" y="4280733"/>
             <a:ext cx="364585" cy="1797413"/>
           </a:xfrm>
           <a:prstGeom prst="leftBrace">
@@ -23887,7 +24061,7 @@
         </p:nvSpPr>
         <p:spPr>
           <a:xfrm>
-            <a:off x="3487917" y="5372629"/>
+            <a:off x="3680864" y="5372629"/>
             <a:ext cx="1413144" cy="1169551"/>
           </a:xfrm>
           <a:prstGeom prst="rect">
@@ -23946,7 +24120,7 @@
         </p:nvSpPr>
         <p:spPr>
           <a:xfrm rot="16200000">
-            <a:off x="5923491" y="4279634"/>
+            <a:off x="6116438" y="4279634"/>
             <a:ext cx="364585" cy="1797413"/>
           </a:xfrm>
           <a:prstGeom prst="leftBrace">
@@ -23990,7 +24164,7 @@
         </p:nvSpPr>
         <p:spPr>
           <a:xfrm>
-            <a:off x="5554432" y="5372628"/>
+            <a:off x="5747379" y="5372628"/>
             <a:ext cx="1413144" cy="1169551"/>
           </a:xfrm>
           <a:prstGeom prst="rect">
@@ -24049,8 +24223,8 @@
         </p:nvSpPr>
         <p:spPr>
           <a:xfrm>
-            <a:off x="1129004" y="681135"/>
-            <a:ext cx="9254831" cy="5861044"/>
+            <a:off x="1275127" y="681135"/>
+            <a:ext cx="9744809" cy="5861044"/>
           </a:xfrm>
           <a:prstGeom prst="rect">
             <a:avLst/>
@@ -24080,6 +24254,93 @@
           <a:p>
             <a:pPr algn="ctr"/>
             <a:endParaRPr lang="en-US"/>
+          </a:p>
+        </p:txBody>
+      </p:sp>
+      <p:sp>
+        <p:nvSpPr>
+          <p:cNvPr id="29" name="Rectangle 28">
+            <a:extLst>
+              <a:ext uri="{FF2B5EF4-FFF2-40B4-BE49-F238E27FC236}">
+                <a16:creationId xmlns:a16="http://schemas.microsoft.com/office/drawing/2014/main" id="{3C28CAEE-1733-4489-B794-3142A64BBE2B}"/>
+              </a:ext>
+            </a:extLst>
+          </p:cNvPr>
+          <p:cNvSpPr/>
+          <p:nvPr/>
+        </p:nvSpPr>
+        <p:spPr>
+          <a:xfrm>
+            <a:off x="8082658" y="1626328"/>
+            <a:ext cx="443056" cy="2873828"/>
+          </a:xfrm>
+          <a:prstGeom prst="rect">
+            <a:avLst/>
+          </a:prstGeom>
+          <a:noFill/>
+          <a:ln>
+            <a:solidFill>
+              <a:schemeClr val="tx1"/>
+            </a:solidFill>
+          </a:ln>
+        </p:spPr>
+        <p:style>
+          <a:lnRef idx="2">
+            <a:schemeClr val="accent1">
+              <a:shade val="50000"/>
+            </a:schemeClr>
+          </a:lnRef>
+          <a:fillRef idx="1">
+            <a:schemeClr val="accent1"/>
+          </a:fillRef>
+          <a:effectRef idx="0">
+            <a:schemeClr val="accent1"/>
+          </a:effectRef>
+          <a:fontRef idx="minor">
+            <a:schemeClr val="lt1"/>
+          </a:fontRef>
+        </p:style>
+        <p:txBody>
+          <a:bodyPr rtlCol="0" anchor="ctr"/>
+          <a:lstStyle/>
+          <a:p>
+            <a:pPr algn="ctr"/>
+            <a:endParaRPr lang="en-US"/>
+          </a:p>
+        </p:txBody>
+      </p:sp>
+      <p:sp>
+        <p:nvSpPr>
+          <p:cNvPr id="30" name="TextBox 29">
+            <a:extLst>
+              <a:ext uri="{FF2B5EF4-FFF2-40B4-BE49-F238E27FC236}">
+                <a16:creationId xmlns:a16="http://schemas.microsoft.com/office/drawing/2014/main" id="{95CDF354-0925-4213-A727-9AF56DD07698}"/>
+              </a:ext>
+            </a:extLst>
+          </p:cNvPr>
+          <p:cNvSpPr txBox="1"/>
+          <p:nvPr/>
+        </p:nvSpPr>
+        <p:spPr>
+          <a:xfrm rot="16200000">
+            <a:off x="7564664" y="2859452"/>
+            <a:ext cx="1405321" cy="369332"/>
+          </a:xfrm>
+          <a:prstGeom prst="rect">
+            <a:avLst/>
+          </a:prstGeom>
+          <a:noFill/>
+        </p:spPr>
+        <p:txBody>
+          <a:bodyPr wrap="none" rtlCol="0">
+            <a:spAutoFit/>
+          </a:bodyPr>
+          <a:lstStyle/>
+          <a:p>
+            <a:r>
+              <a:rPr lang="en-US" dirty="0"/>
+              <a:t>Classification</a:t>
+            </a:r>
           </a:p>
         </p:txBody>
       </p:sp>

--- a/CapstoneP2/ReportOuts/ModelApproachSensorTimeSeriesData.pptx
+++ b/CapstoneP2/ReportOuts/ModelApproachSensorTimeSeriesData.pptx
@@ -273,7 +273,7 @@
           <a:p>
             <a:fld id="{41700D12-4FA1-4E13-9BF0-A2DB108FDA70}" type="datetimeFigureOut">
               <a:rPr lang="en-US" smtClean="0"/>
-              <a:t>2/18/2020</a:t>
+              <a:t>2/25/2020</a:t>
             </a:fld>
             <a:endParaRPr lang="en-US"/>
           </a:p>
@@ -471,7 +471,7 @@
           <a:p>
             <a:fld id="{41700D12-4FA1-4E13-9BF0-A2DB108FDA70}" type="datetimeFigureOut">
               <a:rPr lang="en-US" smtClean="0"/>
-              <a:t>2/18/2020</a:t>
+              <a:t>2/25/2020</a:t>
             </a:fld>
             <a:endParaRPr lang="en-US"/>
           </a:p>
@@ -679,7 +679,7 @@
           <a:p>
             <a:fld id="{41700D12-4FA1-4E13-9BF0-A2DB108FDA70}" type="datetimeFigureOut">
               <a:rPr lang="en-US" smtClean="0"/>
-              <a:t>2/18/2020</a:t>
+              <a:t>2/25/2020</a:t>
             </a:fld>
             <a:endParaRPr lang="en-US"/>
           </a:p>
@@ -877,7 +877,7 @@
           <a:p>
             <a:fld id="{41700D12-4FA1-4E13-9BF0-A2DB108FDA70}" type="datetimeFigureOut">
               <a:rPr lang="en-US" smtClean="0"/>
-              <a:t>2/18/2020</a:t>
+              <a:t>2/25/2020</a:t>
             </a:fld>
             <a:endParaRPr lang="en-US"/>
           </a:p>
@@ -1152,7 +1152,7 @@
           <a:p>
             <a:fld id="{41700D12-4FA1-4E13-9BF0-A2DB108FDA70}" type="datetimeFigureOut">
               <a:rPr lang="en-US" smtClean="0"/>
-              <a:t>2/18/2020</a:t>
+              <a:t>2/25/2020</a:t>
             </a:fld>
             <a:endParaRPr lang="en-US"/>
           </a:p>
@@ -1417,7 +1417,7 @@
           <a:p>
             <a:fld id="{41700D12-4FA1-4E13-9BF0-A2DB108FDA70}" type="datetimeFigureOut">
               <a:rPr lang="en-US" smtClean="0"/>
-              <a:t>2/18/2020</a:t>
+              <a:t>2/25/2020</a:t>
             </a:fld>
             <a:endParaRPr lang="en-US"/>
           </a:p>
@@ -1829,7 +1829,7 @@
           <a:p>
             <a:fld id="{41700D12-4FA1-4E13-9BF0-A2DB108FDA70}" type="datetimeFigureOut">
               <a:rPr lang="en-US" smtClean="0"/>
-              <a:t>2/18/2020</a:t>
+              <a:t>2/25/2020</a:t>
             </a:fld>
             <a:endParaRPr lang="en-US"/>
           </a:p>
@@ -1970,7 +1970,7 @@
           <a:p>
             <a:fld id="{41700D12-4FA1-4E13-9BF0-A2DB108FDA70}" type="datetimeFigureOut">
               <a:rPr lang="en-US" smtClean="0"/>
-              <a:t>2/18/2020</a:t>
+              <a:t>2/25/2020</a:t>
             </a:fld>
             <a:endParaRPr lang="en-US"/>
           </a:p>
@@ -2083,7 +2083,7 @@
           <a:p>
             <a:fld id="{41700D12-4FA1-4E13-9BF0-A2DB108FDA70}" type="datetimeFigureOut">
               <a:rPr lang="en-US" smtClean="0"/>
-              <a:t>2/18/2020</a:t>
+              <a:t>2/25/2020</a:t>
             </a:fld>
             <a:endParaRPr lang="en-US"/>
           </a:p>
@@ -2394,7 +2394,7 @@
           <a:p>
             <a:fld id="{41700D12-4FA1-4E13-9BF0-A2DB108FDA70}" type="datetimeFigureOut">
               <a:rPr lang="en-US" smtClean="0"/>
-              <a:t>2/18/2020</a:t>
+              <a:t>2/25/2020</a:t>
             </a:fld>
             <a:endParaRPr lang="en-US"/>
           </a:p>
@@ -2682,7 +2682,7 @@
           <a:p>
             <a:fld id="{41700D12-4FA1-4E13-9BF0-A2DB108FDA70}" type="datetimeFigureOut">
               <a:rPr lang="en-US" smtClean="0"/>
-              <a:t>2/18/2020</a:t>
+              <a:t>2/25/2020</a:t>
             </a:fld>
             <a:endParaRPr lang="en-US"/>
           </a:p>
@@ -2923,7 +2923,7 @@
           <a:p>
             <a:fld id="{41700D12-4FA1-4E13-9BF0-A2DB108FDA70}" type="datetimeFigureOut">
               <a:rPr lang="en-US" smtClean="0"/>
-              <a:t>2/18/2020</a:t>
+              <a:t>2/25/2020</a:t>
             </a:fld>
             <a:endParaRPr lang="en-US"/>
           </a:p>
@@ -3382,8 +3382,8 @@
         </p:nvSpPr>
         <p:spPr>
           <a:xfrm>
-            <a:off x="104981" y="833536"/>
-            <a:ext cx="8223341" cy="6370975"/>
+            <a:off x="104981" y="791591"/>
+            <a:ext cx="8223341" cy="6863417"/>
           </a:xfrm>
           <a:prstGeom prst="rect">
             <a:avLst/>
@@ -3571,6 +3571,16 @@
             <a:r>
               <a:rPr lang="en-US" sz="1600" dirty="0"/>
               <a:t>Fast Fourier Transform + Discrete Wavelet Transform</a:t>
+            </a:r>
+          </a:p>
+          <a:p>
+            <a:pPr marL="800100" lvl="1" indent="-342900">
+              <a:buFont typeface="Courier New" panose="02070309020205020404" pitchFamily="49" charset="0"/>
+              <a:buChar char="o"/>
+            </a:pPr>
+            <a:r>
+              <a:rPr lang="en-US" sz="1600" dirty="0"/>
+              <a:t>Fast Fourier Transform + Discrete Wavelet Transform + 1D CNN</a:t>
             </a:r>
           </a:p>
           <a:p>
